--- a/Documentations/description_fonctionnelle_du_besoin.pptx
+++ b/Documentations/description_fonctionnelle_du_besoin.pptx
@@ -196,7 +196,7 @@
           <a:p>
             <a:fld id="{B12CD415-C79E-416B-8AE8-202FCBF8904E}" type="datetimeFigureOut">
               <a:rPr lang="fr-FR" smtClean="0"/>
-              <a:t>31/03/2020</a:t>
+              <a:t>01/04/2020</a:t>
             </a:fld>
             <a:endParaRPr lang="fr-FR"/>
           </a:p>
@@ -813,7 +813,7 @@
           <a:p>
             <a:fld id="{7DFFB93A-6C62-4102-BDB0-D496CBE497BD}" type="datetimeFigureOut">
               <a:rPr lang="fr-FR" smtClean="0"/>
-              <a:t>31/03/2020</a:t>
+              <a:t>01/04/2020</a:t>
             </a:fld>
             <a:endParaRPr lang="fr-FR"/>
           </a:p>
@@ -983,7 +983,7 @@
           <a:p>
             <a:fld id="{7DFFB93A-6C62-4102-BDB0-D496CBE497BD}" type="datetimeFigureOut">
               <a:rPr lang="fr-FR" smtClean="0"/>
-              <a:t>31/03/2020</a:t>
+              <a:t>01/04/2020</a:t>
             </a:fld>
             <a:endParaRPr lang="fr-FR"/>
           </a:p>
@@ -1163,7 +1163,7 @@
           <a:p>
             <a:fld id="{7DFFB93A-6C62-4102-BDB0-D496CBE497BD}" type="datetimeFigureOut">
               <a:rPr lang="fr-FR" smtClean="0"/>
-              <a:t>31/03/2020</a:t>
+              <a:t>01/04/2020</a:t>
             </a:fld>
             <a:endParaRPr lang="fr-FR"/>
           </a:p>
@@ -1333,7 +1333,7 @@
           <a:p>
             <a:fld id="{7DFFB93A-6C62-4102-BDB0-D496CBE497BD}" type="datetimeFigureOut">
               <a:rPr lang="fr-FR" smtClean="0"/>
-              <a:t>31/03/2020</a:t>
+              <a:t>01/04/2020</a:t>
             </a:fld>
             <a:endParaRPr lang="fr-FR"/>
           </a:p>
@@ -1579,7 +1579,7 @@
           <a:p>
             <a:fld id="{7DFFB93A-6C62-4102-BDB0-D496CBE497BD}" type="datetimeFigureOut">
               <a:rPr lang="fr-FR" smtClean="0"/>
-              <a:t>31/03/2020</a:t>
+              <a:t>01/04/2020</a:t>
             </a:fld>
             <a:endParaRPr lang="fr-FR"/>
           </a:p>
@@ -1867,7 +1867,7 @@
           <a:p>
             <a:fld id="{7DFFB93A-6C62-4102-BDB0-D496CBE497BD}" type="datetimeFigureOut">
               <a:rPr lang="fr-FR" smtClean="0"/>
-              <a:t>31/03/2020</a:t>
+              <a:t>01/04/2020</a:t>
             </a:fld>
             <a:endParaRPr lang="fr-FR"/>
           </a:p>
@@ -2289,7 +2289,7 @@
           <a:p>
             <a:fld id="{7DFFB93A-6C62-4102-BDB0-D496CBE497BD}" type="datetimeFigureOut">
               <a:rPr lang="fr-FR" smtClean="0"/>
-              <a:t>31/03/2020</a:t>
+              <a:t>01/04/2020</a:t>
             </a:fld>
             <a:endParaRPr lang="fr-FR"/>
           </a:p>
@@ -2407,7 +2407,7 @@
           <a:p>
             <a:fld id="{7DFFB93A-6C62-4102-BDB0-D496CBE497BD}" type="datetimeFigureOut">
               <a:rPr lang="fr-FR" smtClean="0"/>
-              <a:t>31/03/2020</a:t>
+              <a:t>01/04/2020</a:t>
             </a:fld>
             <a:endParaRPr lang="fr-FR"/>
           </a:p>
@@ -2502,7 +2502,7 @@
           <a:p>
             <a:fld id="{7DFFB93A-6C62-4102-BDB0-D496CBE497BD}" type="datetimeFigureOut">
               <a:rPr lang="fr-FR" smtClean="0"/>
-              <a:t>31/03/2020</a:t>
+              <a:t>01/04/2020</a:t>
             </a:fld>
             <a:endParaRPr lang="fr-FR"/>
           </a:p>
@@ -2779,7 +2779,7 @@
           <a:p>
             <a:fld id="{7DFFB93A-6C62-4102-BDB0-D496CBE497BD}" type="datetimeFigureOut">
               <a:rPr lang="fr-FR" smtClean="0"/>
-              <a:t>31/03/2020</a:t>
+              <a:t>01/04/2020</a:t>
             </a:fld>
             <a:endParaRPr lang="fr-FR"/>
           </a:p>
@@ -3032,7 +3032,7 @@
           <a:p>
             <a:fld id="{7DFFB93A-6C62-4102-BDB0-D496CBE497BD}" type="datetimeFigureOut">
               <a:rPr lang="fr-FR" smtClean="0"/>
-              <a:t>31/03/2020</a:t>
+              <a:t>01/04/2020</a:t>
             </a:fld>
             <a:endParaRPr lang="fr-FR"/>
           </a:p>
@@ -3245,7 +3245,7 @@
           <a:p>
             <a:fld id="{7DFFB93A-6C62-4102-BDB0-D496CBE497BD}" type="datetimeFigureOut">
               <a:rPr lang="fr-FR" smtClean="0"/>
-              <a:t>31/03/2020</a:t>
+              <a:t>01/04/2020</a:t>
             </a:fld>
             <a:endParaRPr lang="fr-FR"/>
           </a:p>
@@ -3629,14 +3629,14 @@
           <p:nvPr>
             <p:extLst>
               <p:ext uri="{D42A27DB-BD31-4B8C-83A1-F6EECF244321}">
-                <p14:modId xmlns:p14="http://schemas.microsoft.com/office/powerpoint/2010/main" val="4136898021"/>
+                <p14:modId xmlns:p14="http://schemas.microsoft.com/office/powerpoint/2010/main" val="3322237907"/>
               </p:ext>
             </p:extLst>
           </p:nvPr>
         </p:nvGraphicFramePr>
         <p:xfrm>
           <a:off x="395536" y="188640"/>
-          <a:ext cx="8496944" cy="5087352"/>
+          <a:ext cx="8496944" cy="5082272"/>
         </p:xfrm>
         <a:graphic>
           <a:graphicData uri="http://schemas.openxmlformats.org/drawingml/2006/table">
@@ -4264,7 +4264,7 @@
                   </a:tcPr>
                 </a:tc>
               </a:tr>
-              <a:tr h="370840">
+              <a:tr h="327640">
                 <a:tc>
                   <a:txBody>
                     <a:bodyPr/>
@@ -4286,7 +4286,7 @@
                     <a:p>
                       <a:r>
                         <a:rPr lang="fr-FR" dirty="0" smtClean="0"/>
-                        <a:t>M5</a:t>
+                        <a:t>M1</a:t>
                       </a:r>
                       <a:endParaRPr lang="fr-FR" dirty="0"/>
                     </a:p>
@@ -4470,7 +4470,7 @@
                     <a:p>
                       <a:r>
                         <a:rPr lang="fr-FR" dirty="0" smtClean="0"/>
-                        <a:t>0</a:t>
+                        <a:t>1</a:t>
                       </a:r>
                       <a:endParaRPr lang="fr-FR" dirty="0"/>
                     </a:p>
@@ -5177,7 +5177,7 @@
                     <a:p>
                       <a:r>
                         <a:rPr lang="fr-FR" dirty="0" smtClean="0"/>
-                        <a:t>M5</a:t>
+                        <a:t>M1</a:t>
                       </a:r>
                       <a:endParaRPr lang="fr-FR" dirty="0"/>
                     </a:p>
@@ -5452,7 +5452,7 @@
                     <a:p>
                       <a:r>
                         <a:rPr lang="fr-FR" dirty="0" smtClean="0"/>
-                        <a:t>0</a:t>
+                        <a:t>1</a:t>
                       </a:r>
                       <a:endParaRPr lang="fr-FR" dirty="0"/>
                     </a:p>
@@ -7297,8 +7297,8 @@
             <a:avLst/>
           </a:prstGeom>
           <a:ln w="6350">
-            <a:headEnd type="arrow"/>
-            <a:tailEnd type="arrow"/>
+            <a:headEnd type="triangle"/>
+            <a:tailEnd type="oval"/>
           </a:ln>
         </p:spPr>
         <p:style>
@@ -8300,7 +8300,7 @@
           </a:prstGeom>
           <a:ln w="6350">
             <a:headEnd type="arrow"/>
-            <a:tailEnd type="arrow"/>
+            <a:tailEnd type="oval"/>
           </a:ln>
         </p:spPr>
         <p:style>

--- a/Documentations/description_fonctionnelle_du_besoin.pptx
+++ b/Documentations/description_fonctionnelle_du_besoin.pptx
@@ -5,7 +5,7 @@
     <p:sldMasterId id="2147483648" r:id="rId1"/>
   </p:sldMasterIdLst>
   <p:notesMasterIdLst>
-    <p:notesMasterId r:id="rId7"/>
+    <p:notesMasterId r:id="rId14"/>
   </p:notesMasterIdLst>
   <p:sldIdLst>
     <p:sldId id="257" r:id="rId2"/>
@@ -13,6 +13,13 @@
     <p:sldId id="256" r:id="rId4"/>
     <p:sldId id="260" r:id="rId5"/>
     <p:sldId id="258" r:id="rId6"/>
+    <p:sldId id="261" r:id="rId7"/>
+    <p:sldId id="262" r:id="rId8"/>
+    <p:sldId id="263" r:id="rId9"/>
+    <p:sldId id="264" r:id="rId10"/>
+    <p:sldId id="265" r:id="rId11"/>
+    <p:sldId id="266" r:id="rId12"/>
+    <p:sldId id="267" r:id="rId13"/>
   </p:sldIdLst>
   <p:sldSz cx="9144000" cy="6858000" type="screen4x3"/>
   <p:notesSz cx="6858000" cy="9144000"/>
@@ -111,6 +118,22 @@
       </a:defRPr>
     </a:lvl9pPr>
   </p:defaultTextStyle>
+  <p:extLst>
+    <p:ext uri="{EFAFB233-063F-42B5-8137-9DF3F51BA10A}">
+      <p15:sldGuideLst xmlns:p15="http://schemas.microsoft.com/office/powerpoint/2012/main" xmlns="">
+        <p15:guide id="1" orient="horz" pos="2160">
+          <p15:clr>
+            <a:srgbClr val="A4A3A4"/>
+          </p15:clr>
+        </p15:guide>
+        <p15:guide id="2" pos="2880">
+          <p15:clr>
+            <a:srgbClr val="A4A3A4"/>
+          </p15:clr>
+        </p15:guide>
+      </p15:sldGuideLst>
+    </p:ext>
+  </p:extLst>
 </p:presentation>
 </file>
 
@@ -196,7 +219,7 @@
           <a:p>
             <a:fld id="{B12CD415-C79E-416B-8AE8-202FCBF8904E}" type="datetimeFigureOut">
               <a:rPr lang="fr-FR" smtClean="0"/>
-              <a:t>01/04/2020</a:t>
+              <a:t>09/04/2020</a:t>
             </a:fld>
             <a:endParaRPr lang="fr-FR"/>
           </a:p>
@@ -260,38 +283,37 @@
           <a:p>
             <a:pPr lvl="0"/>
             <a:r>
-              <a:rPr lang="fr-FR" smtClean="0"/>
+              <a:rPr lang="fr-FR"/>
               <a:t>Modifiez les styles du texte du masque</a:t>
             </a:r>
           </a:p>
           <a:p>
             <a:pPr lvl="1"/>
             <a:r>
-              <a:rPr lang="fr-FR" smtClean="0"/>
+              <a:rPr lang="fr-FR"/>
               <a:t>Deuxième niveau</a:t>
             </a:r>
           </a:p>
           <a:p>
             <a:pPr lvl="2"/>
             <a:r>
-              <a:rPr lang="fr-FR" smtClean="0"/>
+              <a:rPr lang="fr-FR"/>
               <a:t>Troisième niveau</a:t>
             </a:r>
           </a:p>
           <a:p>
             <a:pPr lvl="3"/>
             <a:r>
-              <a:rPr lang="fr-FR" smtClean="0"/>
+              <a:rPr lang="fr-FR"/>
               <a:t>Quatrième niveau</a:t>
             </a:r>
           </a:p>
           <a:p>
             <a:pPr lvl="4"/>
             <a:r>
-              <a:rPr lang="fr-FR" smtClean="0"/>
+              <a:rPr lang="fr-FR"/>
               <a:t>Cinquième niveau</a:t>
             </a:r>
-            <a:endParaRPr lang="fr-FR"/>
           </a:p>
         </p:txBody>
       </p:sp>
@@ -670,10 +692,9 @@
           <a:lstStyle/>
           <a:p>
             <a:r>
-              <a:rPr lang="fr-FR" smtClean="0"/>
+              <a:rPr lang="fr-FR"/>
               <a:t>Modifiez le style du titre</a:t>
             </a:r>
-            <a:endParaRPr lang="fr-FR"/>
           </a:p>
         </p:txBody>
       </p:sp>
@@ -789,10 +810,9 @@
           </a:lstStyle>
           <a:p>
             <a:r>
-              <a:rPr lang="fr-FR" smtClean="0"/>
+              <a:rPr lang="fr-FR"/>
               <a:t>Modifiez le style des sous-titres du masque</a:t>
             </a:r>
-            <a:endParaRPr lang="fr-FR"/>
           </a:p>
         </p:txBody>
       </p:sp>
@@ -813,7 +833,7 @@
           <a:p>
             <a:fld id="{7DFFB93A-6C62-4102-BDB0-D496CBE497BD}" type="datetimeFigureOut">
               <a:rPr lang="fr-FR" smtClean="0"/>
-              <a:t>01/04/2020</a:t>
+              <a:t>09/04/2020</a:t>
             </a:fld>
             <a:endParaRPr lang="fr-FR"/>
           </a:p>
@@ -907,10 +927,9 @@
           <a:lstStyle/>
           <a:p>
             <a:r>
-              <a:rPr lang="fr-FR" smtClean="0"/>
+              <a:rPr lang="fr-FR"/>
               <a:t>Modifiez le style du titre</a:t>
             </a:r>
-            <a:endParaRPr lang="fr-FR"/>
           </a:p>
         </p:txBody>
       </p:sp>
@@ -931,38 +950,37 @@
           <a:p>
             <a:pPr lvl="0"/>
             <a:r>
-              <a:rPr lang="fr-FR" smtClean="0"/>
+              <a:rPr lang="fr-FR"/>
               <a:t>Modifiez les styles du texte du masque</a:t>
             </a:r>
           </a:p>
           <a:p>
             <a:pPr lvl="1"/>
             <a:r>
-              <a:rPr lang="fr-FR" smtClean="0"/>
+              <a:rPr lang="fr-FR"/>
               <a:t>Deuxième niveau</a:t>
             </a:r>
           </a:p>
           <a:p>
             <a:pPr lvl="2"/>
             <a:r>
-              <a:rPr lang="fr-FR" smtClean="0"/>
+              <a:rPr lang="fr-FR"/>
               <a:t>Troisième niveau</a:t>
             </a:r>
           </a:p>
           <a:p>
             <a:pPr lvl="3"/>
             <a:r>
-              <a:rPr lang="fr-FR" smtClean="0"/>
+              <a:rPr lang="fr-FR"/>
               <a:t>Quatrième niveau</a:t>
             </a:r>
           </a:p>
           <a:p>
             <a:pPr lvl="4"/>
             <a:r>
-              <a:rPr lang="fr-FR" smtClean="0"/>
+              <a:rPr lang="fr-FR"/>
               <a:t>Cinquième niveau</a:t>
             </a:r>
-            <a:endParaRPr lang="fr-FR"/>
           </a:p>
         </p:txBody>
       </p:sp>
@@ -983,7 +1001,7 @@
           <a:p>
             <a:fld id="{7DFFB93A-6C62-4102-BDB0-D496CBE497BD}" type="datetimeFigureOut">
               <a:rPr lang="fr-FR" smtClean="0"/>
-              <a:t>01/04/2020</a:t>
+              <a:t>09/04/2020</a:t>
             </a:fld>
             <a:endParaRPr lang="fr-FR"/>
           </a:p>
@@ -1082,10 +1100,9 @@
           <a:lstStyle/>
           <a:p>
             <a:r>
-              <a:rPr lang="fr-FR" smtClean="0"/>
+              <a:rPr lang="fr-FR"/>
               <a:t>Modifiez le style du titre</a:t>
             </a:r>
-            <a:endParaRPr lang="fr-FR"/>
           </a:p>
         </p:txBody>
       </p:sp>
@@ -1111,38 +1128,37 @@
           <a:p>
             <a:pPr lvl="0"/>
             <a:r>
-              <a:rPr lang="fr-FR" smtClean="0"/>
+              <a:rPr lang="fr-FR"/>
               <a:t>Modifiez les styles du texte du masque</a:t>
             </a:r>
           </a:p>
           <a:p>
             <a:pPr lvl="1"/>
             <a:r>
-              <a:rPr lang="fr-FR" smtClean="0"/>
+              <a:rPr lang="fr-FR"/>
               <a:t>Deuxième niveau</a:t>
             </a:r>
           </a:p>
           <a:p>
             <a:pPr lvl="2"/>
             <a:r>
-              <a:rPr lang="fr-FR" smtClean="0"/>
+              <a:rPr lang="fr-FR"/>
               <a:t>Troisième niveau</a:t>
             </a:r>
           </a:p>
           <a:p>
             <a:pPr lvl="3"/>
             <a:r>
-              <a:rPr lang="fr-FR" smtClean="0"/>
+              <a:rPr lang="fr-FR"/>
               <a:t>Quatrième niveau</a:t>
             </a:r>
           </a:p>
           <a:p>
             <a:pPr lvl="4"/>
             <a:r>
-              <a:rPr lang="fr-FR" smtClean="0"/>
+              <a:rPr lang="fr-FR"/>
               <a:t>Cinquième niveau</a:t>
             </a:r>
-            <a:endParaRPr lang="fr-FR"/>
           </a:p>
         </p:txBody>
       </p:sp>
@@ -1163,7 +1179,7 @@
           <a:p>
             <a:fld id="{7DFFB93A-6C62-4102-BDB0-D496CBE497BD}" type="datetimeFigureOut">
               <a:rPr lang="fr-FR" smtClean="0"/>
-              <a:t>01/04/2020</a:t>
+              <a:t>09/04/2020</a:t>
             </a:fld>
             <a:endParaRPr lang="fr-FR"/>
           </a:p>
@@ -1257,10 +1273,9 @@
           <a:lstStyle/>
           <a:p>
             <a:r>
-              <a:rPr lang="fr-FR" smtClean="0"/>
+              <a:rPr lang="fr-FR"/>
               <a:t>Modifiez le style du titre</a:t>
             </a:r>
-            <a:endParaRPr lang="fr-FR"/>
           </a:p>
         </p:txBody>
       </p:sp>
@@ -1281,38 +1296,37 @@
           <a:p>
             <a:pPr lvl="0"/>
             <a:r>
-              <a:rPr lang="fr-FR" smtClean="0"/>
+              <a:rPr lang="fr-FR"/>
               <a:t>Modifiez les styles du texte du masque</a:t>
             </a:r>
           </a:p>
           <a:p>
             <a:pPr lvl="1"/>
             <a:r>
-              <a:rPr lang="fr-FR" smtClean="0"/>
+              <a:rPr lang="fr-FR"/>
               <a:t>Deuxième niveau</a:t>
             </a:r>
           </a:p>
           <a:p>
             <a:pPr lvl="2"/>
             <a:r>
-              <a:rPr lang="fr-FR" smtClean="0"/>
+              <a:rPr lang="fr-FR"/>
               <a:t>Troisième niveau</a:t>
             </a:r>
           </a:p>
           <a:p>
             <a:pPr lvl="3"/>
             <a:r>
-              <a:rPr lang="fr-FR" smtClean="0"/>
+              <a:rPr lang="fr-FR"/>
               <a:t>Quatrième niveau</a:t>
             </a:r>
           </a:p>
           <a:p>
             <a:pPr lvl="4"/>
             <a:r>
-              <a:rPr lang="fr-FR" smtClean="0"/>
+              <a:rPr lang="fr-FR"/>
               <a:t>Cinquième niveau</a:t>
             </a:r>
-            <a:endParaRPr lang="fr-FR"/>
           </a:p>
         </p:txBody>
       </p:sp>
@@ -1333,7 +1347,7 @@
           <a:p>
             <a:fld id="{7DFFB93A-6C62-4102-BDB0-D496CBE497BD}" type="datetimeFigureOut">
               <a:rPr lang="fr-FR" smtClean="0"/>
-              <a:t>01/04/2020</a:t>
+              <a:t>09/04/2020</a:t>
             </a:fld>
             <a:endParaRPr lang="fr-FR"/>
           </a:p>
@@ -1436,10 +1450,9 @@
           </a:lstStyle>
           <a:p>
             <a:r>
-              <a:rPr lang="fr-FR" smtClean="0"/>
+              <a:rPr lang="fr-FR"/>
               <a:t>Modifiez le style du titre</a:t>
             </a:r>
-            <a:endParaRPr lang="fr-FR"/>
           </a:p>
         </p:txBody>
       </p:sp>
@@ -1556,7 +1569,7 @@
           <a:p>
             <a:pPr lvl="0"/>
             <a:r>
-              <a:rPr lang="fr-FR" smtClean="0"/>
+              <a:rPr lang="fr-FR"/>
               <a:t>Modifiez les styles du texte du masque</a:t>
             </a:r>
           </a:p>
@@ -1579,7 +1592,7 @@
           <a:p>
             <a:fld id="{7DFFB93A-6C62-4102-BDB0-D496CBE497BD}" type="datetimeFigureOut">
               <a:rPr lang="fr-FR" smtClean="0"/>
-              <a:t>01/04/2020</a:t>
+              <a:t>09/04/2020</a:t>
             </a:fld>
             <a:endParaRPr lang="fr-FR"/>
           </a:p>
@@ -1673,10 +1686,9 @@
           <a:lstStyle/>
           <a:p>
             <a:r>
-              <a:rPr lang="fr-FR" smtClean="0"/>
+              <a:rPr lang="fr-FR"/>
               <a:t>Modifiez le style du titre</a:t>
             </a:r>
-            <a:endParaRPr lang="fr-FR"/>
           </a:p>
         </p:txBody>
       </p:sp>
@@ -1730,38 +1742,37 @@
           <a:p>
             <a:pPr lvl="0"/>
             <a:r>
-              <a:rPr lang="fr-FR" smtClean="0"/>
+              <a:rPr lang="fr-FR"/>
               <a:t>Modifiez les styles du texte du masque</a:t>
             </a:r>
           </a:p>
           <a:p>
             <a:pPr lvl="1"/>
             <a:r>
-              <a:rPr lang="fr-FR" smtClean="0"/>
+              <a:rPr lang="fr-FR"/>
               <a:t>Deuxième niveau</a:t>
             </a:r>
           </a:p>
           <a:p>
             <a:pPr lvl="2"/>
             <a:r>
-              <a:rPr lang="fr-FR" smtClean="0"/>
+              <a:rPr lang="fr-FR"/>
               <a:t>Troisième niveau</a:t>
             </a:r>
           </a:p>
           <a:p>
             <a:pPr lvl="3"/>
             <a:r>
-              <a:rPr lang="fr-FR" smtClean="0"/>
+              <a:rPr lang="fr-FR"/>
               <a:t>Quatrième niveau</a:t>
             </a:r>
           </a:p>
           <a:p>
             <a:pPr lvl="4"/>
             <a:r>
-              <a:rPr lang="fr-FR" smtClean="0"/>
+              <a:rPr lang="fr-FR"/>
               <a:t>Cinquième niveau</a:t>
             </a:r>
-            <a:endParaRPr lang="fr-FR"/>
           </a:p>
         </p:txBody>
       </p:sp>
@@ -1815,38 +1826,37 @@
           <a:p>
             <a:pPr lvl="0"/>
             <a:r>
-              <a:rPr lang="fr-FR" smtClean="0"/>
+              <a:rPr lang="fr-FR"/>
               <a:t>Modifiez les styles du texte du masque</a:t>
             </a:r>
           </a:p>
           <a:p>
             <a:pPr lvl="1"/>
             <a:r>
-              <a:rPr lang="fr-FR" smtClean="0"/>
+              <a:rPr lang="fr-FR"/>
               <a:t>Deuxième niveau</a:t>
             </a:r>
           </a:p>
           <a:p>
             <a:pPr lvl="2"/>
             <a:r>
-              <a:rPr lang="fr-FR" smtClean="0"/>
+              <a:rPr lang="fr-FR"/>
               <a:t>Troisième niveau</a:t>
             </a:r>
           </a:p>
           <a:p>
             <a:pPr lvl="3"/>
             <a:r>
-              <a:rPr lang="fr-FR" smtClean="0"/>
+              <a:rPr lang="fr-FR"/>
               <a:t>Quatrième niveau</a:t>
             </a:r>
           </a:p>
           <a:p>
             <a:pPr lvl="4"/>
             <a:r>
-              <a:rPr lang="fr-FR" smtClean="0"/>
+              <a:rPr lang="fr-FR"/>
               <a:t>Cinquième niveau</a:t>
             </a:r>
-            <a:endParaRPr lang="fr-FR"/>
           </a:p>
         </p:txBody>
       </p:sp>
@@ -1867,7 +1877,7 @@
           <a:p>
             <a:fld id="{7DFFB93A-6C62-4102-BDB0-D496CBE497BD}" type="datetimeFigureOut">
               <a:rPr lang="fr-FR" smtClean="0"/>
-              <a:t>01/04/2020</a:t>
+              <a:t>09/04/2020</a:t>
             </a:fld>
             <a:endParaRPr lang="fr-FR"/>
           </a:p>
@@ -1965,10 +1975,9 @@
           </a:lstStyle>
           <a:p>
             <a:r>
-              <a:rPr lang="fr-FR" smtClean="0"/>
+              <a:rPr lang="fr-FR"/>
               <a:t>Modifiez le style du titre</a:t>
             </a:r>
-            <a:endParaRPr lang="fr-FR"/>
           </a:p>
         </p:txBody>
       </p:sp>
@@ -2031,7 +2040,7 @@
           <a:p>
             <a:pPr lvl="0"/>
             <a:r>
-              <a:rPr lang="fr-FR" smtClean="0"/>
+              <a:rPr lang="fr-FR"/>
               <a:t>Modifiez les styles du texte du masque</a:t>
             </a:r>
           </a:p>
@@ -2087,38 +2096,37 @@
           <a:p>
             <a:pPr lvl="0"/>
             <a:r>
-              <a:rPr lang="fr-FR" smtClean="0"/>
+              <a:rPr lang="fr-FR"/>
               <a:t>Modifiez les styles du texte du masque</a:t>
             </a:r>
           </a:p>
           <a:p>
             <a:pPr lvl="1"/>
             <a:r>
-              <a:rPr lang="fr-FR" smtClean="0"/>
+              <a:rPr lang="fr-FR"/>
               <a:t>Deuxième niveau</a:t>
             </a:r>
           </a:p>
           <a:p>
             <a:pPr lvl="2"/>
             <a:r>
-              <a:rPr lang="fr-FR" smtClean="0"/>
+              <a:rPr lang="fr-FR"/>
               <a:t>Troisième niveau</a:t>
             </a:r>
           </a:p>
           <a:p>
             <a:pPr lvl="3"/>
             <a:r>
-              <a:rPr lang="fr-FR" smtClean="0"/>
+              <a:rPr lang="fr-FR"/>
               <a:t>Quatrième niveau</a:t>
             </a:r>
           </a:p>
           <a:p>
             <a:pPr lvl="4"/>
             <a:r>
-              <a:rPr lang="fr-FR" smtClean="0"/>
+              <a:rPr lang="fr-FR"/>
               <a:t>Cinquième niveau</a:t>
             </a:r>
-            <a:endParaRPr lang="fr-FR"/>
           </a:p>
         </p:txBody>
       </p:sp>
@@ -2181,7 +2189,7 @@
           <a:p>
             <a:pPr lvl="0"/>
             <a:r>
-              <a:rPr lang="fr-FR" smtClean="0"/>
+              <a:rPr lang="fr-FR"/>
               <a:t>Modifiez les styles du texte du masque</a:t>
             </a:r>
           </a:p>
@@ -2237,38 +2245,37 @@
           <a:p>
             <a:pPr lvl="0"/>
             <a:r>
-              <a:rPr lang="fr-FR" smtClean="0"/>
+              <a:rPr lang="fr-FR"/>
               <a:t>Modifiez les styles du texte du masque</a:t>
             </a:r>
           </a:p>
           <a:p>
             <a:pPr lvl="1"/>
             <a:r>
-              <a:rPr lang="fr-FR" smtClean="0"/>
+              <a:rPr lang="fr-FR"/>
               <a:t>Deuxième niveau</a:t>
             </a:r>
           </a:p>
           <a:p>
             <a:pPr lvl="2"/>
             <a:r>
-              <a:rPr lang="fr-FR" smtClean="0"/>
+              <a:rPr lang="fr-FR"/>
               <a:t>Troisième niveau</a:t>
             </a:r>
           </a:p>
           <a:p>
             <a:pPr lvl="3"/>
             <a:r>
-              <a:rPr lang="fr-FR" smtClean="0"/>
+              <a:rPr lang="fr-FR"/>
               <a:t>Quatrième niveau</a:t>
             </a:r>
           </a:p>
           <a:p>
             <a:pPr lvl="4"/>
             <a:r>
-              <a:rPr lang="fr-FR" smtClean="0"/>
+              <a:rPr lang="fr-FR"/>
               <a:t>Cinquième niveau</a:t>
             </a:r>
-            <a:endParaRPr lang="fr-FR"/>
           </a:p>
         </p:txBody>
       </p:sp>
@@ -2289,7 +2296,7 @@
           <a:p>
             <a:fld id="{7DFFB93A-6C62-4102-BDB0-D496CBE497BD}" type="datetimeFigureOut">
               <a:rPr lang="fr-FR" smtClean="0"/>
-              <a:t>01/04/2020</a:t>
+              <a:t>09/04/2020</a:t>
             </a:fld>
             <a:endParaRPr lang="fr-FR"/>
           </a:p>
@@ -2383,10 +2390,9 @@
           <a:lstStyle/>
           <a:p>
             <a:r>
-              <a:rPr lang="fr-FR" smtClean="0"/>
+              <a:rPr lang="fr-FR"/>
               <a:t>Modifiez le style du titre</a:t>
             </a:r>
-            <a:endParaRPr lang="fr-FR"/>
           </a:p>
         </p:txBody>
       </p:sp>
@@ -2407,7 +2413,7 @@
           <a:p>
             <a:fld id="{7DFFB93A-6C62-4102-BDB0-D496CBE497BD}" type="datetimeFigureOut">
               <a:rPr lang="fr-FR" smtClean="0"/>
-              <a:t>01/04/2020</a:t>
+              <a:t>09/04/2020</a:t>
             </a:fld>
             <a:endParaRPr lang="fr-FR"/>
           </a:p>
@@ -2502,7 +2508,7 @@
           <a:p>
             <a:fld id="{7DFFB93A-6C62-4102-BDB0-D496CBE497BD}" type="datetimeFigureOut">
               <a:rPr lang="fr-FR" smtClean="0"/>
-              <a:t>01/04/2020</a:t>
+              <a:t>09/04/2020</a:t>
             </a:fld>
             <a:endParaRPr lang="fr-FR"/>
           </a:p>
@@ -2605,10 +2611,9 @@
           </a:lstStyle>
           <a:p>
             <a:r>
-              <a:rPr lang="fr-FR" smtClean="0"/>
+              <a:rPr lang="fr-FR"/>
               <a:t>Modifiez le style du titre</a:t>
             </a:r>
-            <a:endParaRPr lang="fr-FR"/>
           </a:p>
         </p:txBody>
       </p:sp>
@@ -2662,38 +2667,37 @@
           <a:p>
             <a:pPr lvl="0"/>
             <a:r>
-              <a:rPr lang="fr-FR" smtClean="0"/>
+              <a:rPr lang="fr-FR"/>
               <a:t>Modifiez les styles du texte du masque</a:t>
             </a:r>
           </a:p>
           <a:p>
             <a:pPr lvl="1"/>
             <a:r>
-              <a:rPr lang="fr-FR" smtClean="0"/>
+              <a:rPr lang="fr-FR"/>
               <a:t>Deuxième niveau</a:t>
             </a:r>
           </a:p>
           <a:p>
             <a:pPr lvl="2"/>
             <a:r>
-              <a:rPr lang="fr-FR" smtClean="0"/>
+              <a:rPr lang="fr-FR"/>
               <a:t>Troisième niveau</a:t>
             </a:r>
           </a:p>
           <a:p>
             <a:pPr lvl="3"/>
             <a:r>
-              <a:rPr lang="fr-FR" smtClean="0"/>
+              <a:rPr lang="fr-FR"/>
               <a:t>Quatrième niveau</a:t>
             </a:r>
           </a:p>
           <a:p>
             <a:pPr lvl="4"/>
             <a:r>
-              <a:rPr lang="fr-FR" smtClean="0"/>
+              <a:rPr lang="fr-FR"/>
               <a:t>Cinquième niveau</a:t>
             </a:r>
-            <a:endParaRPr lang="fr-FR"/>
           </a:p>
         </p:txBody>
       </p:sp>
@@ -2756,7 +2760,7 @@
           <a:p>
             <a:pPr lvl="0"/>
             <a:r>
-              <a:rPr lang="fr-FR" smtClean="0"/>
+              <a:rPr lang="fr-FR"/>
               <a:t>Modifiez les styles du texte du masque</a:t>
             </a:r>
           </a:p>
@@ -2779,7 +2783,7 @@
           <a:p>
             <a:fld id="{7DFFB93A-6C62-4102-BDB0-D496CBE497BD}" type="datetimeFigureOut">
               <a:rPr lang="fr-FR" smtClean="0"/>
-              <a:t>01/04/2020</a:t>
+              <a:t>09/04/2020</a:t>
             </a:fld>
             <a:endParaRPr lang="fr-FR"/>
           </a:p>
@@ -2882,10 +2886,9 @@
           </a:lstStyle>
           <a:p>
             <a:r>
-              <a:rPr lang="fr-FR" smtClean="0"/>
+              <a:rPr lang="fr-FR"/>
               <a:t>Modifiez le style du titre</a:t>
             </a:r>
-            <a:endParaRPr lang="fr-FR"/>
           </a:p>
         </p:txBody>
       </p:sp>
@@ -3009,7 +3012,7 @@
           <a:p>
             <a:pPr lvl="0"/>
             <a:r>
-              <a:rPr lang="fr-FR" smtClean="0"/>
+              <a:rPr lang="fr-FR"/>
               <a:t>Modifiez les styles du texte du masque</a:t>
             </a:r>
           </a:p>
@@ -3032,7 +3035,7 @@
           <a:p>
             <a:fld id="{7DFFB93A-6C62-4102-BDB0-D496CBE497BD}" type="datetimeFigureOut">
               <a:rPr lang="fr-FR" smtClean="0"/>
-              <a:t>01/04/2020</a:t>
+              <a:t>09/04/2020</a:t>
             </a:fld>
             <a:endParaRPr lang="fr-FR"/>
           </a:p>
@@ -3141,10 +3144,9 @@
           <a:lstStyle/>
           <a:p>
             <a:r>
-              <a:rPr lang="fr-FR" smtClean="0"/>
+              <a:rPr lang="fr-FR"/>
               <a:t>Modifiez le style du titre</a:t>
             </a:r>
-            <a:endParaRPr lang="fr-FR"/>
           </a:p>
         </p:txBody>
       </p:sp>
@@ -3175,38 +3177,37 @@
           <a:p>
             <a:pPr lvl="0"/>
             <a:r>
-              <a:rPr lang="fr-FR" smtClean="0"/>
+              <a:rPr lang="fr-FR"/>
               <a:t>Modifiez les styles du texte du masque</a:t>
             </a:r>
           </a:p>
           <a:p>
             <a:pPr lvl="1"/>
             <a:r>
-              <a:rPr lang="fr-FR" smtClean="0"/>
+              <a:rPr lang="fr-FR"/>
               <a:t>Deuxième niveau</a:t>
             </a:r>
           </a:p>
           <a:p>
             <a:pPr lvl="2"/>
             <a:r>
-              <a:rPr lang="fr-FR" smtClean="0"/>
+              <a:rPr lang="fr-FR"/>
               <a:t>Troisième niveau</a:t>
             </a:r>
           </a:p>
           <a:p>
             <a:pPr lvl="3"/>
             <a:r>
-              <a:rPr lang="fr-FR" smtClean="0"/>
+              <a:rPr lang="fr-FR"/>
               <a:t>Quatrième niveau</a:t>
             </a:r>
           </a:p>
           <a:p>
             <a:pPr lvl="4"/>
             <a:r>
-              <a:rPr lang="fr-FR" smtClean="0"/>
+              <a:rPr lang="fr-FR"/>
               <a:t>Cinquième niveau</a:t>
             </a:r>
-            <a:endParaRPr lang="fr-FR"/>
           </a:p>
         </p:txBody>
       </p:sp>
@@ -3245,7 +3246,7 @@
           <a:p>
             <a:fld id="{7DFFB93A-6C62-4102-BDB0-D496CBE497BD}" type="datetimeFigureOut">
               <a:rPr lang="fr-FR" smtClean="0"/>
-              <a:t>01/04/2020</a:t>
+              <a:t>09/04/2020</a:t>
             </a:fld>
             <a:endParaRPr lang="fr-FR"/>
           </a:p>
@@ -3645,14 +3646,62 @@
                 <a:tableStyleId>{5C22544A-7EE6-4342-B048-85BDC9FD1C3A}</a:tableStyleId>
               </a:tblPr>
               <a:tblGrid>
-                <a:gridCol w="1062118"/>
-                <a:gridCol w="1062118"/>
-                <a:gridCol w="1062118"/>
-                <a:gridCol w="1062118"/>
-                <a:gridCol w="1062118"/>
-                <a:gridCol w="1062118"/>
-                <a:gridCol w="1062118"/>
-                <a:gridCol w="1062118"/>
+                <a:gridCol w="1062118">
+                  <a:extLst>
+                    <a:ext uri="{9D8B030D-6E8A-4147-A177-3AD203B41FA5}">
+                      <a16:colId xmlns:a16="http://schemas.microsoft.com/office/drawing/2014/main" xmlns="" val="20000"/>
+                    </a:ext>
+                  </a:extLst>
+                </a:gridCol>
+                <a:gridCol w="1062118">
+                  <a:extLst>
+                    <a:ext uri="{9D8B030D-6E8A-4147-A177-3AD203B41FA5}">
+                      <a16:colId xmlns:a16="http://schemas.microsoft.com/office/drawing/2014/main" xmlns="" val="20001"/>
+                    </a:ext>
+                  </a:extLst>
+                </a:gridCol>
+                <a:gridCol w="1062118">
+                  <a:extLst>
+                    <a:ext uri="{9D8B030D-6E8A-4147-A177-3AD203B41FA5}">
+                      <a16:colId xmlns:a16="http://schemas.microsoft.com/office/drawing/2014/main" xmlns="" val="20002"/>
+                    </a:ext>
+                  </a:extLst>
+                </a:gridCol>
+                <a:gridCol w="1062118">
+                  <a:extLst>
+                    <a:ext uri="{9D8B030D-6E8A-4147-A177-3AD203B41FA5}">
+                      <a16:colId xmlns:a16="http://schemas.microsoft.com/office/drawing/2014/main" xmlns="" val="20003"/>
+                    </a:ext>
+                  </a:extLst>
+                </a:gridCol>
+                <a:gridCol w="1062118">
+                  <a:extLst>
+                    <a:ext uri="{9D8B030D-6E8A-4147-A177-3AD203B41FA5}">
+                      <a16:colId xmlns:a16="http://schemas.microsoft.com/office/drawing/2014/main" xmlns="" val="20004"/>
+                    </a:ext>
+                  </a:extLst>
+                </a:gridCol>
+                <a:gridCol w="1062118">
+                  <a:extLst>
+                    <a:ext uri="{9D8B030D-6E8A-4147-A177-3AD203B41FA5}">
+                      <a16:colId xmlns:a16="http://schemas.microsoft.com/office/drawing/2014/main" xmlns="" val="20005"/>
+                    </a:ext>
+                  </a:extLst>
+                </a:gridCol>
+                <a:gridCol w="1062118">
+                  <a:extLst>
+                    <a:ext uri="{9D8B030D-6E8A-4147-A177-3AD203B41FA5}">
+                      <a16:colId xmlns:a16="http://schemas.microsoft.com/office/drawing/2014/main" xmlns="" val="20006"/>
+                    </a:ext>
+                  </a:extLst>
+                </a:gridCol>
+                <a:gridCol w="1062118">
+                  <a:extLst>
+                    <a:ext uri="{9D8B030D-6E8A-4147-A177-3AD203B41FA5}">
+                      <a16:colId xmlns:a16="http://schemas.microsoft.com/office/drawing/2014/main" xmlns="" val="20007"/>
+                    </a:ext>
+                  </a:extLst>
+                </a:gridCol>
               </a:tblGrid>
               <a:tr h="370840">
                 <a:tc>
@@ -3662,10 +3711,9 @@
                     <a:p>
                       <a:pPr algn="ctr"/>
                       <a:r>
-                        <a:rPr lang="fr-FR" sz="1600" dirty="0" smtClean="0"/>
+                        <a:rPr lang="fr-FR" sz="1600" dirty="0"/>
                         <a:t>Rubrique de solde</a:t>
                       </a:r>
-                      <a:endParaRPr lang="fr-FR" sz="1600" dirty="0"/>
                     </a:p>
                   </a:txBody>
                   <a:tcPr anchor="ctr"/>
@@ -3677,10 +3725,9 @@
                     <a:p>
                       <a:pPr algn="ctr"/>
                       <a:r>
-                        <a:rPr lang="fr-FR" sz="1600" dirty="0" smtClean="0"/>
+                        <a:rPr lang="fr-FR" sz="1600" dirty="0"/>
                         <a:t>MEDRO</a:t>
                       </a:r>
-                      <a:endParaRPr lang="fr-FR" sz="1600" dirty="0"/>
                     </a:p>
                   </a:txBody>
                   <a:tcPr anchor="ctr"/>
@@ -3692,10 +3739,9 @@
                     <a:p>
                       <a:pPr algn="ctr"/>
                       <a:r>
-                        <a:rPr lang="fr-FR" sz="1600" dirty="0" smtClean="0"/>
+                        <a:rPr lang="fr-FR" sz="1600" dirty="0"/>
                         <a:t>Version</a:t>
                       </a:r>
-                      <a:endParaRPr lang="fr-FR" sz="1600" dirty="0"/>
                     </a:p>
                   </a:txBody>
                   <a:tcPr anchor="ctr"/>
@@ -3707,7 +3753,7 @@
                     <a:p>
                       <a:pPr algn="ctr"/>
                       <a:r>
-                        <a:rPr lang="fr-FR" sz="1600" dirty="0" err="1" smtClean="0"/>
+                        <a:rPr lang="fr-FR" sz="1600" dirty="0" err="1"/>
                         <a:t>Cptot</a:t>
                       </a:r>
                       <a:endParaRPr lang="fr-FR" sz="1600" dirty="0"/>
@@ -3722,7 +3768,7 @@
                     <a:p>
                       <a:pPr algn="ctr"/>
                       <a:r>
-                        <a:rPr lang="fr-FR" sz="1600" dirty="0" err="1" smtClean="0"/>
+                        <a:rPr lang="fr-FR" sz="1600" dirty="0" err="1"/>
                         <a:t>cpEvol</a:t>
                       </a:r>
                       <a:endParaRPr lang="fr-FR" sz="1600" dirty="0"/>
@@ -3737,7 +3783,7 @@
                     <a:p>
                       <a:pPr algn="ctr"/>
                       <a:r>
-                        <a:rPr lang="fr-FR" sz="1600" dirty="0" err="1" smtClean="0"/>
+                        <a:rPr lang="fr-FR" sz="1600" dirty="0" err="1"/>
                         <a:t>cpBarr</a:t>
                       </a:r>
                       <a:endParaRPr lang="fr-FR" sz="1600" dirty="0"/>
@@ -3752,10 +3798,9 @@
                     <a:p>
                       <a:pPr algn="ctr"/>
                       <a:r>
-                        <a:rPr lang="fr-FR" sz="1600" dirty="0" smtClean="0"/>
+                        <a:rPr lang="fr-FR" sz="1600" dirty="0"/>
                         <a:t>Indicateur</a:t>
                       </a:r>
-                      <a:endParaRPr lang="fr-FR" sz="1600" dirty="0"/>
                     </a:p>
                   </a:txBody>
                   <a:tcPr anchor="ctr"/>
@@ -3767,14 +3812,18 @@
                     <a:p>
                       <a:pPr algn="ctr"/>
                       <a:r>
-                        <a:rPr lang="fr-FR" sz="1600" dirty="0" smtClean="0"/>
+                        <a:rPr lang="fr-FR" sz="1600" dirty="0"/>
                         <a:t>%</a:t>
                       </a:r>
-                      <a:endParaRPr lang="fr-FR" sz="1600" dirty="0"/>
                     </a:p>
                   </a:txBody>
                   <a:tcPr anchor="ctr"/>
                 </a:tc>
+                <a:extLst>
+                  <a:ext uri="{0D108BD9-81ED-4DB2-BD59-A6C34878D82A}">
+                    <a16:rowId xmlns:a16="http://schemas.microsoft.com/office/drawing/2014/main" xmlns="" val="10000"/>
+                  </a:ext>
+                </a:extLst>
               </a:tr>
               <a:tr h="428992">
                 <a:tc>
@@ -3783,10 +3832,9 @@
                     <a:lstStyle/>
                     <a:p>
                       <a:r>
-                        <a:rPr lang="fr-FR" dirty="0" smtClean="0"/>
+                        <a:rPr lang="fr-FR" dirty="0"/>
                         <a:t>R1</a:t>
                       </a:r>
-                      <a:endParaRPr lang="fr-FR" dirty="0"/>
                     </a:p>
                   </a:txBody>
                   <a:tcPr/>
@@ -3797,10 +3845,9 @@
                     <a:lstStyle/>
                     <a:p>
                       <a:r>
-                        <a:rPr lang="fr-FR" dirty="0" smtClean="0"/>
+                        <a:rPr lang="fr-FR" dirty="0"/>
                         <a:t>M1</a:t>
                       </a:r>
-                      <a:endParaRPr lang="fr-FR" dirty="0"/>
                     </a:p>
                   </a:txBody>
                   <a:tcPr/>
@@ -3811,10 +3858,9 @@
                     <a:lstStyle/>
                     <a:p>
                       <a:r>
-                        <a:rPr lang="fr-FR" dirty="0" smtClean="0"/>
+                        <a:rPr lang="fr-FR" dirty="0"/>
                         <a:t>V1</a:t>
                       </a:r>
-                      <a:endParaRPr lang="fr-FR" dirty="0"/>
                     </a:p>
                   </a:txBody>
                   <a:tcPr/>
@@ -3825,10 +3871,9 @@
                     <a:lstStyle/>
                     <a:p>
                       <a:r>
-                        <a:rPr lang="fr-FR" dirty="0" smtClean="0"/>
+                        <a:rPr lang="fr-FR" dirty="0"/>
                         <a:t>10</a:t>
                       </a:r>
-                      <a:endParaRPr lang="fr-FR" dirty="0"/>
                     </a:p>
                   </a:txBody>
                   <a:tcPr/>
@@ -3839,10 +3884,9 @@
                     <a:lstStyle/>
                     <a:p>
                       <a:r>
-                        <a:rPr lang="fr-FR" dirty="0" smtClean="0"/>
+                        <a:rPr lang="fr-FR" dirty="0"/>
                         <a:t>0</a:t>
                       </a:r>
-                      <a:endParaRPr lang="fr-FR" dirty="0"/>
                     </a:p>
                   </a:txBody>
                   <a:tcPr/>
@@ -3853,10 +3897,9 @@
                     <a:lstStyle/>
                     <a:p>
                       <a:r>
-                        <a:rPr lang="fr-FR" dirty="0" smtClean="0"/>
+                        <a:rPr lang="fr-FR" dirty="0"/>
                         <a:t>0</a:t>
                       </a:r>
-                      <a:endParaRPr lang="fr-FR" dirty="0"/>
                     </a:p>
                   </a:txBody>
                   <a:tcPr/>
@@ -3867,10 +3910,9 @@
                     <a:lstStyle/>
                     <a:p>
                       <a:r>
-                        <a:rPr lang="fr-FR" dirty="0" smtClean="0"/>
+                        <a:rPr lang="fr-FR" dirty="0"/>
                         <a:t>1</a:t>
                       </a:r>
-                      <a:endParaRPr lang="fr-FR" dirty="0"/>
                     </a:p>
                   </a:txBody>
                   <a:tcPr/>
@@ -3881,14 +3923,18 @@
                     <a:lstStyle/>
                     <a:p>
                       <a:r>
-                        <a:rPr lang="fr-FR" sz="1600" dirty="0" smtClean="0"/>
+                        <a:rPr lang="fr-FR" sz="1600" dirty="0"/>
                         <a:t>10/25=40</a:t>
                       </a:r>
-                      <a:endParaRPr lang="fr-FR" sz="1600" dirty="0"/>
                     </a:p>
                   </a:txBody>
                   <a:tcPr/>
                 </a:tc>
+                <a:extLst>
+                  <a:ext uri="{0D108BD9-81ED-4DB2-BD59-A6C34878D82A}">
+                    <a16:rowId xmlns:a16="http://schemas.microsoft.com/office/drawing/2014/main" xmlns="" val="10001"/>
+                  </a:ext>
+                </a:extLst>
               </a:tr>
               <a:tr h="370840">
                 <a:tc>
@@ -3897,10 +3943,9 @@
                     <a:lstStyle/>
                     <a:p>
                       <a:r>
-                        <a:rPr lang="fr-FR" dirty="0" smtClean="0"/>
+                        <a:rPr lang="fr-FR" dirty="0"/>
                         <a:t>R2</a:t>
                       </a:r>
-                      <a:endParaRPr lang="fr-FR" dirty="0"/>
                     </a:p>
                   </a:txBody>
                   <a:tcPr/>
@@ -3911,10 +3956,9 @@
                     <a:lstStyle/>
                     <a:p>
                       <a:r>
-                        <a:rPr lang="fr-FR" dirty="0" smtClean="0"/>
+                        <a:rPr lang="fr-FR" dirty="0"/>
                         <a:t>M1</a:t>
                       </a:r>
-                      <a:endParaRPr lang="fr-FR" dirty="0"/>
                     </a:p>
                   </a:txBody>
                   <a:tcPr/>
@@ -3925,10 +3969,9 @@
                     <a:lstStyle/>
                     <a:p>
                       <a:r>
-                        <a:rPr lang="fr-FR" dirty="0" smtClean="0"/>
+                        <a:rPr lang="fr-FR" dirty="0"/>
                         <a:t>V1</a:t>
                       </a:r>
-                      <a:endParaRPr lang="fr-FR" dirty="0"/>
                     </a:p>
                   </a:txBody>
                   <a:tcPr/>
@@ -3939,10 +3982,9 @@
                     <a:lstStyle/>
                     <a:p>
                       <a:r>
-                        <a:rPr lang="fr-FR" dirty="0" smtClean="0"/>
+                        <a:rPr lang="fr-FR" dirty="0"/>
                         <a:t>5</a:t>
                       </a:r>
-                      <a:endParaRPr lang="fr-FR" dirty="0"/>
                     </a:p>
                   </a:txBody>
                   <a:tcPr/>
@@ -3953,10 +3995,9 @@
                     <a:lstStyle/>
                     <a:p>
                       <a:r>
-                        <a:rPr lang="fr-FR" dirty="0" smtClean="0"/>
+                        <a:rPr lang="fr-FR" dirty="0"/>
                         <a:t>0</a:t>
                       </a:r>
-                      <a:endParaRPr lang="fr-FR" dirty="0"/>
                     </a:p>
                   </a:txBody>
                   <a:tcPr/>
@@ -3967,10 +4008,9 @@
                     <a:lstStyle/>
                     <a:p>
                       <a:r>
-                        <a:rPr lang="fr-FR" dirty="0" smtClean="0"/>
+                        <a:rPr lang="fr-FR" dirty="0"/>
                         <a:t>0</a:t>
                       </a:r>
-                      <a:endParaRPr lang="fr-FR" dirty="0"/>
                     </a:p>
                   </a:txBody>
                   <a:tcPr/>
@@ -3981,10 +4021,9 @@
                     <a:lstStyle/>
                     <a:p>
                       <a:r>
-                        <a:rPr lang="fr-FR" dirty="0" smtClean="0"/>
+                        <a:rPr lang="fr-FR" dirty="0"/>
                         <a:t>1</a:t>
                       </a:r>
-                      <a:endParaRPr lang="fr-FR" dirty="0"/>
                     </a:p>
                   </a:txBody>
                   <a:tcPr/>
@@ -3995,13 +4034,18 @@
                     <a:lstStyle/>
                     <a:p>
                       <a:r>
-                        <a:rPr lang="fr-FR" sz="1600" dirty="0" smtClean="0"/>
+                        <a:rPr lang="fr-FR" sz="1600" dirty="0"/>
                         <a:t>5/25=20</a:t>
                       </a:r>
                     </a:p>
                   </a:txBody>
                   <a:tcPr/>
                 </a:tc>
+                <a:extLst>
+                  <a:ext uri="{0D108BD9-81ED-4DB2-BD59-A6C34878D82A}">
+                    <a16:rowId xmlns:a16="http://schemas.microsoft.com/office/drawing/2014/main" xmlns="" val="10002"/>
+                  </a:ext>
+                </a:extLst>
               </a:tr>
               <a:tr h="370840">
                 <a:tc>
@@ -4010,10 +4054,9 @@
                     <a:lstStyle/>
                     <a:p>
                       <a:r>
-                        <a:rPr lang="fr-FR" dirty="0" smtClean="0"/>
+                        <a:rPr lang="fr-FR" dirty="0"/>
                         <a:t>R5</a:t>
                       </a:r>
-                      <a:endParaRPr lang="fr-FR" dirty="0"/>
                     </a:p>
                   </a:txBody>
                   <a:tcPr/>
@@ -4024,10 +4067,9 @@
                     <a:lstStyle/>
                     <a:p>
                       <a:r>
-                        <a:rPr lang="fr-FR" dirty="0" smtClean="0"/>
+                        <a:rPr lang="fr-FR" dirty="0"/>
                         <a:t>M1</a:t>
                       </a:r>
-                      <a:endParaRPr lang="fr-FR" dirty="0"/>
                     </a:p>
                   </a:txBody>
                   <a:tcPr/>
@@ -4038,10 +4080,9 @@
                     <a:lstStyle/>
                     <a:p>
                       <a:r>
-                        <a:rPr lang="fr-FR" dirty="0" smtClean="0"/>
+                        <a:rPr lang="fr-FR" dirty="0"/>
                         <a:t>V1</a:t>
                       </a:r>
-                      <a:endParaRPr lang="fr-FR" dirty="0"/>
                     </a:p>
                   </a:txBody>
                   <a:tcPr/>
@@ -4052,10 +4093,9 @@
                     <a:lstStyle/>
                     <a:p>
                       <a:r>
-                        <a:rPr lang="fr-FR" dirty="0" smtClean="0"/>
+                        <a:rPr lang="fr-FR" dirty="0"/>
                         <a:t>8</a:t>
                       </a:r>
-                      <a:endParaRPr lang="fr-FR" dirty="0"/>
                     </a:p>
                   </a:txBody>
                   <a:tcPr/>
@@ -4066,10 +4106,9 @@
                     <a:lstStyle/>
                     <a:p>
                       <a:r>
-                        <a:rPr lang="fr-FR" dirty="0" smtClean="0"/>
+                        <a:rPr lang="fr-FR" dirty="0"/>
                         <a:t>0</a:t>
                       </a:r>
-                      <a:endParaRPr lang="fr-FR" dirty="0"/>
                     </a:p>
                   </a:txBody>
                   <a:tcPr/>
@@ -4080,10 +4119,9 @@
                     <a:lstStyle/>
                     <a:p>
                       <a:r>
-                        <a:rPr lang="fr-FR" dirty="0" smtClean="0"/>
+                        <a:rPr lang="fr-FR" dirty="0"/>
                         <a:t>0</a:t>
                       </a:r>
-                      <a:endParaRPr lang="fr-FR" dirty="0"/>
                     </a:p>
                   </a:txBody>
                   <a:tcPr/>
@@ -4094,10 +4132,9 @@
                     <a:lstStyle/>
                     <a:p>
                       <a:r>
-                        <a:rPr lang="fr-FR" dirty="0" smtClean="0"/>
+                        <a:rPr lang="fr-FR" dirty="0"/>
                         <a:t>1</a:t>
                       </a:r>
-                      <a:endParaRPr lang="fr-FR" dirty="0"/>
                     </a:p>
                   </a:txBody>
                   <a:tcPr/>
@@ -4108,14 +4145,18 @@
                     <a:lstStyle/>
                     <a:p>
                       <a:r>
-                        <a:rPr lang="fr-FR" sz="1600" dirty="0" smtClean="0"/>
+                        <a:rPr lang="fr-FR" sz="1600" dirty="0"/>
                         <a:t>8/25=32</a:t>
                       </a:r>
-                      <a:endParaRPr lang="fr-FR" sz="1600" dirty="0"/>
                     </a:p>
                   </a:txBody>
                   <a:tcPr/>
                 </a:tc>
+                <a:extLst>
+                  <a:ext uri="{0D108BD9-81ED-4DB2-BD59-A6C34878D82A}">
+                    <a16:rowId xmlns:a16="http://schemas.microsoft.com/office/drawing/2014/main" xmlns="" val="10003"/>
+                  </a:ext>
+                </a:extLst>
               </a:tr>
               <a:tr h="370840">
                 <a:tc>
@@ -4124,10 +4165,9 @@
                     <a:lstStyle/>
                     <a:p>
                       <a:r>
-                        <a:rPr lang="fr-FR" dirty="0" smtClean="0"/>
+                        <a:rPr lang="fr-FR" dirty="0"/>
                         <a:t>R4</a:t>
                       </a:r>
-                      <a:endParaRPr lang="fr-FR" dirty="0"/>
                     </a:p>
                   </a:txBody>
                   <a:tcPr>
@@ -4142,10 +4182,9 @@
                     <a:lstStyle/>
                     <a:p>
                       <a:r>
-                        <a:rPr lang="fr-FR" dirty="0" smtClean="0"/>
+                        <a:rPr lang="fr-FR" dirty="0"/>
                         <a:t>M1</a:t>
                       </a:r>
-                      <a:endParaRPr lang="fr-FR" dirty="0"/>
                     </a:p>
                   </a:txBody>
                   <a:tcPr>
@@ -4160,10 +4199,9 @@
                     <a:lstStyle/>
                     <a:p>
                       <a:r>
-                        <a:rPr lang="fr-FR" dirty="0" smtClean="0"/>
+                        <a:rPr lang="fr-FR" dirty="0"/>
                         <a:t>V1</a:t>
                       </a:r>
-                      <a:endParaRPr lang="fr-FR" dirty="0"/>
                     </a:p>
                   </a:txBody>
                   <a:tcPr>
@@ -4178,10 +4216,9 @@
                     <a:lstStyle/>
                     <a:p>
                       <a:r>
-                        <a:rPr lang="fr-FR" dirty="0" smtClean="0"/>
+                        <a:rPr lang="fr-FR" dirty="0"/>
                         <a:t>12</a:t>
                       </a:r>
-                      <a:endParaRPr lang="fr-FR" dirty="0"/>
                     </a:p>
                   </a:txBody>
                   <a:tcPr>
@@ -4196,10 +4233,9 @@
                     <a:lstStyle/>
                     <a:p>
                       <a:r>
-                        <a:rPr lang="fr-FR" dirty="0" smtClean="0"/>
+                        <a:rPr lang="fr-FR" dirty="0"/>
                         <a:t>0</a:t>
                       </a:r>
-                      <a:endParaRPr lang="fr-FR" dirty="0"/>
                     </a:p>
                   </a:txBody>
                   <a:tcPr>
@@ -4214,10 +4250,9 @@
                     <a:lstStyle/>
                     <a:p>
                       <a:r>
-                        <a:rPr lang="fr-FR" dirty="0" smtClean="0"/>
+                        <a:rPr lang="fr-FR" dirty="0"/>
                         <a:t>0</a:t>
                       </a:r>
-                      <a:endParaRPr lang="fr-FR" dirty="0"/>
                     </a:p>
                   </a:txBody>
                   <a:tcPr>
@@ -4232,10 +4267,9 @@
                     <a:lstStyle/>
                     <a:p>
                       <a:r>
-                        <a:rPr lang="fr-FR" dirty="0" smtClean="0"/>
+                        <a:rPr lang="fr-FR" dirty="0"/>
                         <a:t>1</a:t>
                       </a:r>
-                      <a:endParaRPr lang="fr-FR" dirty="0"/>
                     </a:p>
                   </a:txBody>
                   <a:tcPr>
@@ -4251,7 +4285,7 @@
                     <a:p>
                       <a:pPr algn="ctr"/>
                       <a:r>
-                        <a:rPr lang="fr-FR" sz="1400" dirty="0" smtClean="0"/>
+                        <a:rPr lang="fr-FR" sz="1400" dirty="0"/>
                         <a:t>ANALYSEE</a:t>
                       </a:r>
                       <a:endParaRPr lang="fr-FR" sz="1600" dirty="0"/>
@@ -4263,6 +4297,11 @@
                     </a:solidFill>
                   </a:tcPr>
                 </a:tc>
+                <a:extLst>
+                  <a:ext uri="{0D108BD9-81ED-4DB2-BD59-A6C34878D82A}">
+                    <a16:rowId xmlns:a16="http://schemas.microsoft.com/office/drawing/2014/main" xmlns="" val="10004"/>
+                  </a:ext>
+                </a:extLst>
               </a:tr>
               <a:tr h="327640">
                 <a:tc>
@@ -4271,10 +4310,9 @@
                     <a:lstStyle/>
                     <a:p>
                       <a:r>
-                        <a:rPr lang="fr-FR" dirty="0" smtClean="0"/>
+                        <a:rPr lang="fr-FR" dirty="0"/>
                         <a:t>R10</a:t>
                       </a:r>
-                      <a:endParaRPr lang="fr-FR" dirty="0"/>
                     </a:p>
                   </a:txBody>
                   <a:tcPr/>
@@ -4285,10 +4323,9 @@
                     <a:lstStyle/>
                     <a:p>
                       <a:r>
-                        <a:rPr lang="fr-FR" dirty="0" smtClean="0"/>
+                        <a:rPr lang="fr-FR" dirty="0"/>
                         <a:t>M1</a:t>
                       </a:r>
-                      <a:endParaRPr lang="fr-FR" dirty="0"/>
                     </a:p>
                   </a:txBody>
                   <a:tcPr/>
@@ -4299,10 +4336,9 @@
                     <a:lstStyle/>
                     <a:p>
                       <a:r>
-                        <a:rPr lang="fr-FR" dirty="0" smtClean="0"/>
+                        <a:rPr lang="fr-FR" dirty="0"/>
                         <a:t>V1</a:t>
                       </a:r>
-                      <a:endParaRPr lang="fr-FR" dirty="0"/>
                     </a:p>
                   </a:txBody>
                   <a:tcPr/>
@@ -4313,10 +4349,9 @@
                     <a:lstStyle/>
                     <a:p>
                       <a:r>
-                        <a:rPr lang="fr-FR" dirty="0" smtClean="0"/>
+                        <a:rPr lang="fr-FR" dirty="0"/>
                         <a:t>2</a:t>
                       </a:r>
-                      <a:endParaRPr lang="fr-FR" dirty="0"/>
                     </a:p>
                   </a:txBody>
                   <a:tcPr/>
@@ -4327,10 +4362,9 @@
                     <a:lstStyle/>
                     <a:p>
                       <a:r>
-                        <a:rPr lang="fr-FR" dirty="0" smtClean="0"/>
+                        <a:rPr lang="fr-FR" dirty="0"/>
                         <a:t>0</a:t>
                       </a:r>
-                      <a:endParaRPr lang="fr-FR" dirty="0"/>
                     </a:p>
                   </a:txBody>
                   <a:tcPr/>
@@ -4341,10 +4375,9 @@
                     <a:lstStyle/>
                     <a:p>
                       <a:r>
-                        <a:rPr lang="fr-FR" dirty="0" smtClean="0"/>
+                        <a:rPr lang="fr-FR" dirty="0"/>
                         <a:t>0</a:t>
                       </a:r>
-                      <a:endParaRPr lang="fr-FR" dirty="0"/>
                     </a:p>
                   </a:txBody>
                   <a:tcPr/>
@@ -4355,10 +4388,9 @@
                     <a:lstStyle/>
                     <a:p>
                       <a:r>
-                        <a:rPr lang="fr-FR" dirty="0" smtClean="0"/>
+                        <a:rPr lang="fr-FR" dirty="0"/>
                         <a:t>0</a:t>
                       </a:r>
-                      <a:endParaRPr lang="fr-FR" dirty="0"/>
                     </a:p>
                   </a:txBody>
                   <a:tcPr/>
@@ -4369,14 +4401,18 @@
                     <a:lstStyle/>
                     <a:p>
                       <a:r>
-                        <a:rPr lang="fr-FR" sz="1600" dirty="0" smtClean="0"/>
+                        <a:rPr lang="fr-FR" sz="1600" dirty="0"/>
                         <a:t>2/25=8</a:t>
                       </a:r>
-                      <a:endParaRPr lang="fr-FR" sz="1600" dirty="0"/>
                     </a:p>
                   </a:txBody>
                   <a:tcPr/>
                 </a:tc>
+                <a:extLst>
+                  <a:ext uri="{0D108BD9-81ED-4DB2-BD59-A6C34878D82A}">
+                    <a16:rowId xmlns:a16="http://schemas.microsoft.com/office/drawing/2014/main" xmlns="" val="10005"/>
+                  </a:ext>
+                </a:extLst>
               </a:tr>
               <a:tr h="370840">
                 <a:tc>
@@ -4385,10 +4421,9 @@
                     <a:lstStyle/>
                     <a:p>
                       <a:r>
-                        <a:rPr lang="fr-FR" dirty="0" smtClean="0"/>
+                        <a:rPr lang="fr-FR" dirty="0"/>
                         <a:t>R3</a:t>
                       </a:r>
-                      <a:endParaRPr lang="fr-FR" dirty="0"/>
                     </a:p>
                   </a:txBody>
                   <a:tcPr/>
@@ -4399,10 +4434,9 @@
                     <a:lstStyle/>
                     <a:p>
                       <a:r>
-                        <a:rPr lang="fr-FR" dirty="0" smtClean="0"/>
+                        <a:rPr lang="fr-FR" dirty="0"/>
                         <a:t>M5</a:t>
                       </a:r>
-                      <a:endParaRPr lang="fr-FR" dirty="0"/>
                     </a:p>
                   </a:txBody>
                   <a:tcPr/>
@@ -4413,10 +4447,9 @@
                     <a:lstStyle/>
                     <a:p>
                       <a:r>
-                        <a:rPr lang="fr-FR" dirty="0" smtClean="0"/>
+                        <a:rPr lang="fr-FR" dirty="0"/>
                         <a:t>V1</a:t>
                       </a:r>
-                      <a:endParaRPr lang="fr-FR" dirty="0"/>
                     </a:p>
                   </a:txBody>
                   <a:tcPr/>
@@ -4427,10 +4460,9 @@
                     <a:lstStyle/>
                     <a:p>
                       <a:r>
-                        <a:rPr lang="fr-FR" dirty="0" smtClean="0"/>
+                        <a:rPr lang="fr-FR" dirty="0"/>
                         <a:t>20</a:t>
                       </a:r>
-                      <a:endParaRPr lang="fr-FR" dirty="0"/>
                     </a:p>
                   </a:txBody>
                   <a:tcPr/>
@@ -4441,10 +4473,9 @@
                     <a:lstStyle/>
                     <a:p>
                       <a:r>
-                        <a:rPr lang="fr-FR" dirty="0" smtClean="0"/>
+                        <a:rPr lang="fr-FR" dirty="0"/>
                         <a:t>0</a:t>
                       </a:r>
-                      <a:endParaRPr lang="fr-FR" dirty="0"/>
                     </a:p>
                   </a:txBody>
                   <a:tcPr/>
@@ -4455,10 +4486,9 @@
                     <a:lstStyle/>
                     <a:p>
                       <a:r>
-                        <a:rPr lang="fr-FR" dirty="0" smtClean="0"/>
+                        <a:rPr lang="fr-FR" dirty="0"/>
                         <a:t>0</a:t>
                       </a:r>
-                      <a:endParaRPr lang="fr-FR" dirty="0"/>
                     </a:p>
                   </a:txBody>
                   <a:tcPr/>
@@ -4469,10 +4499,9 @@
                     <a:lstStyle/>
                     <a:p>
                       <a:r>
-                        <a:rPr lang="fr-FR" dirty="0" smtClean="0"/>
+                        <a:rPr lang="fr-FR" dirty="0"/>
                         <a:t>1</a:t>
                       </a:r>
-                      <a:endParaRPr lang="fr-FR" dirty="0"/>
                     </a:p>
                   </a:txBody>
                   <a:tcPr/>
@@ -4483,14 +4512,18 @@
                     <a:lstStyle/>
                     <a:p>
                       <a:r>
-                        <a:rPr lang="fr-FR" sz="1600" dirty="0" smtClean="0"/>
+                        <a:rPr lang="fr-FR" sz="1600" dirty="0"/>
                         <a:t>100</a:t>
                       </a:r>
-                      <a:endParaRPr lang="fr-FR" sz="1600" dirty="0"/>
                     </a:p>
                   </a:txBody>
                   <a:tcPr/>
                 </a:tc>
+                <a:extLst>
+                  <a:ext uri="{0D108BD9-81ED-4DB2-BD59-A6C34878D82A}">
+                    <a16:rowId xmlns:a16="http://schemas.microsoft.com/office/drawing/2014/main" xmlns="" val="10006"/>
+                  </a:ext>
+                </a:extLst>
               </a:tr>
               <a:tr h="370840">
                 <a:tc>
@@ -4499,10 +4532,9 @@
                     <a:lstStyle/>
                     <a:p>
                       <a:r>
-                        <a:rPr lang="fr-FR" dirty="0" smtClean="0"/>
+                        <a:rPr lang="fr-FR" dirty="0"/>
                         <a:t>R1</a:t>
                       </a:r>
-                      <a:endParaRPr lang="fr-FR" dirty="0"/>
                     </a:p>
                   </a:txBody>
                   <a:tcPr>
@@ -4520,10 +4552,9 @@
                     <a:lstStyle/>
                     <a:p>
                       <a:r>
-                        <a:rPr lang="fr-FR" dirty="0" smtClean="0"/>
+                        <a:rPr lang="fr-FR" dirty="0"/>
                         <a:t>M1</a:t>
                       </a:r>
-                      <a:endParaRPr lang="fr-FR" dirty="0"/>
                     </a:p>
                   </a:txBody>
                   <a:tcPr>
@@ -4541,10 +4572,9 @@
                     <a:lstStyle/>
                     <a:p>
                       <a:r>
-                        <a:rPr lang="fr-FR" dirty="0" smtClean="0"/>
+                        <a:rPr lang="fr-FR" dirty="0"/>
                         <a:t>V2</a:t>
                       </a:r>
-                      <a:endParaRPr lang="fr-FR" dirty="0"/>
                     </a:p>
                   </a:txBody>
                   <a:tcPr>
@@ -4562,10 +4592,9 @@
                     <a:lstStyle/>
                     <a:p>
                       <a:r>
-                        <a:rPr lang="fr-FR" dirty="0" smtClean="0"/>
+                        <a:rPr lang="fr-FR" dirty="0"/>
                         <a:t>13</a:t>
                       </a:r>
-                      <a:endParaRPr lang="fr-FR" dirty="0"/>
                     </a:p>
                   </a:txBody>
                   <a:tcPr>
@@ -4583,10 +4612,9 @@
                     <a:lstStyle/>
                     <a:p>
                       <a:r>
-                        <a:rPr lang="fr-FR" dirty="0" smtClean="0"/>
+                        <a:rPr lang="fr-FR" dirty="0"/>
                         <a:t>3</a:t>
                       </a:r>
-                      <a:endParaRPr lang="fr-FR" dirty="0"/>
                     </a:p>
                   </a:txBody>
                   <a:tcPr>
@@ -4604,10 +4632,9 @@
                     <a:lstStyle/>
                     <a:p>
                       <a:r>
-                        <a:rPr lang="fr-FR" dirty="0" smtClean="0"/>
+                        <a:rPr lang="fr-FR" dirty="0"/>
                         <a:t>0</a:t>
                       </a:r>
-                      <a:endParaRPr lang="fr-FR" dirty="0"/>
                     </a:p>
                   </a:txBody>
                   <a:tcPr>
@@ -4625,10 +4652,9 @@
                     <a:lstStyle/>
                     <a:p>
                       <a:r>
-                        <a:rPr lang="fr-FR" dirty="0" smtClean="0"/>
+                        <a:rPr lang="fr-FR" dirty="0"/>
                         <a:t>1</a:t>
                       </a:r>
-                      <a:endParaRPr lang="fr-FR" dirty="0"/>
                     </a:p>
                   </a:txBody>
                   <a:tcPr>
@@ -4646,10 +4672,9 @@
                     <a:lstStyle/>
                     <a:p>
                       <a:r>
-                        <a:rPr lang="fr-FR" sz="1600" dirty="0" smtClean="0"/>
+                        <a:rPr lang="fr-FR" sz="1600" dirty="0"/>
                         <a:t>13/20=65</a:t>
                       </a:r>
-                      <a:endParaRPr lang="fr-FR" sz="1600" dirty="0"/>
                     </a:p>
                   </a:txBody>
                   <a:tcPr>
@@ -4661,6 +4686,11 @@
                     </a:solidFill>
                   </a:tcPr>
                 </a:tc>
+                <a:extLst>
+                  <a:ext uri="{0D108BD9-81ED-4DB2-BD59-A6C34878D82A}">
+                    <a16:rowId xmlns:a16="http://schemas.microsoft.com/office/drawing/2014/main" xmlns="" val="10007"/>
+                  </a:ext>
+                </a:extLst>
               </a:tr>
               <a:tr h="370840">
                 <a:tc>
@@ -4669,10 +4699,9 @@
                     <a:lstStyle/>
                     <a:p>
                       <a:r>
-                        <a:rPr lang="fr-FR" dirty="0" smtClean="0"/>
+                        <a:rPr lang="fr-FR" dirty="0"/>
                         <a:t>R2</a:t>
                       </a:r>
-                      <a:endParaRPr lang="fr-FR" dirty="0"/>
                     </a:p>
                   </a:txBody>
                   <a:tcPr>
@@ -4690,10 +4719,9 @@
                     <a:lstStyle/>
                     <a:p>
                       <a:r>
-                        <a:rPr lang="fr-FR" dirty="0" smtClean="0"/>
+                        <a:rPr lang="fr-FR" dirty="0"/>
                         <a:t>M1</a:t>
                       </a:r>
-                      <a:endParaRPr lang="fr-FR" dirty="0"/>
                     </a:p>
                   </a:txBody>
                   <a:tcPr>
@@ -4711,10 +4739,9 @@
                     <a:lstStyle/>
                     <a:p>
                       <a:r>
-                        <a:rPr lang="fr-FR" dirty="0" smtClean="0"/>
+                        <a:rPr lang="fr-FR" dirty="0"/>
                         <a:t>V2</a:t>
                       </a:r>
-                      <a:endParaRPr lang="fr-FR" dirty="0"/>
                     </a:p>
                   </a:txBody>
                   <a:tcPr>
@@ -4732,10 +4759,9 @@
                     <a:lstStyle/>
                     <a:p>
                       <a:r>
-                        <a:rPr lang="fr-FR" dirty="0" smtClean="0"/>
+                        <a:rPr lang="fr-FR" dirty="0"/>
                         <a:t>5</a:t>
                       </a:r>
-                      <a:endParaRPr lang="fr-FR" dirty="0"/>
                     </a:p>
                   </a:txBody>
                   <a:tcPr>
@@ -4753,10 +4779,9 @@
                     <a:lstStyle/>
                     <a:p>
                       <a:r>
-                        <a:rPr lang="fr-FR" dirty="0" smtClean="0"/>
+                        <a:rPr lang="fr-FR" dirty="0"/>
                         <a:t>0</a:t>
                       </a:r>
-                      <a:endParaRPr lang="fr-FR" dirty="0"/>
                     </a:p>
                   </a:txBody>
                   <a:tcPr>
@@ -4774,10 +4799,9 @@
                     <a:lstStyle/>
                     <a:p>
                       <a:r>
-                        <a:rPr lang="fr-FR" dirty="0" smtClean="0"/>
+                        <a:rPr lang="fr-FR" dirty="0"/>
                         <a:t>0</a:t>
                       </a:r>
-                      <a:endParaRPr lang="fr-FR" dirty="0"/>
                     </a:p>
                   </a:txBody>
                   <a:tcPr>
@@ -4795,10 +4819,9 @@
                     <a:lstStyle/>
                     <a:p>
                       <a:r>
-                        <a:rPr lang="fr-FR" dirty="0" smtClean="0"/>
+                        <a:rPr lang="fr-FR" dirty="0"/>
                         <a:t>1</a:t>
                       </a:r>
-                      <a:endParaRPr lang="fr-FR" dirty="0"/>
                     </a:p>
                   </a:txBody>
                   <a:tcPr>
@@ -4816,10 +4839,9 @@
                     <a:lstStyle/>
                     <a:p>
                       <a:r>
-                        <a:rPr lang="fr-FR" sz="1600" dirty="0" smtClean="0"/>
+                        <a:rPr lang="fr-FR" sz="1600" dirty="0"/>
                         <a:t>5/20=25</a:t>
                       </a:r>
-                      <a:endParaRPr lang="fr-FR" sz="1600" dirty="0"/>
                     </a:p>
                   </a:txBody>
                   <a:tcPr>
@@ -4831,6 +4853,11 @@
                     </a:solidFill>
                   </a:tcPr>
                 </a:tc>
+                <a:extLst>
+                  <a:ext uri="{0D108BD9-81ED-4DB2-BD59-A6C34878D82A}">
+                    <a16:rowId xmlns:a16="http://schemas.microsoft.com/office/drawing/2014/main" xmlns="" val="10008"/>
+                  </a:ext>
+                </a:extLst>
               </a:tr>
               <a:tr h="370840">
                 <a:tc>
@@ -4839,10 +4866,9 @@
                     <a:lstStyle/>
                     <a:p>
                       <a:r>
-                        <a:rPr lang="fr-FR" dirty="0" smtClean="0"/>
+                        <a:rPr lang="fr-FR" dirty="0"/>
                         <a:t>R5</a:t>
                       </a:r>
-                      <a:endParaRPr lang="fr-FR" dirty="0"/>
                     </a:p>
                   </a:txBody>
                   <a:tcPr>
@@ -4860,10 +4886,9 @@
                     <a:lstStyle/>
                     <a:p>
                       <a:r>
-                        <a:rPr lang="fr-FR" dirty="0" smtClean="0"/>
+                        <a:rPr lang="fr-FR" dirty="0"/>
                         <a:t>M1</a:t>
                       </a:r>
-                      <a:endParaRPr lang="fr-FR" dirty="0"/>
                     </a:p>
                   </a:txBody>
                   <a:tcPr>
@@ -4881,10 +4906,9 @@
                     <a:lstStyle/>
                     <a:p>
                       <a:r>
-                        <a:rPr lang="fr-FR" dirty="0" smtClean="0"/>
+                        <a:rPr lang="fr-FR" dirty="0"/>
                         <a:t>V2</a:t>
                       </a:r>
-                      <a:endParaRPr lang="fr-FR" dirty="0"/>
                     </a:p>
                   </a:txBody>
                   <a:tcPr>
@@ -4902,10 +4926,9 @@
                     <a:lstStyle/>
                     <a:p>
                       <a:r>
-                        <a:rPr lang="fr-FR" dirty="0" smtClean="0"/>
+                        <a:rPr lang="fr-FR" dirty="0"/>
                         <a:t>8</a:t>
                       </a:r>
-                      <a:endParaRPr lang="fr-FR" dirty="0"/>
                     </a:p>
                   </a:txBody>
                   <a:tcPr>
@@ -4923,10 +4946,9 @@
                     <a:lstStyle/>
                     <a:p>
                       <a:r>
-                        <a:rPr lang="fr-FR" dirty="0" smtClean="0"/>
+                        <a:rPr lang="fr-FR" dirty="0"/>
                         <a:t>0</a:t>
                       </a:r>
-                      <a:endParaRPr lang="fr-FR" dirty="0"/>
                     </a:p>
                   </a:txBody>
                   <a:tcPr>
@@ -4944,10 +4966,9 @@
                     <a:lstStyle/>
                     <a:p>
                       <a:r>
-                        <a:rPr lang="fr-FR" dirty="0" smtClean="0"/>
+                        <a:rPr lang="fr-FR" dirty="0"/>
                         <a:t>8</a:t>
                       </a:r>
-                      <a:endParaRPr lang="fr-FR" dirty="0"/>
                     </a:p>
                   </a:txBody>
                   <a:tcPr>
@@ -4965,10 +4986,9 @@
                     <a:lstStyle/>
                     <a:p>
                       <a:r>
-                        <a:rPr lang="fr-FR" dirty="0" smtClean="0"/>
+                        <a:rPr lang="fr-FR" dirty="0"/>
                         <a:t>1</a:t>
                       </a:r>
-                      <a:endParaRPr lang="fr-FR" dirty="0"/>
                     </a:p>
                   </a:txBody>
                   <a:tcPr>
@@ -4986,10 +5006,9 @@
                     <a:lstStyle/>
                     <a:p>
                       <a:r>
-                        <a:rPr lang="fr-FR" sz="1400" dirty="0" smtClean="0"/>
+                        <a:rPr lang="fr-FR" sz="1400" dirty="0"/>
                         <a:t>SUPPRIMEE</a:t>
                       </a:r>
-                      <a:endParaRPr lang="fr-FR" sz="1400" dirty="0"/>
                     </a:p>
                   </a:txBody>
                   <a:tcPr>
@@ -5001,6 +5020,11 @@
                     </a:solidFill>
                   </a:tcPr>
                 </a:tc>
+                <a:extLst>
+                  <a:ext uri="{0D108BD9-81ED-4DB2-BD59-A6C34878D82A}">
+                    <a16:rowId xmlns:a16="http://schemas.microsoft.com/office/drawing/2014/main" xmlns="" val="10009"/>
+                  </a:ext>
+                </a:extLst>
               </a:tr>
               <a:tr h="370840">
                 <a:tc>
@@ -5009,10 +5033,9 @@
                     <a:lstStyle/>
                     <a:p>
                       <a:r>
-                        <a:rPr lang="fr-FR" dirty="0" smtClean="0"/>
+                        <a:rPr lang="fr-FR" dirty="0"/>
                         <a:t>R4</a:t>
                       </a:r>
-                      <a:endParaRPr lang="fr-FR" dirty="0"/>
                     </a:p>
                   </a:txBody>
                   <a:tcPr>
@@ -5027,10 +5050,9 @@
                     <a:lstStyle/>
                     <a:p>
                       <a:r>
-                        <a:rPr lang="fr-FR" dirty="0" smtClean="0"/>
+                        <a:rPr lang="fr-FR" dirty="0"/>
                         <a:t>M1</a:t>
                       </a:r>
-                      <a:endParaRPr lang="fr-FR" dirty="0"/>
                     </a:p>
                   </a:txBody>
                   <a:tcPr>
@@ -5045,10 +5067,9 @@
                     <a:lstStyle/>
                     <a:p>
                       <a:r>
-                        <a:rPr lang="fr-FR" dirty="0" smtClean="0"/>
+                        <a:rPr lang="fr-FR" dirty="0"/>
                         <a:t>V2</a:t>
                       </a:r>
-                      <a:endParaRPr lang="fr-FR" dirty="0"/>
                     </a:p>
                   </a:txBody>
                   <a:tcPr>
@@ -5063,10 +5084,9 @@
                     <a:lstStyle/>
                     <a:p>
                       <a:r>
-                        <a:rPr lang="fr-FR" dirty="0" smtClean="0"/>
+                        <a:rPr lang="fr-FR" dirty="0"/>
                         <a:t>12</a:t>
                       </a:r>
-                      <a:endParaRPr lang="fr-FR" dirty="0"/>
                     </a:p>
                   </a:txBody>
                   <a:tcPr>
@@ -5081,10 +5101,9 @@
                     <a:lstStyle/>
                     <a:p>
                       <a:r>
-                        <a:rPr lang="fr-FR" dirty="0" smtClean="0"/>
+                        <a:rPr lang="fr-FR" dirty="0"/>
                         <a:t>0</a:t>
                       </a:r>
-                      <a:endParaRPr lang="fr-FR" dirty="0"/>
                     </a:p>
                   </a:txBody>
                   <a:tcPr>
@@ -5099,10 +5118,9 @@
                     <a:lstStyle/>
                     <a:p>
                       <a:r>
-                        <a:rPr lang="fr-FR" dirty="0" smtClean="0"/>
+                        <a:rPr lang="fr-FR" dirty="0"/>
                         <a:t>0</a:t>
                       </a:r>
-                      <a:endParaRPr lang="fr-FR" dirty="0"/>
                     </a:p>
                   </a:txBody>
                   <a:tcPr>
@@ -5117,10 +5135,9 @@
                     <a:lstStyle/>
                     <a:p>
                       <a:r>
-                        <a:rPr lang="fr-FR" dirty="0" smtClean="0"/>
+                        <a:rPr lang="fr-FR" dirty="0"/>
                         <a:t>1</a:t>
                       </a:r>
-                      <a:endParaRPr lang="fr-FR" dirty="0"/>
                     </a:p>
                   </a:txBody>
                   <a:tcPr>
@@ -5135,10 +5152,9 @@
                     <a:lstStyle/>
                     <a:p>
                       <a:r>
-                        <a:rPr lang="fr-FR" sz="1400" dirty="0" smtClean="0"/>
+                        <a:rPr lang="fr-FR" sz="1400" dirty="0"/>
                         <a:t>ANALYSEE</a:t>
                       </a:r>
-                      <a:endParaRPr lang="fr-FR" sz="1400" dirty="0"/>
                     </a:p>
                   </a:txBody>
                   <a:tcPr>
@@ -5147,6 +5163,11 @@
                     </a:solidFill>
                   </a:tcPr>
                 </a:tc>
+                <a:extLst>
+                  <a:ext uri="{0D108BD9-81ED-4DB2-BD59-A6C34878D82A}">
+                    <a16:rowId xmlns:a16="http://schemas.microsoft.com/office/drawing/2014/main" xmlns="" val="10010"/>
+                  </a:ext>
+                </a:extLst>
               </a:tr>
               <a:tr h="370840">
                 <a:tc>
@@ -5155,10 +5176,9 @@
                     <a:lstStyle/>
                     <a:p>
                       <a:r>
-                        <a:rPr lang="fr-FR" dirty="0" smtClean="0"/>
+                        <a:rPr lang="fr-FR" dirty="0"/>
                         <a:t>R10</a:t>
                       </a:r>
-                      <a:endParaRPr lang="fr-FR" dirty="0"/>
                     </a:p>
                   </a:txBody>
                   <a:tcPr>
@@ -5176,10 +5196,9 @@
                     <a:lstStyle/>
                     <a:p>
                       <a:r>
-                        <a:rPr lang="fr-FR" dirty="0" smtClean="0"/>
+                        <a:rPr lang="fr-FR" dirty="0"/>
                         <a:t>M1</a:t>
                       </a:r>
-                      <a:endParaRPr lang="fr-FR" dirty="0"/>
                     </a:p>
                   </a:txBody>
                   <a:tcPr>
@@ -5197,10 +5216,9 @@
                     <a:lstStyle/>
                     <a:p>
                       <a:r>
-                        <a:rPr lang="fr-FR" dirty="0" smtClean="0"/>
+                        <a:rPr lang="fr-FR" dirty="0"/>
                         <a:t>V2</a:t>
                       </a:r>
-                      <a:endParaRPr lang="fr-FR" dirty="0"/>
                     </a:p>
                   </a:txBody>
                   <a:tcPr>
@@ -5218,10 +5236,9 @@
                     <a:lstStyle/>
                     <a:p>
                       <a:r>
-                        <a:rPr lang="fr-FR" dirty="0" smtClean="0"/>
+                        <a:rPr lang="fr-FR" dirty="0"/>
                         <a:t>2</a:t>
                       </a:r>
-                      <a:endParaRPr lang="fr-FR" dirty="0"/>
                     </a:p>
                   </a:txBody>
                   <a:tcPr>
@@ -5239,10 +5256,9 @@
                     <a:lstStyle/>
                     <a:p>
                       <a:r>
-                        <a:rPr lang="fr-FR" dirty="0" smtClean="0"/>
+                        <a:rPr lang="fr-FR" dirty="0"/>
                         <a:t>0</a:t>
                       </a:r>
-                      <a:endParaRPr lang="fr-FR" dirty="0"/>
                     </a:p>
                   </a:txBody>
                   <a:tcPr>
@@ -5260,10 +5276,9 @@
                     <a:lstStyle/>
                     <a:p>
                       <a:r>
-                        <a:rPr lang="fr-FR" dirty="0" smtClean="0"/>
+                        <a:rPr lang="fr-FR" dirty="0"/>
                         <a:t>0</a:t>
                       </a:r>
-                      <a:endParaRPr lang="fr-FR" dirty="0"/>
                     </a:p>
                   </a:txBody>
                   <a:tcPr>
@@ -5281,10 +5296,9 @@
                     <a:lstStyle/>
                     <a:p>
                       <a:r>
-                        <a:rPr lang="fr-FR" dirty="0" smtClean="0"/>
+                        <a:rPr lang="fr-FR" dirty="0"/>
                         <a:t>0</a:t>
                       </a:r>
-                      <a:endParaRPr lang="fr-FR" dirty="0"/>
                     </a:p>
                   </a:txBody>
                   <a:tcPr>
@@ -5302,10 +5316,9 @@
                     <a:lstStyle/>
                     <a:p>
                       <a:r>
-                        <a:rPr lang="fr-FR" sz="1600" dirty="0" smtClean="0"/>
+                        <a:rPr lang="fr-FR" sz="1600" dirty="0"/>
                         <a:t>2/20=10</a:t>
                       </a:r>
-                      <a:endParaRPr lang="fr-FR" sz="1600" dirty="0"/>
                     </a:p>
                   </a:txBody>
                   <a:tcPr>
@@ -5317,6 +5330,11 @@
                     </a:solidFill>
                   </a:tcPr>
                 </a:tc>
+                <a:extLst>
+                  <a:ext uri="{0D108BD9-81ED-4DB2-BD59-A6C34878D82A}">
+                    <a16:rowId xmlns:a16="http://schemas.microsoft.com/office/drawing/2014/main" xmlns="" val="10011"/>
+                  </a:ext>
+                </a:extLst>
               </a:tr>
               <a:tr h="370840">
                 <a:tc>
@@ -5325,10 +5343,9 @@
                     <a:lstStyle/>
                     <a:p>
                       <a:r>
-                        <a:rPr lang="fr-FR" dirty="0" smtClean="0"/>
+                        <a:rPr lang="fr-FR" dirty="0"/>
                         <a:t>R3</a:t>
                       </a:r>
-                      <a:endParaRPr lang="fr-FR" dirty="0"/>
                     </a:p>
                   </a:txBody>
                   <a:tcPr>
@@ -5346,10 +5363,9 @@
                     <a:lstStyle/>
                     <a:p>
                       <a:r>
-                        <a:rPr lang="fr-FR" dirty="0" smtClean="0"/>
+                        <a:rPr lang="fr-FR" dirty="0"/>
                         <a:t>M5</a:t>
                       </a:r>
-                      <a:endParaRPr lang="fr-FR" dirty="0"/>
                     </a:p>
                   </a:txBody>
                   <a:tcPr>
@@ -5367,10 +5383,9 @@
                     <a:lstStyle/>
                     <a:p>
                       <a:r>
-                        <a:rPr lang="fr-FR" dirty="0" smtClean="0"/>
+                        <a:rPr lang="fr-FR" dirty="0"/>
                         <a:t>V2</a:t>
                       </a:r>
-                      <a:endParaRPr lang="fr-FR" dirty="0"/>
                     </a:p>
                   </a:txBody>
                   <a:tcPr>
@@ -5388,10 +5403,9 @@
                     <a:lstStyle/>
                     <a:p>
                       <a:r>
-                        <a:rPr lang="fr-FR" dirty="0" smtClean="0"/>
+                        <a:rPr lang="fr-FR" dirty="0"/>
                         <a:t>25</a:t>
                       </a:r>
-                      <a:endParaRPr lang="fr-FR" dirty="0"/>
                     </a:p>
                   </a:txBody>
                   <a:tcPr>
@@ -5409,10 +5423,9 @@
                     <a:lstStyle/>
                     <a:p>
                       <a:r>
-                        <a:rPr lang="fr-FR" dirty="0" smtClean="0"/>
+                        <a:rPr lang="fr-FR" dirty="0"/>
                         <a:t>4</a:t>
                       </a:r>
-                      <a:endParaRPr lang="fr-FR" dirty="0"/>
                     </a:p>
                   </a:txBody>
                   <a:tcPr>
@@ -5430,10 +5443,9 @@
                     <a:lstStyle/>
                     <a:p>
                       <a:r>
-                        <a:rPr lang="fr-FR" dirty="0" smtClean="0"/>
+                        <a:rPr lang="fr-FR" dirty="0"/>
                         <a:t>1</a:t>
                       </a:r>
-                      <a:endParaRPr lang="fr-FR" dirty="0"/>
                     </a:p>
                   </a:txBody>
                   <a:tcPr>
@@ -5451,10 +5463,9 @@
                     <a:lstStyle/>
                     <a:p>
                       <a:r>
-                        <a:rPr lang="fr-FR" dirty="0" smtClean="0"/>
+                        <a:rPr lang="fr-FR" dirty="0"/>
                         <a:t>1</a:t>
                       </a:r>
-                      <a:endParaRPr lang="fr-FR" dirty="0"/>
                     </a:p>
                   </a:txBody>
                   <a:tcPr>
@@ -5472,10 +5483,9 @@
                     <a:lstStyle/>
                     <a:p>
                       <a:r>
-                        <a:rPr lang="fr-FR" sz="1600" dirty="0" smtClean="0"/>
+                        <a:rPr lang="fr-FR" sz="1600" dirty="0"/>
                         <a:t>100</a:t>
                       </a:r>
-                      <a:endParaRPr lang="fr-FR" sz="1600" dirty="0"/>
                     </a:p>
                   </a:txBody>
                   <a:tcPr>
@@ -5487,6 +5497,11 @@
                     </a:solidFill>
                   </a:tcPr>
                 </a:tc>
+                <a:extLst>
+                  <a:ext uri="{0D108BD9-81ED-4DB2-BD59-A6C34878D82A}">
+                    <a16:rowId xmlns:a16="http://schemas.microsoft.com/office/drawing/2014/main" xmlns="" val="10012"/>
+                  </a:ext>
+                </a:extLst>
               </a:tr>
             </a:tbl>
           </a:graphicData>
@@ -5515,21 +5530,13 @@
           <a:lstStyle/>
           <a:p>
             <a:r>
-              <a:rPr lang="fr-FR" dirty="0" smtClean="0"/>
-              <a:t>Ci-dessus les lignes de la requête de sélection suite à </a:t>
-            </a:r>
-            <a:r>
               <a:rPr lang="fr-FR" dirty="0"/>
-              <a:t>l</a:t>
-            </a:r>
-            <a:r>
-              <a:rPr lang="fr-FR" dirty="0" smtClean="0"/>
-              <a:t>’analyse sur la rubrique de solde R4 .</a:t>
-            </a:r>
-          </a:p>
-          <a:p>
-            <a:r>
-              <a:rPr lang="fr-FR" dirty="0" smtClean="0"/>
+              <a:t>Ci-dessus les lignes de la requête de sélection suite à l’analyse sur la rubrique de solde R4 .</a:t>
+            </a:r>
+          </a:p>
+          <a:p>
+            <a:r>
+              <a:rPr lang="fr-FR" dirty="0"/>
               <a:t>La colonne % n’existe pas dans la base mais c’est un calcul qui devra être fait dans le front. Ce pourcentage indique la probabilité d’être liée ou d’une autre façon la force de liaison entre les RS.</a:t>
             </a:r>
           </a:p>
@@ -5545,13 +5552,1196 @@
   <p:clrMapOvr>
     <a:masterClrMapping/>
   </p:clrMapOvr>
-  <p:timing>
-    <p:tnLst>
-      <p:par>
-        <p:cTn id="1" dur="indefinite" restart="never" nodeType="tmRoot"/>
-      </p:par>
-    </p:tnLst>
-  </p:timing>
+</p:sld>
+</file>
+
+<file path=ppt/slides/slide10.xml><?xml version="1.0" encoding="utf-8"?>
+<p:sld xmlns:a="http://schemas.openxmlformats.org/drawingml/2006/main" xmlns:r="http://schemas.openxmlformats.org/officeDocument/2006/relationships" xmlns:p="http://schemas.openxmlformats.org/presentationml/2006/main">
+  <p:cSld>
+    <p:spTree>
+      <p:nvGrpSpPr>
+        <p:cNvPr id="1" name=""/>
+        <p:cNvGrpSpPr/>
+        <p:nvPr/>
+      </p:nvGrpSpPr>
+      <p:grpSpPr>
+        <a:xfrm>
+          <a:off x="0" y="0"/>
+          <a:ext cx="0" cy="0"/>
+          <a:chOff x="0" y="0"/>
+          <a:chExt cx="0" cy="0"/>
+        </a:xfrm>
+      </p:grpSpPr>
+      <p:sp>
+        <p:nvSpPr>
+          <p:cNvPr id="2" name="Titre 1"/>
+          <p:cNvSpPr>
+            <a:spLocks noGrp="1"/>
+          </p:cNvSpPr>
+          <p:nvPr>
+            <p:ph type="title"/>
+          </p:nvPr>
+        </p:nvSpPr>
+        <p:spPr/>
+        <p:txBody>
+          <a:bodyPr>
+            <a:normAutofit fontScale="90000"/>
+          </a:bodyPr>
+          <a:lstStyle/>
+          <a:p>
+            <a:r>
+              <a:rPr lang="fr-FR" dirty="0" smtClean="0"/>
+              <a:t>07.14.01.a.r01</a:t>
+            </a:r>
+            <a:br>
+              <a:rPr lang="fr-FR" dirty="0" smtClean="0"/>
+            </a:br>
+            <a:endParaRPr lang="fr-FR" dirty="0"/>
+          </a:p>
+        </p:txBody>
+      </p:sp>
+      <p:sp>
+        <p:nvSpPr>
+          <p:cNvPr id="4" name="Ellipse 3"/>
+          <p:cNvSpPr/>
+          <p:nvPr/>
+        </p:nvSpPr>
+        <p:spPr>
+          <a:xfrm>
+            <a:off x="1619672" y="2127310"/>
+            <a:ext cx="1008112" cy="864096"/>
+          </a:xfrm>
+          <a:prstGeom prst="ellipse">
+            <a:avLst/>
+          </a:prstGeom>
+        </p:spPr>
+        <p:style>
+          <a:lnRef idx="2">
+            <a:schemeClr val="accent2">
+              <a:shade val="50000"/>
+            </a:schemeClr>
+          </a:lnRef>
+          <a:fillRef idx="1">
+            <a:schemeClr val="accent2"/>
+          </a:fillRef>
+          <a:effectRef idx="0">
+            <a:schemeClr val="accent2"/>
+          </a:effectRef>
+          <a:fontRef idx="minor">
+            <a:schemeClr val="lt1"/>
+          </a:fontRef>
+        </p:style>
+        <p:txBody>
+          <a:bodyPr rtlCol="0" anchor="ctr"/>
+          <a:lstStyle/>
+          <a:p>
+            <a:pPr algn="ctr"/>
+            <a:r>
+              <a:rPr lang="fr-FR" dirty="0" smtClean="0"/>
+              <a:t>TAOPCO</a:t>
+            </a:r>
+            <a:endParaRPr lang="fr-FR" dirty="0"/>
+          </a:p>
+        </p:txBody>
+      </p:sp>
+      <p:sp>
+        <p:nvSpPr>
+          <p:cNvPr id="8" name="Ellipse 7"/>
+          <p:cNvSpPr/>
+          <p:nvPr/>
+        </p:nvSpPr>
+        <p:spPr>
+          <a:xfrm>
+            <a:off x="5364088" y="2125596"/>
+            <a:ext cx="1008112" cy="864096"/>
+          </a:xfrm>
+          <a:prstGeom prst="ellipse">
+            <a:avLst/>
+          </a:prstGeom>
+        </p:spPr>
+        <p:style>
+          <a:lnRef idx="2">
+            <a:schemeClr val="accent1">
+              <a:shade val="50000"/>
+            </a:schemeClr>
+          </a:lnRef>
+          <a:fillRef idx="1">
+            <a:schemeClr val="accent1"/>
+          </a:fillRef>
+          <a:effectRef idx="0">
+            <a:schemeClr val="accent1"/>
+          </a:effectRef>
+          <a:fontRef idx="minor">
+            <a:schemeClr val="lt1"/>
+          </a:fontRef>
+        </p:style>
+        <p:txBody>
+          <a:bodyPr rtlCol="0" anchor="ctr"/>
+          <a:lstStyle/>
+          <a:p>
+            <a:pPr algn="ctr"/>
+            <a:r>
+              <a:rPr lang="fr-FR" dirty="0" smtClean="0"/>
+              <a:t>FORMAT</a:t>
+            </a:r>
+            <a:endParaRPr lang="fr-FR" dirty="0"/>
+          </a:p>
+        </p:txBody>
+      </p:sp>
+      <p:cxnSp>
+        <p:nvCxnSpPr>
+          <p:cNvPr id="10" name="Connecteur droit avec flèche 9"/>
+          <p:cNvCxnSpPr>
+            <a:stCxn id="8" idx="2"/>
+            <a:endCxn id="4" idx="6"/>
+          </p:cNvCxnSpPr>
+          <p:nvPr/>
+        </p:nvCxnSpPr>
+        <p:spPr>
+          <a:xfrm flipH="1">
+            <a:off x="2627784" y="2557644"/>
+            <a:ext cx="2736304" cy="1714"/>
+          </a:xfrm>
+          <a:prstGeom prst="straightConnector1">
+            <a:avLst/>
+          </a:prstGeom>
+          <a:ln w="28575">
+            <a:tailEnd type="arrow"/>
+          </a:ln>
+        </p:spPr>
+        <p:style>
+          <a:lnRef idx="1">
+            <a:schemeClr val="accent2"/>
+          </a:lnRef>
+          <a:fillRef idx="0">
+            <a:schemeClr val="accent2"/>
+          </a:fillRef>
+          <a:effectRef idx="0">
+            <a:schemeClr val="accent2"/>
+          </a:effectRef>
+          <a:fontRef idx="minor">
+            <a:schemeClr val="tx1"/>
+          </a:fontRef>
+        </p:style>
+      </p:cxnSp>
+      <p:sp>
+        <p:nvSpPr>
+          <p:cNvPr id="13" name="ZoneTexte 12"/>
+          <p:cNvSpPr txBox="1"/>
+          <p:nvPr/>
+        </p:nvSpPr>
+        <p:spPr>
+          <a:xfrm>
+            <a:off x="3441171" y="2152045"/>
+            <a:ext cx="700833" cy="369332"/>
+          </a:xfrm>
+          <a:prstGeom prst="rect">
+            <a:avLst/>
+          </a:prstGeom>
+          <a:noFill/>
+        </p:spPr>
+        <p:txBody>
+          <a:bodyPr wrap="none" rtlCol="0">
+            <a:spAutoFit/>
+          </a:bodyPr>
+          <a:lstStyle/>
+          <a:p>
+            <a:r>
+              <a:rPr lang="fr-FR" dirty="0" smtClean="0"/>
+              <a:t>100%</a:t>
+            </a:r>
+            <a:endParaRPr lang="fr-FR" dirty="0"/>
+          </a:p>
+        </p:txBody>
+      </p:sp>
+    </p:spTree>
+    <p:extLst>
+      <p:ext uri="{BB962C8B-B14F-4D97-AF65-F5344CB8AC3E}">
+        <p14:creationId xmlns:p14="http://schemas.microsoft.com/office/powerpoint/2010/main" val="3927511436"/>
+      </p:ext>
+    </p:extLst>
+  </p:cSld>
+  <p:clrMapOvr>
+    <a:masterClrMapping/>
+  </p:clrMapOvr>
+</p:sld>
+</file>
+
+<file path=ppt/slides/slide11.xml><?xml version="1.0" encoding="utf-8"?>
+<p:sld xmlns:a="http://schemas.openxmlformats.org/drawingml/2006/main" xmlns:r="http://schemas.openxmlformats.org/officeDocument/2006/relationships" xmlns:p="http://schemas.openxmlformats.org/presentationml/2006/main">
+  <p:cSld>
+    <p:spTree>
+      <p:nvGrpSpPr>
+        <p:cNvPr id="1" name=""/>
+        <p:cNvGrpSpPr/>
+        <p:nvPr/>
+      </p:nvGrpSpPr>
+      <p:grpSpPr>
+        <a:xfrm>
+          <a:off x="0" y="0"/>
+          <a:ext cx="0" cy="0"/>
+          <a:chOff x="0" y="0"/>
+          <a:chExt cx="0" cy="0"/>
+        </a:xfrm>
+      </p:grpSpPr>
+      <p:sp>
+        <p:nvSpPr>
+          <p:cNvPr id="4" name="Ellipse 3"/>
+          <p:cNvSpPr/>
+          <p:nvPr/>
+        </p:nvSpPr>
+        <p:spPr>
+          <a:xfrm>
+            <a:off x="1619672" y="2127310"/>
+            <a:ext cx="1008112" cy="864096"/>
+          </a:xfrm>
+          <a:prstGeom prst="ellipse">
+            <a:avLst/>
+          </a:prstGeom>
+        </p:spPr>
+        <p:style>
+          <a:lnRef idx="2">
+            <a:schemeClr val="accent4">
+              <a:shade val="50000"/>
+            </a:schemeClr>
+          </a:lnRef>
+          <a:fillRef idx="1">
+            <a:schemeClr val="accent4"/>
+          </a:fillRef>
+          <a:effectRef idx="0">
+            <a:schemeClr val="accent4"/>
+          </a:effectRef>
+          <a:fontRef idx="minor">
+            <a:schemeClr val="lt1"/>
+          </a:fontRef>
+        </p:style>
+        <p:txBody>
+          <a:bodyPr rtlCol="0" anchor="ctr"/>
+          <a:lstStyle/>
+          <a:p>
+            <a:pPr algn="ctr"/>
+            <a:r>
+              <a:rPr lang="fr-FR" dirty="0" smtClean="0"/>
+              <a:t>TAOPCO</a:t>
+            </a:r>
+            <a:endParaRPr lang="fr-FR" dirty="0"/>
+          </a:p>
+        </p:txBody>
+      </p:sp>
+      <p:sp>
+        <p:nvSpPr>
+          <p:cNvPr id="5" name="Ellipse 4"/>
+          <p:cNvSpPr/>
+          <p:nvPr/>
+        </p:nvSpPr>
+        <p:spPr>
+          <a:xfrm>
+            <a:off x="2915816" y="3717032"/>
+            <a:ext cx="1008112" cy="864096"/>
+          </a:xfrm>
+          <a:prstGeom prst="ellipse">
+            <a:avLst/>
+          </a:prstGeom>
+        </p:spPr>
+        <p:style>
+          <a:lnRef idx="2">
+            <a:schemeClr val="accent1">
+              <a:shade val="50000"/>
+            </a:schemeClr>
+          </a:lnRef>
+          <a:fillRef idx="1">
+            <a:schemeClr val="accent1"/>
+          </a:fillRef>
+          <a:effectRef idx="0">
+            <a:schemeClr val="accent1"/>
+          </a:effectRef>
+          <a:fontRef idx="minor">
+            <a:schemeClr val="lt1"/>
+          </a:fontRef>
+        </p:style>
+        <p:txBody>
+          <a:bodyPr rtlCol="0" anchor="ctr"/>
+          <a:lstStyle/>
+          <a:p>
+            <a:pPr algn="ctr"/>
+            <a:r>
+              <a:rPr lang="fr-FR" dirty="0" smtClean="0"/>
+              <a:t>YYYY</a:t>
+            </a:r>
+            <a:endParaRPr lang="fr-FR" dirty="0"/>
+          </a:p>
+        </p:txBody>
+      </p:sp>
+      <p:sp>
+        <p:nvSpPr>
+          <p:cNvPr id="6" name="Ellipse 5"/>
+          <p:cNvSpPr/>
+          <p:nvPr/>
+        </p:nvSpPr>
+        <p:spPr>
+          <a:xfrm>
+            <a:off x="6084168" y="3811417"/>
+            <a:ext cx="1008112" cy="864096"/>
+          </a:xfrm>
+          <a:prstGeom prst="ellipse">
+            <a:avLst/>
+          </a:prstGeom>
+          <a:solidFill>
+            <a:schemeClr val="accent2"/>
+          </a:solidFill>
+        </p:spPr>
+        <p:style>
+          <a:lnRef idx="2">
+            <a:schemeClr val="accent1">
+              <a:shade val="50000"/>
+            </a:schemeClr>
+          </a:lnRef>
+          <a:fillRef idx="1">
+            <a:schemeClr val="accent1"/>
+          </a:fillRef>
+          <a:effectRef idx="0">
+            <a:schemeClr val="accent1"/>
+          </a:effectRef>
+          <a:fontRef idx="minor">
+            <a:schemeClr val="lt1"/>
+          </a:fontRef>
+        </p:style>
+        <p:txBody>
+          <a:bodyPr rtlCol="0" anchor="ctr"/>
+          <a:lstStyle/>
+          <a:p>
+            <a:pPr algn="ctr"/>
+            <a:r>
+              <a:rPr lang="fr-FR" dirty="0" smtClean="0"/>
+              <a:t>RECRUT</a:t>
+            </a:r>
+            <a:endParaRPr lang="fr-FR" dirty="0"/>
+          </a:p>
+        </p:txBody>
+      </p:sp>
+      <p:sp>
+        <p:nvSpPr>
+          <p:cNvPr id="7" name="Ellipse 6"/>
+          <p:cNvSpPr/>
+          <p:nvPr/>
+        </p:nvSpPr>
+        <p:spPr>
+          <a:xfrm>
+            <a:off x="1502923" y="4287550"/>
+            <a:ext cx="1008112" cy="864096"/>
+          </a:xfrm>
+          <a:prstGeom prst="ellipse">
+            <a:avLst/>
+          </a:prstGeom>
+        </p:spPr>
+        <p:style>
+          <a:lnRef idx="2">
+            <a:schemeClr val="accent1">
+              <a:shade val="50000"/>
+            </a:schemeClr>
+          </a:lnRef>
+          <a:fillRef idx="1">
+            <a:schemeClr val="accent1"/>
+          </a:fillRef>
+          <a:effectRef idx="0">
+            <a:schemeClr val="accent1"/>
+          </a:effectRef>
+          <a:fontRef idx="minor">
+            <a:schemeClr val="lt1"/>
+          </a:fontRef>
+        </p:style>
+        <p:txBody>
+          <a:bodyPr rtlCol="0" anchor="ctr"/>
+          <a:lstStyle/>
+          <a:p>
+            <a:pPr algn="ctr"/>
+            <a:r>
+              <a:rPr lang="fr-FR" dirty="0" smtClean="0"/>
+              <a:t>AAAA</a:t>
+            </a:r>
+            <a:endParaRPr lang="fr-FR" dirty="0"/>
+          </a:p>
+        </p:txBody>
+      </p:sp>
+      <p:sp>
+        <p:nvSpPr>
+          <p:cNvPr id="8" name="Ellipse 7"/>
+          <p:cNvSpPr/>
+          <p:nvPr/>
+        </p:nvSpPr>
+        <p:spPr>
+          <a:xfrm>
+            <a:off x="5364088" y="2125596"/>
+            <a:ext cx="1008112" cy="864096"/>
+          </a:xfrm>
+          <a:prstGeom prst="ellipse">
+            <a:avLst/>
+          </a:prstGeom>
+        </p:spPr>
+        <p:style>
+          <a:lnRef idx="2">
+            <a:schemeClr val="accent2">
+              <a:shade val="50000"/>
+            </a:schemeClr>
+          </a:lnRef>
+          <a:fillRef idx="1">
+            <a:schemeClr val="accent2"/>
+          </a:fillRef>
+          <a:effectRef idx="0">
+            <a:schemeClr val="accent2"/>
+          </a:effectRef>
+          <a:fontRef idx="minor">
+            <a:schemeClr val="lt1"/>
+          </a:fontRef>
+        </p:style>
+        <p:txBody>
+          <a:bodyPr rtlCol="0" anchor="ctr"/>
+          <a:lstStyle/>
+          <a:p>
+            <a:pPr algn="ctr"/>
+            <a:r>
+              <a:rPr lang="fr-FR" dirty="0" smtClean="0"/>
+              <a:t>FORMAT</a:t>
+            </a:r>
+            <a:endParaRPr lang="fr-FR" dirty="0"/>
+          </a:p>
+        </p:txBody>
+      </p:sp>
+      <p:cxnSp>
+        <p:nvCxnSpPr>
+          <p:cNvPr id="10" name="Connecteur droit avec flèche 9"/>
+          <p:cNvCxnSpPr>
+            <a:endCxn id="4" idx="5"/>
+          </p:cNvCxnSpPr>
+          <p:nvPr/>
+        </p:nvCxnSpPr>
+        <p:spPr>
+          <a:xfrm flipH="1" flipV="1">
+            <a:off x="2480149" y="2864862"/>
+            <a:ext cx="579683" cy="852170"/>
+          </a:xfrm>
+          <a:prstGeom prst="straightConnector1">
+            <a:avLst/>
+          </a:prstGeom>
+          <a:ln w="38100">
+            <a:headEnd type="arrow"/>
+            <a:tailEnd type="arrow"/>
+          </a:ln>
+        </p:spPr>
+        <p:style>
+          <a:lnRef idx="1">
+            <a:schemeClr val="accent3"/>
+          </a:lnRef>
+          <a:fillRef idx="0">
+            <a:schemeClr val="accent3"/>
+          </a:fillRef>
+          <a:effectRef idx="0">
+            <a:schemeClr val="accent3"/>
+          </a:effectRef>
+          <a:fontRef idx="minor">
+            <a:schemeClr val="tx1"/>
+          </a:fontRef>
+        </p:style>
+      </p:cxnSp>
+      <p:cxnSp>
+        <p:nvCxnSpPr>
+          <p:cNvPr id="12" name="Connecteur droit avec flèche 11"/>
+          <p:cNvCxnSpPr>
+            <a:stCxn id="8" idx="2"/>
+            <a:endCxn id="4" idx="6"/>
+          </p:cNvCxnSpPr>
+          <p:nvPr/>
+        </p:nvCxnSpPr>
+        <p:spPr>
+          <a:xfrm flipH="1">
+            <a:off x="2627784" y="2557644"/>
+            <a:ext cx="2736304" cy="1714"/>
+          </a:xfrm>
+          <a:prstGeom prst="straightConnector1">
+            <a:avLst/>
+          </a:prstGeom>
+          <a:ln w="38100">
+            <a:tailEnd type="arrow"/>
+          </a:ln>
+        </p:spPr>
+        <p:style>
+          <a:lnRef idx="1">
+            <a:schemeClr val="accent2"/>
+          </a:lnRef>
+          <a:fillRef idx="0">
+            <a:schemeClr val="accent2"/>
+          </a:fillRef>
+          <a:effectRef idx="0">
+            <a:schemeClr val="accent2"/>
+          </a:effectRef>
+          <a:fontRef idx="minor">
+            <a:schemeClr val="tx1"/>
+          </a:fontRef>
+        </p:style>
+      </p:cxnSp>
+      <p:cxnSp>
+        <p:nvCxnSpPr>
+          <p:cNvPr id="18" name="Connecteur droit avec flèche 17"/>
+          <p:cNvCxnSpPr>
+            <a:stCxn id="7" idx="0"/>
+          </p:cNvCxnSpPr>
+          <p:nvPr/>
+        </p:nvCxnSpPr>
+        <p:spPr>
+          <a:xfrm flipV="1">
+            <a:off x="2006979" y="2864862"/>
+            <a:ext cx="116749" cy="1422688"/>
+          </a:xfrm>
+          <a:prstGeom prst="straightConnector1">
+            <a:avLst/>
+          </a:prstGeom>
+          <a:ln w="38100">
+            <a:headEnd type="arrow"/>
+            <a:tailEnd type="arrow"/>
+          </a:ln>
+        </p:spPr>
+        <p:style>
+          <a:lnRef idx="1">
+            <a:schemeClr val="accent3"/>
+          </a:lnRef>
+          <a:fillRef idx="0">
+            <a:schemeClr val="accent3"/>
+          </a:fillRef>
+          <a:effectRef idx="0">
+            <a:schemeClr val="accent3"/>
+          </a:effectRef>
+          <a:fontRef idx="minor">
+            <a:schemeClr val="tx1"/>
+          </a:fontRef>
+        </p:style>
+      </p:cxnSp>
+      <p:cxnSp>
+        <p:nvCxnSpPr>
+          <p:cNvPr id="20" name="Connecteur droit avec flèche 19"/>
+          <p:cNvCxnSpPr>
+            <a:stCxn id="6" idx="0"/>
+            <a:endCxn id="8" idx="5"/>
+          </p:cNvCxnSpPr>
+          <p:nvPr/>
+        </p:nvCxnSpPr>
+        <p:spPr>
+          <a:xfrm flipH="1" flipV="1">
+            <a:off x="6224565" y="2863148"/>
+            <a:ext cx="363659" cy="948269"/>
+          </a:xfrm>
+          <a:prstGeom prst="straightConnector1">
+            <a:avLst/>
+          </a:prstGeom>
+          <a:ln w="38100">
+            <a:solidFill>
+              <a:schemeClr val="accent2"/>
+            </a:solidFill>
+            <a:prstDash val="dash"/>
+            <a:tailEnd type="arrow"/>
+          </a:ln>
+        </p:spPr>
+        <p:style>
+          <a:lnRef idx="1">
+            <a:schemeClr val="accent3"/>
+          </a:lnRef>
+          <a:fillRef idx="0">
+            <a:schemeClr val="accent3"/>
+          </a:fillRef>
+          <a:effectRef idx="0">
+            <a:schemeClr val="accent3"/>
+          </a:effectRef>
+          <a:fontRef idx="minor">
+            <a:schemeClr val="tx1"/>
+          </a:fontRef>
+        </p:style>
+      </p:cxnSp>
+      <p:sp>
+        <p:nvSpPr>
+          <p:cNvPr id="22" name="Titre 1"/>
+          <p:cNvSpPr txBox="1">
+            <a:spLocks/>
+          </p:cNvSpPr>
+          <p:nvPr/>
+        </p:nvSpPr>
+        <p:spPr>
+          <a:xfrm>
+            <a:off x="457200" y="274638"/>
+            <a:ext cx="8229600" cy="1143000"/>
+          </a:xfrm>
+          <a:prstGeom prst="rect">
+            <a:avLst/>
+          </a:prstGeom>
+        </p:spPr>
+        <p:txBody>
+          <a:bodyPr vert="horz" lIns="91440" tIns="45720" rIns="91440" bIns="45720" rtlCol="0" anchor="ctr">
+            <a:normAutofit fontScale="90000" lnSpcReduction="20000"/>
+          </a:bodyPr>
+          <a:lstStyle>
+            <a:lvl1pPr algn="ctr" defTabSz="914400" rtl="0" eaLnBrk="1" latinLnBrk="0" hangingPunct="1">
+              <a:spcBef>
+                <a:spcPct val="0"/>
+              </a:spcBef>
+              <a:buNone/>
+              <a:defRPr sz="4400" kern="1200">
+                <a:solidFill>
+                  <a:schemeClr val="tx1"/>
+                </a:solidFill>
+                <a:latin typeface="+mj-lt"/>
+                <a:ea typeface="+mj-ea"/>
+                <a:cs typeface="+mj-cs"/>
+              </a:defRPr>
+            </a:lvl1pPr>
+          </a:lstStyle>
+          <a:p>
+            <a:r>
+              <a:rPr lang="fr-FR" dirty="0" smtClean="0"/>
+              <a:t>07.19.00.c.r01</a:t>
+            </a:r>
+            <a:br>
+              <a:rPr lang="fr-FR" dirty="0" smtClean="0"/>
+            </a:br>
+            <a:endParaRPr lang="fr-FR" dirty="0"/>
+          </a:p>
+        </p:txBody>
+      </p:sp>
+    </p:spTree>
+    <p:extLst>
+      <p:ext uri="{BB962C8B-B14F-4D97-AF65-F5344CB8AC3E}">
+        <p14:creationId xmlns:p14="http://schemas.microsoft.com/office/powerpoint/2010/main" val="711224569"/>
+      </p:ext>
+    </p:extLst>
+  </p:cSld>
+  <p:clrMapOvr>
+    <a:masterClrMapping/>
+  </p:clrMapOvr>
+</p:sld>
+</file>
+
+<file path=ppt/slides/slide12.xml><?xml version="1.0" encoding="utf-8"?>
+<p:sld xmlns:a="http://schemas.openxmlformats.org/drawingml/2006/main" xmlns:r="http://schemas.openxmlformats.org/officeDocument/2006/relationships" xmlns:p="http://schemas.openxmlformats.org/presentationml/2006/main">
+  <p:cSld>
+    <p:spTree>
+      <p:nvGrpSpPr>
+        <p:cNvPr id="1" name=""/>
+        <p:cNvGrpSpPr/>
+        <p:nvPr/>
+      </p:nvGrpSpPr>
+      <p:grpSpPr>
+        <a:xfrm>
+          <a:off x="0" y="0"/>
+          <a:ext cx="0" cy="0"/>
+          <a:chOff x="0" y="0"/>
+          <a:chExt cx="0" cy="0"/>
+        </a:xfrm>
+      </p:grpSpPr>
+      <p:sp>
+        <p:nvSpPr>
+          <p:cNvPr id="4" name="Ellipse 3"/>
+          <p:cNvSpPr/>
+          <p:nvPr/>
+        </p:nvSpPr>
+        <p:spPr>
+          <a:xfrm>
+            <a:off x="1619672" y="2127310"/>
+            <a:ext cx="1008112" cy="864096"/>
+          </a:xfrm>
+          <a:prstGeom prst="ellipse">
+            <a:avLst/>
+          </a:prstGeom>
+        </p:spPr>
+        <p:style>
+          <a:lnRef idx="2">
+            <a:schemeClr val="accent4">
+              <a:shade val="50000"/>
+            </a:schemeClr>
+          </a:lnRef>
+          <a:fillRef idx="1">
+            <a:schemeClr val="accent4"/>
+          </a:fillRef>
+          <a:effectRef idx="0">
+            <a:schemeClr val="accent4"/>
+          </a:effectRef>
+          <a:fontRef idx="minor">
+            <a:schemeClr val="lt1"/>
+          </a:fontRef>
+        </p:style>
+        <p:txBody>
+          <a:bodyPr rtlCol="0" anchor="ctr"/>
+          <a:lstStyle/>
+          <a:p>
+            <a:pPr algn="ctr"/>
+            <a:r>
+              <a:rPr lang="fr-FR" dirty="0" smtClean="0"/>
+              <a:t>TAOPCO</a:t>
+            </a:r>
+            <a:endParaRPr lang="fr-FR" dirty="0"/>
+          </a:p>
+        </p:txBody>
+      </p:sp>
+      <p:sp>
+        <p:nvSpPr>
+          <p:cNvPr id="5" name="Ellipse 4"/>
+          <p:cNvSpPr/>
+          <p:nvPr/>
+        </p:nvSpPr>
+        <p:spPr>
+          <a:xfrm>
+            <a:off x="2915816" y="3717032"/>
+            <a:ext cx="1008112" cy="864096"/>
+          </a:xfrm>
+          <a:prstGeom prst="ellipse">
+            <a:avLst/>
+          </a:prstGeom>
+        </p:spPr>
+        <p:style>
+          <a:lnRef idx="2">
+            <a:schemeClr val="accent1">
+              <a:shade val="50000"/>
+            </a:schemeClr>
+          </a:lnRef>
+          <a:fillRef idx="1">
+            <a:schemeClr val="accent1"/>
+          </a:fillRef>
+          <a:effectRef idx="0">
+            <a:schemeClr val="accent1"/>
+          </a:effectRef>
+          <a:fontRef idx="minor">
+            <a:schemeClr val="lt1"/>
+          </a:fontRef>
+        </p:style>
+        <p:txBody>
+          <a:bodyPr rtlCol="0" anchor="ctr"/>
+          <a:lstStyle/>
+          <a:p>
+            <a:pPr algn="ctr"/>
+            <a:r>
+              <a:rPr lang="fr-FR" dirty="0" smtClean="0"/>
+              <a:t>YYYY</a:t>
+            </a:r>
+            <a:endParaRPr lang="fr-FR" dirty="0"/>
+          </a:p>
+        </p:txBody>
+      </p:sp>
+      <p:sp>
+        <p:nvSpPr>
+          <p:cNvPr id="6" name="Ellipse 5"/>
+          <p:cNvSpPr/>
+          <p:nvPr/>
+        </p:nvSpPr>
+        <p:spPr>
+          <a:xfrm>
+            <a:off x="6084168" y="3811417"/>
+            <a:ext cx="1008112" cy="864096"/>
+          </a:xfrm>
+          <a:prstGeom prst="ellipse">
+            <a:avLst/>
+          </a:prstGeom>
+        </p:spPr>
+        <p:style>
+          <a:lnRef idx="2">
+            <a:schemeClr val="accent2">
+              <a:shade val="50000"/>
+            </a:schemeClr>
+          </a:lnRef>
+          <a:fillRef idx="1">
+            <a:schemeClr val="accent2"/>
+          </a:fillRef>
+          <a:effectRef idx="0">
+            <a:schemeClr val="accent2"/>
+          </a:effectRef>
+          <a:fontRef idx="minor">
+            <a:schemeClr val="lt1"/>
+          </a:fontRef>
+        </p:style>
+        <p:txBody>
+          <a:bodyPr rtlCol="0" anchor="ctr"/>
+          <a:lstStyle/>
+          <a:p>
+            <a:pPr algn="ctr"/>
+            <a:r>
+              <a:rPr lang="fr-FR" dirty="0" smtClean="0"/>
+              <a:t>RECRUT</a:t>
+            </a:r>
+            <a:endParaRPr lang="fr-FR" dirty="0"/>
+          </a:p>
+        </p:txBody>
+      </p:sp>
+      <p:sp>
+        <p:nvSpPr>
+          <p:cNvPr id="7" name="Ellipse 6"/>
+          <p:cNvSpPr/>
+          <p:nvPr/>
+        </p:nvSpPr>
+        <p:spPr>
+          <a:xfrm>
+            <a:off x="1502923" y="4287550"/>
+            <a:ext cx="1008112" cy="864096"/>
+          </a:xfrm>
+          <a:prstGeom prst="ellipse">
+            <a:avLst/>
+          </a:prstGeom>
+        </p:spPr>
+        <p:style>
+          <a:lnRef idx="2">
+            <a:schemeClr val="accent1">
+              <a:shade val="50000"/>
+            </a:schemeClr>
+          </a:lnRef>
+          <a:fillRef idx="1">
+            <a:schemeClr val="accent1"/>
+          </a:fillRef>
+          <a:effectRef idx="0">
+            <a:schemeClr val="accent1"/>
+          </a:effectRef>
+          <a:fontRef idx="minor">
+            <a:schemeClr val="lt1"/>
+          </a:fontRef>
+        </p:style>
+        <p:txBody>
+          <a:bodyPr rtlCol="0" anchor="ctr"/>
+          <a:lstStyle/>
+          <a:p>
+            <a:pPr algn="ctr"/>
+            <a:r>
+              <a:rPr lang="fr-FR" dirty="0" smtClean="0"/>
+              <a:t>AAAA</a:t>
+            </a:r>
+            <a:endParaRPr lang="fr-FR" dirty="0"/>
+          </a:p>
+        </p:txBody>
+      </p:sp>
+      <p:sp>
+        <p:nvSpPr>
+          <p:cNvPr id="8" name="Ellipse 7"/>
+          <p:cNvSpPr/>
+          <p:nvPr/>
+        </p:nvSpPr>
+        <p:spPr>
+          <a:xfrm>
+            <a:off x="5364088" y="2125596"/>
+            <a:ext cx="1008112" cy="864096"/>
+          </a:xfrm>
+          <a:prstGeom prst="ellipse">
+            <a:avLst/>
+          </a:prstGeom>
+        </p:spPr>
+        <p:style>
+          <a:lnRef idx="2">
+            <a:schemeClr val="accent2">
+              <a:shade val="50000"/>
+            </a:schemeClr>
+          </a:lnRef>
+          <a:fillRef idx="1">
+            <a:schemeClr val="accent2"/>
+          </a:fillRef>
+          <a:effectRef idx="0">
+            <a:schemeClr val="accent2"/>
+          </a:effectRef>
+          <a:fontRef idx="minor">
+            <a:schemeClr val="lt1"/>
+          </a:fontRef>
+        </p:style>
+        <p:txBody>
+          <a:bodyPr rtlCol="0" anchor="ctr"/>
+          <a:lstStyle/>
+          <a:p>
+            <a:pPr algn="ctr"/>
+            <a:r>
+              <a:rPr lang="fr-FR" dirty="0" smtClean="0"/>
+              <a:t>FORMAT</a:t>
+            </a:r>
+            <a:endParaRPr lang="fr-FR" dirty="0"/>
+          </a:p>
+        </p:txBody>
+      </p:sp>
+      <p:cxnSp>
+        <p:nvCxnSpPr>
+          <p:cNvPr id="9" name="Connecteur droit avec flèche 8"/>
+          <p:cNvCxnSpPr>
+            <a:endCxn id="4" idx="5"/>
+          </p:cNvCxnSpPr>
+          <p:nvPr/>
+        </p:nvCxnSpPr>
+        <p:spPr>
+          <a:xfrm flipH="1" flipV="1">
+            <a:off x="2480149" y="2864862"/>
+            <a:ext cx="579683" cy="852170"/>
+          </a:xfrm>
+          <a:prstGeom prst="straightConnector1">
+            <a:avLst/>
+          </a:prstGeom>
+          <a:ln w="38100">
+            <a:headEnd type="arrow"/>
+            <a:tailEnd type="arrow"/>
+          </a:ln>
+        </p:spPr>
+        <p:style>
+          <a:lnRef idx="1">
+            <a:schemeClr val="accent3"/>
+          </a:lnRef>
+          <a:fillRef idx="0">
+            <a:schemeClr val="accent3"/>
+          </a:fillRef>
+          <a:effectRef idx="0">
+            <a:schemeClr val="accent3"/>
+          </a:effectRef>
+          <a:fontRef idx="minor">
+            <a:schemeClr val="tx1"/>
+          </a:fontRef>
+        </p:style>
+      </p:cxnSp>
+      <p:cxnSp>
+        <p:nvCxnSpPr>
+          <p:cNvPr id="10" name="Connecteur droit avec flèche 9"/>
+          <p:cNvCxnSpPr>
+            <a:stCxn id="8" idx="2"/>
+            <a:endCxn id="4" idx="6"/>
+          </p:cNvCxnSpPr>
+          <p:nvPr/>
+        </p:nvCxnSpPr>
+        <p:spPr>
+          <a:xfrm flipH="1">
+            <a:off x="2627784" y="2557644"/>
+            <a:ext cx="2736304" cy="1714"/>
+          </a:xfrm>
+          <a:prstGeom prst="straightConnector1">
+            <a:avLst/>
+          </a:prstGeom>
+          <a:ln w="38100">
+            <a:tailEnd type="arrow"/>
+          </a:ln>
+        </p:spPr>
+        <p:style>
+          <a:lnRef idx="1">
+            <a:schemeClr val="accent2"/>
+          </a:lnRef>
+          <a:fillRef idx="0">
+            <a:schemeClr val="accent2"/>
+          </a:fillRef>
+          <a:effectRef idx="0">
+            <a:schemeClr val="accent2"/>
+          </a:effectRef>
+          <a:fontRef idx="minor">
+            <a:schemeClr val="tx1"/>
+          </a:fontRef>
+        </p:style>
+      </p:cxnSp>
+      <p:cxnSp>
+        <p:nvCxnSpPr>
+          <p:cNvPr id="11" name="Connecteur droit avec flèche 10"/>
+          <p:cNvCxnSpPr>
+            <a:stCxn id="7" idx="0"/>
+          </p:cNvCxnSpPr>
+          <p:nvPr/>
+        </p:nvCxnSpPr>
+        <p:spPr>
+          <a:xfrm flipV="1">
+            <a:off x="2006979" y="2864862"/>
+            <a:ext cx="116749" cy="1422688"/>
+          </a:xfrm>
+          <a:prstGeom prst="straightConnector1">
+            <a:avLst/>
+          </a:prstGeom>
+          <a:ln w="38100">
+            <a:headEnd type="arrow"/>
+            <a:tailEnd type="arrow"/>
+          </a:ln>
+        </p:spPr>
+        <p:style>
+          <a:lnRef idx="1">
+            <a:schemeClr val="accent3"/>
+          </a:lnRef>
+          <a:fillRef idx="0">
+            <a:schemeClr val="accent3"/>
+          </a:fillRef>
+          <a:effectRef idx="0">
+            <a:schemeClr val="accent3"/>
+          </a:effectRef>
+          <a:fontRef idx="minor">
+            <a:schemeClr val="tx1"/>
+          </a:fontRef>
+        </p:style>
+      </p:cxnSp>
+      <p:cxnSp>
+        <p:nvCxnSpPr>
+          <p:cNvPr id="12" name="Connecteur droit avec flèche 11"/>
+          <p:cNvCxnSpPr>
+            <a:stCxn id="6" idx="0"/>
+            <a:endCxn id="8" idx="5"/>
+          </p:cNvCxnSpPr>
+          <p:nvPr/>
+        </p:nvCxnSpPr>
+        <p:spPr>
+          <a:xfrm flipH="1" flipV="1">
+            <a:off x="6224565" y="2863148"/>
+            <a:ext cx="363659" cy="948269"/>
+          </a:xfrm>
+          <a:prstGeom prst="straightConnector1">
+            <a:avLst/>
+          </a:prstGeom>
+          <a:ln w="38100">
+            <a:solidFill>
+              <a:schemeClr val="accent2"/>
+            </a:solidFill>
+            <a:prstDash val="dash"/>
+            <a:tailEnd type="arrow"/>
+          </a:ln>
+        </p:spPr>
+        <p:style>
+          <a:lnRef idx="1">
+            <a:schemeClr val="accent3"/>
+          </a:lnRef>
+          <a:fillRef idx="0">
+            <a:schemeClr val="accent3"/>
+          </a:fillRef>
+          <a:effectRef idx="0">
+            <a:schemeClr val="accent3"/>
+          </a:effectRef>
+          <a:fontRef idx="minor">
+            <a:schemeClr val="tx1"/>
+          </a:fontRef>
+        </p:style>
+      </p:cxnSp>
+      <p:sp>
+        <p:nvSpPr>
+          <p:cNvPr id="13" name="Titre 1"/>
+          <p:cNvSpPr txBox="1">
+            <a:spLocks/>
+          </p:cNvSpPr>
+          <p:nvPr/>
+        </p:nvSpPr>
+        <p:spPr>
+          <a:xfrm>
+            <a:off x="457200" y="274638"/>
+            <a:ext cx="8229600" cy="1143000"/>
+          </a:xfrm>
+          <a:prstGeom prst="rect">
+            <a:avLst/>
+          </a:prstGeom>
+        </p:spPr>
+        <p:txBody>
+          <a:bodyPr vert="horz" lIns="91440" tIns="45720" rIns="91440" bIns="45720" rtlCol="0" anchor="ctr">
+            <a:normAutofit fontScale="90000" lnSpcReduction="20000"/>
+          </a:bodyPr>
+          <a:lstStyle>
+            <a:lvl1pPr algn="ctr" defTabSz="914400" rtl="0" eaLnBrk="1" latinLnBrk="0" hangingPunct="1">
+              <a:spcBef>
+                <a:spcPct val="0"/>
+              </a:spcBef>
+              <a:buNone/>
+              <a:defRPr sz="4400" kern="1200">
+                <a:solidFill>
+                  <a:schemeClr val="tx1"/>
+                </a:solidFill>
+                <a:latin typeface="+mj-lt"/>
+                <a:ea typeface="+mj-ea"/>
+                <a:cs typeface="+mj-cs"/>
+              </a:defRPr>
+            </a:lvl1pPr>
+          </a:lstStyle>
+          <a:p>
+            <a:r>
+              <a:rPr lang="fr-FR" dirty="0" smtClean="0"/>
+              <a:t>07.20.01.a.r01</a:t>
+            </a:r>
+            <a:br>
+              <a:rPr lang="fr-FR" dirty="0" smtClean="0"/>
+            </a:br>
+            <a:endParaRPr lang="fr-FR" dirty="0"/>
+          </a:p>
+        </p:txBody>
+      </p:sp>
+      <p:sp>
+        <p:nvSpPr>
+          <p:cNvPr id="14" name="Ellipse 13"/>
+          <p:cNvSpPr/>
+          <p:nvPr/>
+        </p:nvSpPr>
+        <p:spPr>
+          <a:xfrm>
+            <a:off x="7272191" y="5517232"/>
+            <a:ext cx="1008112" cy="864096"/>
+          </a:xfrm>
+          <a:prstGeom prst="ellipse">
+            <a:avLst/>
+          </a:prstGeom>
+        </p:spPr>
+        <p:style>
+          <a:lnRef idx="2">
+            <a:schemeClr val="accent2">
+              <a:shade val="50000"/>
+            </a:schemeClr>
+          </a:lnRef>
+          <a:fillRef idx="1">
+            <a:schemeClr val="accent2"/>
+          </a:fillRef>
+          <a:effectRef idx="0">
+            <a:schemeClr val="accent2"/>
+          </a:effectRef>
+          <a:fontRef idx="minor">
+            <a:schemeClr val="lt1"/>
+          </a:fontRef>
+        </p:style>
+        <p:txBody>
+          <a:bodyPr rtlCol="0" anchor="ctr"/>
+          <a:lstStyle/>
+          <a:p>
+            <a:pPr algn="ctr"/>
+            <a:r>
+              <a:rPr lang="fr-FR" dirty="0" smtClean="0"/>
+              <a:t>RECRUT</a:t>
+            </a:r>
+            <a:endParaRPr lang="fr-FR" dirty="0"/>
+          </a:p>
+        </p:txBody>
+      </p:sp>
+      <p:cxnSp>
+        <p:nvCxnSpPr>
+          <p:cNvPr id="16" name="Connecteur droit avec flèche 15"/>
+          <p:cNvCxnSpPr>
+            <a:stCxn id="14" idx="1"/>
+            <a:endCxn id="6" idx="5"/>
+          </p:cNvCxnSpPr>
+          <p:nvPr/>
+        </p:nvCxnSpPr>
+        <p:spPr>
+          <a:xfrm flipH="1" flipV="1">
+            <a:off x="6944645" y="4548969"/>
+            <a:ext cx="475181" cy="1094807"/>
+          </a:xfrm>
+          <a:prstGeom prst="straightConnector1">
+            <a:avLst/>
+          </a:prstGeom>
+          <a:ln w="38100">
+            <a:headEnd type="arrow"/>
+            <a:tailEnd type="arrow"/>
+          </a:ln>
+        </p:spPr>
+        <p:style>
+          <a:lnRef idx="1">
+            <a:schemeClr val="accent3"/>
+          </a:lnRef>
+          <a:fillRef idx="0">
+            <a:schemeClr val="accent3"/>
+          </a:fillRef>
+          <a:effectRef idx="0">
+            <a:schemeClr val="accent3"/>
+          </a:effectRef>
+          <a:fontRef idx="minor">
+            <a:schemeClr val="tx1"/>
+          </a:fontRef>
+        </p:style>
+      </p:cxnSp>
+    </p:spTree>
+    <p:extLst>
+      <p:ext uri="{BB962C8B-B14F-4D97-AF65-F5344CB8AC3E}">
+        <p14:creationId xmlns:p14="http://schemas.microsoft.com/office/powerpoint/2010/main" val="4039050939"/>
+      </p:ext>
+    </p:extLst>
+  </p:cSld>
+  <p:clrMapOvr>
+    <a:masterClrMapping/>
+  </p:clrMapOvr>
 </p:sld>
 </file>
 
@@ -5595,10 +6785,9 @@
           <a:lstStyle/>
           <a:p>
             <a:r>
-              <a:rPr lang="fr-FR" dirty="0" smtClean="0"/>
+              <a:rPr lang="fr-FR" dirty="0"/>
               <a:t>Les liaisons</a:t>
             </a:r>
-            <a:endParaRPr lang="fr-FR" dirty="0"/>
           </a:p>
         </p:txBody>
       </p:sp>
@@ -5624,16 +6813,15 @@
           <a:lstStyle/>
           <a:p>
             <a:r>
-              <a:rPr lang="fr-FR" dirty="0" smtClean="0"/>
+              <a:rPr lang="fr-FR" dirty="0"/>
               <a:t>100% correspond un trait d’épaisseur 6pt =&gt; règle de trois pour déduire l’épaisseur de chaque trait.</a:t>
             </a:r>
           </a:p>
           <a:p>
             <a:r>
-              <a:rPr lang="fr-FR" dirty="0" smtClean="0"/>
+              <a:rPr lang="fr-FR" dirty="0"/>
               <a:t>  </a:t>
             </a:r>
-            <a:endParaRPr lang="fr-FR" dirty="0"/>
           </a:p>
         </p:txBody>
       </p:sp>
@@ -5662,9 +6850,27 @@
                 <a:tableStyleId>{5C22544A-7EE6-4342-B048-85BDC9FD1C3A}</a:tableStyleId>
               </a:tblPr>
               <a:tblGrid>
-                <a:gridCol w="1248139"/>
-                <a:gridCol w="984109"/>
-                <a:gridCol w="1512169"/>
+                <a:gridCol w="1248139">
+                  <a:extLst>
+                    <a:ext uri="{9D8B030D-6E8A-4147-A177-3AD203B41FA5}">
+                      <a16:colId xmlns:a16="http://schemas.microsoft.com/office/drawing/2014/main" xmlns="" val="20000"/>
+                    </a:ext>
+                  </a:extLst>
+                </a:gridCol>
+                <a:gridCol w="984109">
+                  <a:extLst>
+                    <a:ext uri="{9D8B030D-6E8A-4147-A177-3AD203B41FA5}">
+                      <a16:colId xmlns:a16="http://schemas.microsoft.com/office/drawing/2014/main" xmlns="" val="20001"/>
+                    </a:ext>
+                  </a:extLst>
+                </a:gridCol>
+                <a:gridCol w="1512169">
+                  <a:extLst>
+                    <a:ext uri="{9D8B030D-6E8A-4147-A177-3AD203B41FA5}">
+                      <a16:colId xmlns:a16="http://schemas.microsoft.com/office/drawing/2014/main" xmlns="" val="20002"/>
+                    </a:ext>
+                  </a:extLst>
+                </a:gridCol>
               </a:tblGrid>
               <a:tr h="437589">
                 <a:tc>
@@ -5736,6 +6942,11 @@
                   </a:txBody>
                   <a:tcPr marL="9525" marR="9525" marT="9525" marB="0" anchor="ctr"/>
                 </a:tc>
+                <a:extLst>
+                  <a:ext uri="{0D108BD9-81ED-4DB2-BD59-A6C34878D82A}">
+                    <a16:rowId xmlns:a16="http://schemas.microsoft.com/office/drawing/2014/main" xmlns="" val="10000"/>
+                  </a:ext>
+                </a:extLst>
               </a:tr>
               <a:tr h="305739">
                 <a:tc>
@@ -5828,6 +7039,11 @@
                     </a:solidFill>
                   </a:tcPr>
                 </a:tc>
+                <a:extLst>
+                  <a:ext uri="{0D108BD9-81ED-4DB2-BD59-A6C34878D82A}">
+                    <a16:rowId xmlns:a16="http://schemas.microsoft.com/office/drawing/2014/main" xmlns="" val="10001"/>
+                  </a:ext>
+                </a:extLst>
               </a:tr>
               <a:tr h="315294">
                 <a:tc>
@@ -5920,6 +7136,11 @@
                     </a:solidFill>
                   </a:tcPr>
                 </a:tc>
+                <a:extLst>
+                  <a:ext uri="{0D108BD9-81ED-4DB2-BD59-A6C34878D82A}">
+                    <a16:rowId xmlns:a16="http://schemas.microsoft.com/office/drawing/2014/main" xmlns="" val="10002"/>
+                  </a:ext>
+                </a:extLst>
               </a:tr>
               <a:tr h="305739">
                 <a:tc>
@@ -6012,6 +7233,11 @@
                     </a:solidFill>
                   </a:tcPr>
                 </a:tc>
+                <a:extLst>
+                  <a:ext uri="{0D108BD9-81ED-4DB2-BD59-A6C34878D82A}">
+                    <a16:rowId xmlns:a16="http://schemas.microsoft.com/office/drawing/2014/main" xmlns="" val="10003"/>
+                  </a:ext>
+                </a:extLst>
               </a:tr>
               <a:tr h="305739">
                 <a:tc>
@@ -6092,6 +7318,11 @@
                     </a:solidFill>
                   </a:tcPr>
                 </a:tc>
+                <a:extLst>
+                  <a:ext uri="{0D108BD9-81ED-4DB2-BD59-A6C34878D82A}">
+                    <a16:rowId xmlns:a16="http://schemas.microsoft.com/office/drawing/2014/main" xmlns="" val="10004"/>
+                  </a:ext>
+                </a:extLst>
               </a:tr>
               <a:tr h="305739">
                 <a:tc>
@@ -6184,6 +7415,11 @@
                     </a:solidFill>
                   </a:tcPr>
                 </a:tc>
+                <a:extLst>
+                  <a:ext uri="{0D108BD9-81ED-4DB2-BD59-A6C34878D82A}">
+                    <a16:rowId xmlns:a16="http://schemas.microsoft.com/office/drawing/2014/main" xmlns="" val="10005"/>
+                  </a:ext>
+                </a:extLst>
               </a:tr>
               <a:tr h="305739">
                 <a:tc>
@@ -6276,6 +7512,11 @@
                     </a:solidFill>
                   </a:tcPr>
                 </a:tc>
+                <a:extLst>
+                  <a:ext uri="{0D108BD9-81ED-4DB2-BD59-A6C34878D82A}">
+                    <a16:rowId xmlns:a16="http://schemas.microsoft.com/office/drawing/2014/main" xmlns="" val="10006"/>
+                  </a:ext>
+                </a:extLst>
               </a:tr>
               <a:tr h="305739">
                 <a:tc>
@@ -6368,6 +7609,11 @@
                     </a:solidFill>
                   </a:tcPr>
                 </a:tc>
+                <a:extLst>
+                  <a:ext uri="{0D108BD9-81ED-4DB2-BD59-A6C34878D82A}">
+                    <a16:rowId xmlns:a16="http://schemas.microsoft.com/office/drawing/2014/main" xmlns="" val="10007"/>
+                  </a:ext>
+                </a:extLst>
               </a:tr>
               <a:tr h="305739">
                 <a:tc>
@@ -6460,6 +7706,11 @@
                     </a:solidFill>
                   </a:tcPr>
                 </a:tc>
+                <a:extLst>
+                  <a:ext uri="{0D108BD9-81ED-4DB2-BD59-A6C34878D82A}">
+                    <a16:rowId xmlns:a16="http://schemas.microsoft.com/office/drawing/2014/main" xmlns="" val="10008"/>
+                  </a:ext>
+                </a:extLst>
               </a:tr>
               <a:tr h="305739">
                 <a:tc>
@@ -6540,6 +7791,11 @@
                     </a:solidFill>
                   </a:tcPr>
                 </a:tc>
+                <a:extLst>
+                  <a:ext uri="{0D108BD9-81ED-4DB2-BD59-A6C34878D82A}">
+                    <a16:rowId xmlns:a16="http://schemas.microsoft.com/office/drawing/2014/main" xmlns="" val="10009"/>
+                  </a:ext>
+                </a:extLst>
               </a:tr>
               <a:tr h="305739">
                 <a:tc>
@@ -6620,6 +7876,11 @@
                     </a:solidFill>
                   </a:tcPr>
                 </a:tc>
+                <a:extLst>
+                  <a:ext uri="{0D108BD9-81ED-4DB2-BD59-A6C34878D82A}">
+                    <a16:rowId xmlns:a16="http://schemas.microsoft.com/office/drawing/2014/main" xmlns="" val="10010"/>
+                  </a:ext>
+                </a:extLst>
               </a:tr>
               <a:tr h="305739">
                 <a:tc>
@@ -6712,6 +7973,11 @@
                     </a:solidFill>
                   </a:tcPr>
                 </a:tc>
+                <a:extLst>
+                  <a:ext uri="{0D108BD9-81ED-4DB2-BD59-A6C34878D82A}">
+                    <a16:rowId xmlns:a16="http://schemas.microsoft.com/office/drawing/2014/main" xmlns="" val="10011"/>
+                  </a:ext>
+                </a:extLst>
               </a:tr>
               <a:tr h="305739">
                 <a:tc>
@@ -6804,6 +8070,11 @@
                     </a:solidFill>
                   </a:tcPr>
                 </a:tc>
+                <a:extLst>
+                  <a:ext uri="{0D108BD9-81ED-4DB2-BD59-A6C34878D82A}">
+                    <a16:rowId xmlns:a16="http://schemas.microsoft.com/office/drawing/2014/main" xmlns="" val="10012"/>
+                  </a:ext>
+                </a:extLst>
               </a:tr>
             </a:tbl>
           </a:graphicData>
@@ -6819,13 +8090,6 @@
   <p:clrMapOvr>
     <a:masterClrMapping/>
   </p:clrMapOvr>
-  <p:timing>
-    <p:tnLst>
-      <p:par>
-        <p:cTn id="1" dur="indefinite" restart="never" nodeType="tmRoot"/>
-      </p:par>
-    </p:tnLst>
-  </p:timing>
 </p:sld>
 </file>
 
@@ -6883,10 +8147,9 @@
           <a:p>
             <a:pPr algn="ctr"/>
             <a:r>
-              <a:rPr lang="fr-FR" dirty="0" smtClean="0"/>
+              <a:rPr lang="fr-FR" dirty="0"/>
               <a:t>R1</a:t>
             </a:r>
-            <a:endParaRPr lang="fr-FR" dirty="0"/>
           </a:p>
         </p:txBody>
       </p:sp>
@@ -6927,10 +8190,9 @@
           <a:p>
             <a:pPr algn="ctr"/>
             <a:r>
-              <a:rPr lang="fr-FR" sz="1600" dirty="0" smtClean="0"/>
+              <a:rPr lang="fr-FR" sz="1600" dirty="0"/>
               <a:t>R2</a:t>
             </a:r>
-            <a:endParaRPr lang="fr-FR" sz="1600" dirty="0"/>
           </a:p>
         </p:txBody>
       </p:sp>
@@ -6971,10 +8233,9 @@
           <a:p>
             <a:pPr algn="ctr"/>
             <a:r>
-              <a:rPr lang="fr-FR" sz="1600" dirty="0" smtClean="0"/>
+              <a:rPr lang="fr-FR" sz="1600" dirty="0"/>
               <a:t>R4</a:t>
             </a:r>
-            <a:endParaRPr lang="fr-FR" sz="1600" dirty="0"/>
           </a:p>
         </p:txBody>
       </p:sp>
@@ -7015,10 +8276,9 @@
           <a:p>
             <a:pPr algn="ctr"/>
             <a:r>
-              <a:rPr lang="fr-FR" sz="1600" dirty="0" smtClean="0"/>
+              <a:rPr lang="fr-FR" sz="1600" dirty="0"/>
               <a:t>R10</a:t>
             </a:r>
-            <a:endParaRPr lang="fr-FR" sz="1600" dirty="0"/>
           </a:p>
         </p:txBody>
       </p:sp>
@@ -7059,10 +8319,9 @@
           <a:p>
             <a:pPr algn="ctr"/>
             <a:r>
-              <a:rPr lang="fr-FR" sz="1600" dirty="0" smtClean="0"/>
+              <a:rPr lang="fr-FR" sz="1600" dirty="0"/>
               <a:t>R5</a:t>
             </a:r>
-            <a:endParaRPr lang="fr-FR" sz="1600" dirty="0"/>
           </a:p>
         </p:txBody>
       </p:sp>
@@ -7103,10 +8362,9 @@
           <a:p>
             <a:pPr algn="ctr"/>
             <a:r>
-              <a:rPr lang="fr-FR" dirty="0" smtClean="0"/>
+              <a:rPr lang="fr-FR" dirty="0"/>
               <a:t>R4</a:t>
             </a:r>
-            <a:endParaRPr lang="fr-FR" dirty="0"/>
           </a:p>
         </p:txBody>
       </p:sp>
@@ -7147,10 +8405,9 @@
           <a:p>
             <a:pPr algn="ctr"/>
             <a:r>
-              <a:rPr lang="fr-FR" dirty="0" smtClean="0"/>
+              <a:rPr lang="fr-FR" dirty="0"/>
               <a:t>V2</a:t>
             </a:r>
-            <a:endParaRPr lang="fr-FR" dirty="0"/>
           </a:p>
         </p:txBody>
       </p:sp>
@@ -7191,10 +8448,9 @@
           <a:p>
             <a:pPr algn="ctr"/>
             <a:r>
-              <a:rPr lang="fr-FR" dirty="0" smtClean="0"/>
+              <a:rPr lang="fr-FR" dirty="0"/>
               <a:t>V1</a:t>
             </a:r>
-            <a:endParaRPr lang="fr-FR" dirty="0"/>
           </a:p>
         </p:txBody>
       </p:sp>
@@ -7235,10 +8491,9 @@
           <a:p>
             <a:pPr algn="ctr"/>
             <a:r>
-              <a:rPr lang="fr-FR" sz="1600" dirty="0" smtClean="0"/>
+              <a:rPr lang="fr-FR" sz="1600" dirty="0"/>
               <a:t>R3</a:t>
             </a:r>
-            <a:endParaRPr lang="fr-FR" sz="1600" dirty="0"/>
           </a:p>
         </p:txBody>
       </p:sp>
@@ -7491,10 +8746,9 @@
           <a:lstStyle/>
           <a:p>
             <a:r>
-              <a:rPr lang="fr-FR" dirty="0" smtClean="0"/>
+              <a:rPr lang="fr-FR" dirty="0"/>
               <a:t>V1</a:t>
             </a:r>
-            <a:endParaRPr lang="fr-FR" dirty="0"/>
           </a:p>
         </p:txBody>
       </p:sp>
@@ -7521,10 +8775,9 @@
           <a:lstStyle/>
           <a:p>
             <a:r>
-              <a:rPr lang="fr-FR" dirty="0" smtClean="0"/>
+              <a:rPr lang="fr-FR" dirty="0"/>
               <a:t>V2</a:t>
             </a:r>
-            <a:endParaRPr lang="fr-FR" dirty="0"/>
           </a:p>
         </p:txBody>
       </p:sp>
@@ -7551,10 +8804,9 @@
           <a:lstStyle/>
           <a:p>
             <a:r>
-              <a:rPr lang="fr-FR" sz="1400" dirty="0" smtClean="0"/>
+              <a:rPr lang="fr-FR" sz="1400" dirty="0"/>
               <a:t>Sélection de la rubrique  de solde</a:t>
             </a:r>
-            <a:endParaRPr lang="fr-FR" sz="1400" dirty="0"/>
           </a:p>
         </p:txBody>
       </p:sp>
@@ -7627,10 +8879,9 @@
           <a:lstStyle/>
           <a:p>
             <a:r>
-              <a:rPr lang="fr-FR" sz="1400" dirty="0" smtClean="0"/>
+              <a:rPr lang="fr-FR" sz="1400" dirty="0"/>
               <a:t>Sélection de la version de référence</a:t>
             </a:r>
-            <a:endParaRPr lang="fr-FR" sz="1400" dirty="0"/>
           </a:p>
         </p:txBody>
       </p:sp>
@@ -7657,10 +8908,9 @@
           <a:lstStyle/>
           <a:p>
             <a:r>
-              <a:rPr lang="fr-FR" sz="1400" dirty="0" smtClean="0"/>
+              <a:rPr lang="fr-FR" sz="1400" dirty="0"/>
               <a:t>Sélection de la version analysée</a:t>
             </a:r>
-            <a:endParaRPr lang="fr-FR" sz="1400" dirty="0"/>
           </a:p>
         </p:txBody>
       </p:sp>
@@ -7687,10 +8937,9 @@
           <a:lstStyle/>
           <a:p>
             <a:r>
-              <a:rPr lang="fr-FR" dirty="0" smtClean="0"/>
+              <a:rPr lang="fr-FR" dirty="0"/>
               <a:t>40%</a:t>
             </a:r>
-            <a:endParaRPr lang="fr-FR" dirty="0"/>
           </a:p>
         </p:txBody>
       </p:sp>
@@ -7717,10 +8966,9 @@
           <a:lstStyle/>
           <a:p>
             <a:r>
-              <a:rPr lang="fr-FR" dirty="0" smtClean="0"/>
+              <a:rPr lang="fr-FR" dirty="0"/>
               <a:t>100%</a:t>
             </a:r>
-            <a:endParaRPr lang="fr-FR" dirty="0"/>
           </a:p>
         </p:txBody>
       </p:sp>
@@ -7748,13 +8996,8 @@
           <a:p>
             <a:r>
               <a:rPr lang="fr-FR" dirty="0"/>
-              <a:t>2</a:t>
-            </a:r>
-            <a:r>
-              <a:rPr lang="fr-FR" dirty="0" smtClean="0"/>
-              <a:t>0%</a:t>
-            </a:r>
-            <a:endParaRPr lang="fr-FR" dirty="0"/>
+              <a:t>20%</a:t>
+            </a:r>
           </a:p>
         </p:txBody>
       </p:sp>
@@ -7782,13 +9025,8 @@
           <a:p>
             <a:r>
               <a:rPr lang="fr-FR" dirty="0"/>
-              <a:t>8</a:t>
-            </a:r>
-            <a:r>
-              <a:rPr lang="fr-FR" dirty="0" smtClean="0"/>
-              <a:t>%</a:t>
-            </a:r>
-            <a:endParaRPr lang="fr-FR" dirty="0"/>
+              <a:t>8%</a:t>
+            </a:r>
           </a:p>
         </p:txBody>
       </p:sp>
@@ -7815,10 +9053,9 @@
           <a:lstStyle/>
           <a:p>
             <a:r>
-              <a:rPr lang="fr-FR" dirty="0" smtClean="0"/>
+              <a:rPr lang="fr-FR" dirty="0"/>
               <a:t>32%</a:t>
             </a:r>
-            <a:endParaRPr lang="fr-FR" dirty="0"/>
           </a:p>
         </p:txBody>
       </p:sp>
@@ -7878,13 +9115,6 @@
   <p:clrMapOvr>
     <a:masterClrMapping/>
   </p:clrMapOvr>
-  <p:timing>
-    <p:tnLst>
-      <p:par>
-        <p:cTn id="1" dur="indefinite" restart="never" nodeType="tmRoot"/>
-      </p:par>
-    </p:tnLst>
-  </p:timing>
 </p:sld>
 </file>
 
@@ -7954,10 +9184,9 @@
           <a:p>
             <a:pPr algn="ctr"/>
             <a:r>
-              <a:rPr lang="fr-FR" dirty="0" smtClean="0"/>
+              <a:rPr lang="fr-FR" dirty="0"/>
               <a:t>R1</a:t>
             </a:r>
-            <a:endParaRPr lang="fr-FR" dirty="0"/>
           </a:p>
         </p:txBody>
       </p:sp>
@@ -7998,10 +9227,9 @@
           <a:p>
             <a:pPr algn="ctr"/>
             <a:r>
-              <a:rPr lang="fr-FR" sz="1600" dirty="0" smtClean="0"/>
+              <a:rPr lang="fr-FR" sz="1600" dirty="0"/>
               <a:t>R2</a:t>
             </a:r>
-            <a:endParaRPr lang="fr-FR" sz="1600" dirty="0"/>
           </a:p>
         </p:txBody>
       </p:sp>
@@ -8042,10 +9270,9 @@
           <a:p>
             <a:pPr algn="ctr"/>
             <a:r>
-              <a:rPr lang="fr-FR" sz="1600" dirty="0" smtClean="0"/>
+              <a:rPr lang="fr-FR" sz="1600" dirty="0"/>
               <a:t>R4</a:t>
             </a:r>
-            <a:endParaRPr lang="fr-FR" sz="1600" dirty="0"/>
           </a:p>
         </p:txBody>
       </p:sp>
@@ -8086,10 +9313,9 @@
           <a:p>
             <a:pPr algn="ctr"/>
             <a:r>
-              <a:rPr lang="fr-FR" sz="1600" dirty="0" smtClean="0"/>
+              <a:rPr lang="fr-FR" sz="1600" dirty="0"/>
               <a:t>R10</a:t>
             </a:r>
-            <a:endParaRPr lang="fr-FR" sz="1600" dirty="0"/>
           </a:p>
         </p:txBody>
       </p:sp>
@@ -8130,10 +9356,9 @@
           <a:p>
             <a:pPr algn="ctr"/>
             <a:r>
-              <a:rPr lang="fr-FR" dirty="0" smtClean="0"/>
+              <a:rPr lang="fr-FR" dirty="0"/>
               <a:t>R4</a:t>
             </a:r>
-            <a:endParaRPr lang="fr-FR" dirty="0"/>
           </a:p>
         </p:txBody>
       </p:sp>
@@ -8174,10 +9399,9 @@
           <a:p>
             <a:pPr algn="ctr"/>
             <a:r>
-              <a:rPr lang="fr-FR" dirty="0" smtClean="0"/>
+              <a:rPr lang="fr-FR" dirty="0"/>
               <a:t>V2</a:t>
             </a:r>
-            <a:endParaRPr lang="fr-FR" dirty="0"/>
           </a:p>
         </p:txBody>
       </p:sp>
@@ -8218,10 +9442,9 @@
           <a:p>
             <a:pPr algn="ctr"/>
             <a:r>
-              <a:rPr lang="fr-FR" dirty="0" smtClean="0"/>
+              <a:rPr lang="fr-FR" dirty="0"/>
               <a:t>V1</a:t>
             </a:r>
-            <a:endParaRPr lang="fr-FR" dirty="0"/>
           </a:p>
         </p:txBody>
       </p:sp>
@@ -8274,10 +9497,9 @@
           <a:p>
             <a:pPr algn="ctr"/>
             <a:r>
-              <a:rPr lang="fr-FR" sz="1600" dirty="0" smtClean="0"/>
+              <a:rPr lang="fr-FR" sz="1600" dirty="0"/>
               <a:t>R3</a:t>
             </a:r>
-            <a:endParaRPr lang="fr-FR" sz="1600" dirty="0"/>
           </a:p>
         </p:txBody>
       </p:sp>
@@ -8493,10 +9715,9 @@
           <a:lstStyle/>
           <a:p>
             <a:r>
-              <a:rPr lang="fr-FR" dirty="0" smtClean="0"/>
+              <a:rPr lang="fr-FR" dirty="0"/>
               <a:t>V1</a:t>
             </a:r>
-            <a:endParaRPr lang="fr-FR" dirty="0"/>
           </a:p>
         </p:txBody>
       </p:sp>
@@ -8523,10 +9744,9 @@
           <a:lstStyle/>
           <a:p>
             <a:r>
-              <a:rPr lang="fr-FR" dirty="0" smtClean="0"/>
+              <a:rPr lang="fr-FR" dirty="0"/>
               <a:t>V2</a:t>
             </a:r>
-            <a:endParaRPr lang="fr-FR" dirty="0"/>
           </a:p>
         </p:txBody>
       </p:sp>
@@ -8553,10 +9773,9 @@
           <a:lstStyle/>
           <a:p>
             <a:r>
-              <a:rPr lang="fr-FR" sz="1400" dirty="0" smtClean="0"/>
+              <a:rPr lang="fr-FR" sz="1400" dirty="0"/>
               <a:t>Sélection de la rubrique  de solde</a:t>
             </a:r>
-            <a:endParaRPr lang="fr-FR" sz="1400" dirty="0"/>
           </a:p>
         </p:txBody>
       </p:sp>
@@ -8629,10 +9848,9 @@
           <a:lstStyle/>
           <a:p>
             <a:r>
-              <a:rPr lang="fr-FR" sz="1400" dirty="0" smtClean="0"/>
+              <a:rPr lang="fr-FR" sz="1400" dirty="0"/>
               <a:t>Sélection de la version de référence</a:t>
             </a:r>
-            <a:endParaRPr lang="fr-FR" sz="1400" dirty="0"/>
           </a:p>
         </p:txBody>
       </p:sp>
@@ -8659,10 +9877,9 @@
           <a:lstStyle/>
           <a:p>
             <a:r>
-              <a:rPr lang="fr-FR" sz="1400" dirty="0" smtClean="0"/>
+              <a:rPr lang="fr-FR" sz="1400" dirty="0"/>
               <a:t>Sélection de la version analysée</a:t>
             </a:r>
-            <a:endParaRPr lang="fr-FR" sz="1400" dirty="0"/>
           </a:p>
         </p:txBody>
       </p:sp>
@@ -8689,10 +9906,9 @@
           <a:lstStyle/>
           <a:p>
             <a:r>
-              <a:rPr lang="fr-FR" dirty="0" smtClean="0"/>
+              <a:rPr lang="fr-FR" dirty="0"/>
               <a:t>65%</a:t>
             </a:r>
-            <a:endParaRPr lang="fr-FR" dirty="0"/>
           </a:p>
         </p:txBody>
       </p:sp>
@@ -8719,10 +9935,9 @@
           <a:lstStyle/>
           <a:p>
             <a:r>
-              <a:rPr lang="fr-FR" dirty="0" smtClean="0"/>
+              <a:rPr lang="fr-FR" dirty="0"/>
               <a:t>100%</a:t>
             </a:r>
-            <a:endParaRPr lang="fr-FR" dirty="0"/>
           </a:p>
         </p:txBody>
       </p:sp>
@@ -8749,10 +9964,9 @@
           <a:lstStyle/>
           <a:p>
             <a:r>
-              <a:rPr lang="fr-FR" dirty="0" smtClean="0"/>
+              <a:rPr lang="fr-FR" dirty="0"/>
               <a:t>25%</a:t>
             </a:r>
-            <a:endParaRPr lang="fr-FR" dirty="0"/>
           </a:p>
         </p:txBody>
       </p:sp>
@@ -8779,10 +9993,9 @@
           <a:lstStyle/>
           <a:p>
             <a:r>
-              <a:rPr lang="fr-FR" dirty="0" smtClean="0"/>
+              <a:rPr lang="fr-FR" dirty="0"/>
               <a:t>10%</a:t>
             </a:r>
-            <a:endParaRPr lang="fr-FR" dirty="0"/>
           </a:p>
         </p:txBody>
       </p:sp>
@@ -8937,10 +10150,9 @@
           <a:lstStyle/>
           <a:p>
             <a:r>
-              <a:rPr lang="fr-FR" dirty="0" smtClean="0"/>
+              <a:rPr lang="fr-FR" dirty="0"/>
               <a:t>C’est ce bouton switch qui permet de passer de la version REF à la version analysée</a:t>
             </a:r>
-            <a:endParaRPr lang="fr-FR" dirty="0"/>
           </a:p>
         </p:txBody>
       </p:sp>
@@ -9147,10 +10359,9 @@
           <a:lstStyle/>
           <a:p>
             <a:r>
-              <a:rPr lang="fr-FR" dirty="0" smtClean="0"/>
+              <a:rPr lang="fr-FR" dirty="0"/>
               <a:t>POPUP</a:t>
             </a:r>
-            <a:endParaRPr lang="fr-FR" dirty="0"/>
           </a:p>
         </p:txBody>
       </p:sp>
@@ -9177,31 +10388,30 @@
           <a:lstStyle/>
           <a:p>
             <a:r>
-              <a:rPr lang="fr-FR" sz="2400" dirty="0" smtClean="0"/>
+              <a:rPr lang="fr-FR" sz="2400" dirty="0"/>
               <a:t>Pouvoir en pointant une bulle obtenir les informations suivantes :</a:t>
             </a:r>
           </a:p>
           <a:p>
             <a:pPr lvl="1"/>
             <a:r>
-              <a:rPr lang="fr-FR" sz="2000" dirty="0" smtClean="0"/>
+              <a:rPr lang="fr-FR" sz="2000" dirty="0"/>
               <a:t>Nom du DSE</a:t>
             </a:r>
           </a:p>
           <a:p>
             <a:pPr lvl="1"/>
             <a:r>
-              <a:rPr lang="fr-FR" sz="2000" dirty="0" smtClean="0"/>
+              <a:rPr lang="fr-FR" sz="2000" dirty="0"/>
               <a:t>Nombre d’administré différents entre V1 et V2 ouvrant droit à la RS sur 2 ans + % par rapport à la population totale</a:t>
             </a:r>
           </a:p>
           <a:p>
             <a:pPr lvl="1"/>
             <a:r>
-              <a:rPr lang="fr-FR" sz="2000" dirty="0" smtClean="0"/>
+              <a:rPr lang="fr-FR" sz="2000" dirty="0"/>
               <a:t>Montant financier total sur les 2 ans</a:t>
             </a:r>
-            <a:endParaRPr lang="fr-FR" sz="2000" dirty="0"/>
           </a:p>
         </p:txBody>
       </p:sp>
@@ -9242,10 +10452,9 @@
           <a:p>
             <a:pPr algn="ctr"/>
             <a:r>
-              <a:rPr lang="fr-FR" sz="1600" dirty="0" smtClean="0"/>
+              <a:rPr lang="fr-FR" sz="1600" dirty="0"/>
               <a:t>R4</a:t>
             </a:r>
-            <a:endParaRPr lang="fr-FR" sz="1600" dirty="0"/>
           </a:p>
         </p:txBody>
       </p:sp>
@@ -9326,22 +10535,21 @@
           <a:lstStyle/>
           <a:p>
             <a:r>
-              <a:rPr lang="fr-FR" sz="1200" dirty="0" smtClean="0"/>
+              <a:rPr lang="fr-FR" sz="1200" dirty="0"/>
               <a:t>DSE M1</a:t>
             </a:r>
           </a:p>
           <a:p>
             <a:r>
-              <a:rPr lang="fr-FR" sz="1200" dirty="0" smtClean="0"/>
+              <a:rPr lang="fr-FR" sz="1200" dirty="0"/>
               <a:t>541 administrés différents ouvrent droit sur les 2 ans et représentent 25% de la population totale ouvrant droit</a:t>
             </a:r>
           </a:p>
           <a:p>
             <a:r>
-              <a:rPr lang="fr-FR" sz="1200" dirty="0" smtClean="0"/>
+              <a:rPr lang="fr-FR" sz="1200" dirty="0"/>
               <a:t>Montant totale : 8 millions d’€ </a:t>
             </a:r>
-            <a:endParaRPr lang="fr-FR" sz="1200" dirty="0"/>
           </a:p>
         </p:txBody>
       </p:sp>
@@ -9456,6 +10664,2548 @@
       <p:bldP spid="9" grpId="0" animBg="1"/>
     </p:bldLst>
   </p:timing>
+</p:sld>
+</file>
+
+<file path=ppt/slides/slide6.xml><?xml version="1.0" encoding="utf-8"?>
+<p:sld xmlns:a="http://schemas.openxmlformats.org/drawingml/2006/main" xmlns:r="http://schemas.openxmlformats.org/officeDocument/2006/relationships" xmlns:p="http://schemas.openxmlformats.org/presentationml/2006/main">
+  <p:cSld>
+    <p:spTree>
+      <p:nvGrpSpPr>
+        <p:cNvPr id="1" name=""/>
+        <p:cNvGrpSpPr/>
+        <p:nvPr/>
+      </p:nvGrpSpPr>
+      <p:grpSpPr>
+        <a:xfrm>
+          <a:off x="0" y="0"/>
+          <a:ext cx="0" cy="0"/>
+          <a:chOff x="0" y="0"/>
+          <a:chExt cx="0" cy="0"/>
+        </a:xfrm>
+      </p:grpSpPr>
+      <p:sp>
+        <p:nvSpPr>
+          <p:cNvPr id="4" name="Ellipse 3">
+            <a:extLst>
+              <a:ext uri="{FF2B5EF4-FFF2-40B4-BE49-F238E27FC236}">
+                <a16:creationId xmlns:a16="http://schemas.microsoft.com/office/drawing/2014/main" xmlns="" id="{6C6268A1-D50A-4D6C-B73F-1EAF90C0D190}"/>
+              </a:ext>
+            </a:extLst>
+          </p:cNvPr>
+          <p:cNvSpPr/>
+          <p:nvPr/>
+        </p:nvSpPr>
+        <p:spPr>
+          <a:xfrm>
+            <a:off x="1552074" y="2373229"/>
+            <a:ext cx="733926" cy="673769"/>
+          </a:xfrm>
+          <a:prstGeom prst="ellipse">
+            <a:avLst/>
+          </a:prstGeom>
+        </p:spPr>
+        <p:style>
+          <a:lnRef idx="2">
+            <a:schemeClr val="accent1">
+              <a:shade val="50000"/>
+            </a:schemeClr>
+          </a:lnRef>
+          <a:fillRef idx="1">
+            <a:schemeClr val="accent1"/>
+          </a:fillRef>
+          <a:effectRef idx="0">
+            <a:schemeClr val="accent1"/>
+          </a:effectRef>
+          <a:fontRef idx="minor">
+            <a:schemeClr val="lt1"/>
+          </a:fontRef>
+        </p:style>
+        <p:txBody>
+          <a:bodyPr rot="0" spcFirstLastPara="0" vertOverflow="overflow" horzOverflow="overflow" vert="horz" wrap="square" lIns="68580" tIns="34290" rIns="68580" bIns="34290" numCol="1" spcCol="0" rtlCol="0" fromWordArt="0" anchor="ctr" anchorCtr="0" forceAA="0" compatLnSpc="1">
+            <a:prstTxWarp prst="textNoShape">
+              <a:avLst/>
+            </a:prstTxWarp>
+            <a:noAutofit/>
+          </a:bodyPr>
+          <a:lstStyle/>
+          <a:p>
+            <a:pPr algn="ctr"/>
+            <a:r>
+              <a:rPr lang="fr-FR" sz="1350" dirty="0"/>
+              <a:t>COMICM</a:t>
+            </a:r>
+          </a:p>
+        </p:txBody>
+      </p:sp>
+      <p:sp>
+        <p:nvSpPr>
+          <p:cNvPr id="5" name="Ellipse 4">
+            <a:extLst>
+              <a:ext uri="{FF2B5EF4-FFF2-40B4-BE49-F238E27FC236}">
+                <a16:creationId xmlns:a16="http://schemas.microsoft.com/office/drawing/2014/main" xmlns="" id="{F429625E-8726-492D-80DC-BC304A7FF56A}"/>
+              </a:ext>
+            </a:extLst>
+          </p:cNvPr>
+          <p:cNvSpPr/>
+          <p:nvPr/>
+        </p:nvSpPr>
+        <p:spPr>
+          <a:xfrm>
+            <a:off x="3398921" y="1585160"/>
+            <a:ext cx="733926" cy="673769"/>
+          </a:xfrm>
+          <a:prstGeom prst="ellipse">
+            <a:avLst/>
+          </a:prstGeom>
+        </p:spPr>
+        <p:style>
+          <a:lnRef idx="2">
+            <a:schemeClr val="accent1">
+              <a:shade val="50000"/>
+            </a:schemeClr>
+          </a:lnRef>
+          <a:fillRef idx="1">
+            <a:schemeClr val="accent1"/>
+          </a:fillRef>
+          <a:effectRef idx="0">
+            <a:schemeClr val="accent1"/>
+          </a:effectRef>
+          <a:fontRef idx="minor">
+            <a:schemeClr val="lt1"/>
+          </a:fontRef>
+        </p:style>
+        <p:txBody>
+          <a:bodyPr rot="0" spcFirstLastPara="0" vertOverflow="overflow" horzOverflow="overflow" vert="horz" wrap="square" lIns="68580" tIns="34290" rIns="68580" bIns="34290" numCol="1" spcCol="0" rtlCol="0" fromWordArt="0" anchor="ctr" anchorCtr="0" forceAA="0" compatLnSpc="1">
+            <a:prstTxWarp prst="textNoShape">
+              <a:avLst/>
+            </a:prstTxWarp>
+            <a:noAutofit/>
+          </a:bodyPr>
+          <a:lstStyle/>
+          <a:p>
+            <a:pPr algn="ctr"/>
+            <a:r>
+              <a:rPr lang="fr-FR" sz="1350" dirty="0"/>
+              <a:t>COMIND</a:t>
+            </a:r>
+          </a:p>
+        </p:txBody>
+      </p:sp>
+      <p:sp>
+        <p:nvSpPr>
+          <p:cNvPr id="6" name="Ellipse 5">
+            <a:extLst>
+              <a:ext uri="{FF2B5EF4-FFF2-40B4-BE49-F238E27FC236}">
+                <a16:creationId xmlns:a16="http://schemas.microsoft.com/office/drawing/2014/main" xmlns="" id="{E7BD0681-8133-4B48-8460-7C9E365090AD}"/>
+              </a:ext>
+            </a:extLst>
+          </p:cNvPr>
+          <p:cNvSpPr/>
+          <p:nvPr/>
+        </p:nvSpPr>
+        <p:spPr>
+          <a:xfrm>
+            <a:off x="475247" y="1248276"/>
+            <a:ext cx="733926" cy="673769"/>
+          </a:xfrm>
+          <a:prstGeom prst="ellipse">
+            <a:avLst/>
+          </a:prstGeom>
+        </p:spPr>
+        <p:style>
+          <a:lnRef idx="2">
+            <a:schemeClr val="accent1">
+              <a:shade val="50000"/>
+            </a:schemeClr>
+          </a:lnRef>
+          <a:fillRef idx="1">
+            <a:schemeClr val="accent1"/>
+          </a:fillRef>
+          <a:effectRef idx="0">
+            <a:schemeClr val="accent1"/>
+          </a:effectRef>
+          <a:fontRef idx="minor">
+            <a:schemeClr val="lt1"/>
+          </a:fontRef>
+        </p:style>
+        <p:txBody>
+          <a:bodyPr rot="0" spcFirstLastPara="0" vertOverflow="overflow" horzOverflow="overflow" vert="horz" wrap="square" lIns="68580" tIns="34290" rIns="68580" bIns="34290" numCol="1" spcCol="0" rtlCol="0" fromWordArt="0" anchor="ctr" anchorCtr="0" forceAA="0" compatLnSpc="1">
+            <a:prstTxWarp prst="textNoShape">
+              <a:avLst/>
+            </a:prstTxWarp>
+            <a:noAutofit/>
+          </a:bodyPr>
+          <a:lstStyle/>
+          <a:p>
+            <a:pPr algn="ctr"/>
+            <a:r>
+              <a:rPr lang="fr-FR" sz="1350" dirty="0"/>
+              <a:t>RA_COM</a:t>
+            </a:r>
+          </a:p>
+        </p:txBody>
+      </p:sp>
+      <p:cxnSp>
+        <p:nvCxnSpPr>
+          <p:cNvPr id="8" name="Connecteur droit avec flèche 7">
+            <a:extLst>
+              <a:ext uri="{FF2B5EF4-FFF2-40B4-BE49-F238E27FC236}">
+                <a16:creationId xmlns:a16="http://schemas.microsoft.com/office/drawing/2014/main" xmlns="" id="{ED4DF51D-6DE2-474E-8FF3-DC96E92ADD31}"/>
+              </a:ext>
+            </a:extLst>
+          </p:cNvPr>
+          <p:cNvCxnSpPr>
+            <a:cxnSpLocks/>
+            <a:stCxn id="6" idx="5"/>
+            <a:endCxn id="4" idx="1"/>
+          </p:cNvCxnSpPr>
+          <p:nvPr/>
+        </p:nvCxnSpPr>
+        <p:spPr>
+          <a:xfrm>
+            <a:off x="1101693" y="1823374"/>
+            <a:ext cx="557863" cy="648526"/>
+          </a:xfrm>
+          <a:prstGeom prst="straightConnector1">
+            <a:avLst/>
+          </a:prstGeom>
+          <a:ln w="28575">
+            <a:headEnd type="triangle"/>
+            <a:tailEnd type="triangle"/>
+          </a:ln>
+        </p:spPr>
+        <p:style>
+          <a:lnRef idx="1">
+            <a:schemeClr val="accent6"/>
+          </a:lnRef>
+          <a:fillRef idx="0">
+            <a:schemeClr val="accent6"/>
+          </a:fillRef>
+          <a:effectRef idx="0">
+            <a:schemeClr val="accent6"/>
+          </a:effectRef>
+          <a:fontRef idx="minor">
+            <a:schemeClr val="tx1"/>
+          </a:fontRef>
+        </p:style>
+      </p:cxnSp>
+      <p:cxnSp>
+        <p:nvCxnSpPr>
+          <p:cNvPr id="12" name="Connecteur droit avec flèche 11">
+            <a:extLst>
+              <a:ext uri="{FF2B5EF4-FFF2-40B4-BE49-F238E27FC236}">
+                <a16:creationId xmlns:a16="http://schemas.microsoft.com/office/drawing/2014/main" xmlns="" id="{F3420863-E299-44F6-B145-DB3F1F84D240}"/>
+              </a:ext>
+            </a:extLst>
+          </p:cNvPr>
+          <p:cNvCxnSpPr>
+            <a:stCxn id="4" idx="7"/>
+            <a:endCxn id="5" idx="2"/>
+          </p:cNvCxnSpPr>
+          <p:nvPr/>
+        </p:nvCxnSpPr>
+        <p:spPr>
+          <a:xfrm flipV="1">
+            <a:off x="2178520" y="1922045"/>
+            <a:ext cx="1220402" cy="549855"/>
+          </a:xfrm>
+          <a:prstGeom prst="straightConnector1">
+            <a:avLst/>
+          </a:prstGeom>
+          <a:ln w="28575">
+            <a:headEnd type="triangle"/>
+            <a:tailEnd type="triangle"/>
+          </a:ln>
+        </p:spPr>
+        <p:style>
+          <a:lnRef idx="1">
+            <a:schemeClr val="accent6"/>
+          </a:lnRef>
+          <a:fillRef idx="0">
+            <a:schemeClr val="accent6"/>
+          </a:fillRef>
+          <a:effectRef idx="0">
+            <a:schemeClr val="accent6"/>
+          </a:effectRef>
+          <a:fontRef idx="minor">
+            <a:schemeClr val="tx1"/>
+          </a:fontRef>
+        </p:style>
+      </p:cxnSp>
+      <p:sp>
+        <p:nvSpPr>
+          <p:cNvPr id="13" name="Ellipse 12">
+            <a:extLst>
+              <a:ext uri="{FF2B5EF4-FFF2-40B4-BE49-F238E27FC236}">
+                <a16:creationId xmlns:a16="http://schemas.microsoft.com/office/drawing/2014/main" xmlns="" id="{1F87F78F-A2AC-43D7-9050-1BFCBC2B2B87}"/>
+              </a:ext>
+            </a:extLst>
+          </p:cNvPr>
+          <p:cNvSpPr/>
+          <p:nvPr/>
+        </p:nvSpPr>
+        <p:spPr>
+          <a:xfrm>
+            <a:off x="3615491" y="2755231"/>
+            <a:ext cx="733926" cy="673769"/>
+          </a:xfrm>
+          <a:prstGeom prst="ellipse">
+            <a:avLst/>
+          </a:prstGeom>
+        </p:spPr>
+        <p:style>
+          <a:lnRef idx="2">
+            <a:schemeClr val="accent1">
+              <a:shade val="50000"/>
+            </a:schemeClr>
+          </a:lnRef>
+          <a:fillRef idx="1">
+            <a:schemeClr val="accent1"/>
+          </a:fillRef>
+          <a:effectRef idx="0">
+            <a:schemeClr val="accent1"/>
+          </a:effectRef>
+          <a:fontRef idx="minor">
+            <a:schemeClr val="lt1"/>
+          </a:fontRef>
+        </p:style>
+        <p:txBody>
+          <a:bodyPr rot="0" spcFirstLastPara="0" vertOverflow="overflow" horzOverflow="overflow" vert="horz" wrap="square" lIns="68580" tIns="34290" rIns="68580" bIns="34290" numCol="1" spcCol="0" rtlCol="0" fromWordArt="0" anchor="ctr" anchorCtr="0" forceAA="0" compatLnSpc="1">
+            <a:prstTxWarp prst="textNoShape">
+              <a:avLst/>
+            </a:prstTxWarp>
+            <a:noAutofit/>
+          </a:bodyPr>
+          <a:lstStyle/>
+          <a:p>
+            <a:pPr algn="ctr"/>
+            <a:r>
+              <a:rPr lang="fr-FR" sz="1350" dirty="0"/>
+              <a:t>RESETR</a:t>
+            </a:r>
+          </a:p>
+        </p:txBody>
+      </p:sp>
+      <p:sp>
+        <p:nvSpPr>
+          <p:cNvPr id="15" name="Ellipse 14">
+            <a:extLst>
+              <a:ext uri="{FF2B5EF4-FFF2-40B4-BE49-F238E27FC236}">
+                <a16:creationId xmlns:a16="http://schemas.microsoft.com/office/drawing/2014/main" xmlns="" id="{7E1B251A-2668-4CCE-8942-AA8093F1B2D9}"/>
+              </a:ext>
+            </a:extLst>
+          </p:cNvPr>
+          <p:cNvSpPr/>
+          <p:nvPr/>
+        </p:nvSpPr>
+        <p:spPr>
+          <a:xfrm>
+            <a:off x="2043566" y="4000364"/>
+            <a:ext cx="733926" cy="673769"/>
+          </a:xfrm>
+          <a:prstGeom prst="ellipse">
+            <a:avLst/>
+          </a:prstGeom>
+        </p:spPr>
+        <p:style>
+          <a:lnRef idx="2">
+            <a:schemeClr val="accent1">
+              <a:shade val="50000"/>
+            </a:schemeClr>
+          </a:lnRef>
+          <a:fillRef idx="1">
+            <a:schemeClr val="accent1"/>
+          </a:fillRef>
+          <a:effectRef idx="0">
+            <a:schemeClr val="accent1"/>
+          </a:effectRef>
+          <a:fontRef idx="minor">
+            <a:schemeClr val="lt1"/>
+          </a:fontRef>
+        </p:style>
+        <p:txBody>
+          <a:bodyPr rot="0" spcFirstLastPara="0" vertOverflow="overflow" horzOverflow="overflow" vert="horz" wrap="square" lIns="68580" tIns="34290" rIns="68580" bIns="34290" numCol="1" spcCol="0" rtlCol="0" fromWordArt="0" anchor="ctr" anchorCtr="0" forceAA="0" compatLnSpc="1">
+            <a:prstTxWarp prst="textNoShape">
+              <a:avLst/>
+            </a:prstTxWarp>
+            <a:noAutofit/>
+          </a:bodyPr>
+          <a:lstStyle/>
+          <a:p>
+            <a:pPr algn="ctr"/>
+            <a:r>
+              <a:rPr lang="fr-FR" sz="1350" dirty="0"/>
+              <a:t>SUPICM</a:t>
+            </a:r>
+          </a:p>
+        </p:txBody>
+      </p:sp>
+      <p:sp>
+        <p:nvSpPr>
+          <p:cNvPr id="16" name="Ellipse 15">
+            <a:extLst>
+              <a:ext uri="{FF2B5EF4-FFF2-40B4-BE49-F238E27FC236}">
+                <a16:creationId xmlns:a16="http://schemas.microsoft.com/office/drawing/2014/main" xmlns="" id="{161B83FF-3982-47DA-A51F-A296F0F0FD89}"/>
+              </a:ext>
+            </a:extLst>
+          </p:cNvPr>
+          <p:cNvSpPr/>
+          <p:nvPr/>
+        </p:nvSpPr>
+        <p:spPr>
+          <a:xfrm>
+            <a:off x="6653465" y="4066675"/>
+            <a:ext cx="733926" cy="673769"/>
+          </a:xfrm>
+          <a:prstGeom prst="ellipse">
+            <a:avLst/>
+          </a:prstGeom>
+        </p:spPr>
+        <p:style>
+          <a:lnRef idx="2">
+            <a:schemeClr val="accent1">
+              <a:shade val="50000"/>
+            </a:schemeClr>
+          </a:lnRef>
+          <a:fillRef idx="1">
+            <a:schemeClr val="accent1"/>
+          </a:fillRef>
+          <a:effectRef idx="0">
+            <a:schemeClr val="accent1"/>
+          </a:effectRef>
+          <a:fontRef idx="minor">
+            <a:schemeClr val="lt1"/>
+          </a:fontRef>
+        </p:style>
+        <p:txBody>
+          <a:bodyPr rot="0" spcFirstLastPara="0" vertOverflow="overflow" horzOverflow="overflow" vert="horz" wrap="square" lIns="68580" tIns="34290" rIns="68580" bIns="34290" numCol="1" spcCol="0" rtlCol="0" fromWordArt="0" anchor="ctr" anchorCtr="0" forceAA="0" compatLnSpc="1">
+            <a:prstTxWarp prst="textNoShape">
+              <a:avLst/>
+            </a:prstTxWarp>
+            <a:noAutofit/>
+          </a:bodyPr>
+          <a:lstStyle/>
+          <a:p>
+            <a:pPr algn="ctr"/>
+            <a:r>
+              <a:rPr lang="fr-FR" sz="1350" dirty="0"/>
+              <a:t>RECRUT</a:t>
+            </a:r>
+          </a:p>
+        </p:txBody>
+      </p:sp>
+      <p:cxnSp>
+        <p:nvCxnSpPr>
+          <p:cNvPr id="18" name="Connecteur droit avec flèche 17">
+            <a:extLst>
+              <a:ext uri="{FF2B5EF4-FFF2-40B4-BE49-F238E27FC236}">
+                <a16:creationId xmlns:a16="http://schemas.microsoft.com/office/drawing/2014/main" xmlns="" id="{9D22BAF4-B9B7-4D09-8357-835352712CCF}"/>
+              </a:ext>
+            </a:extLst>
+          </p:cNvPr>
+          <p:cNvCxnSpPr>
+            <a:stCxn id="13" idx="2"/>
+            <a:endCxn id="4" idx="6"/>
+          </p:cNvCxnSpPr>
+          <p:nvPr/>
+        </p:nvCxnSpPr>
+        <p:spPr>
+          <a:xfrm flipH="1" flipV="1">
+            <a:off x="2286000" y="2710113"/>
+            <a:ext cx="1329491" cy="382003"/>
+          </a:xfrm>
+          <a:prstGeom prst="straightConnector1">
+            <a:avLst/>
+          </a:prstGeom>
+          <a:ln>
+            <a:tailEnd type="triangle"/>
+          </a:ln>
+        </p:spPr>
+        <p:style>
+          <a:lnRef idx="1">
+            <a:schemeClr val="accent1"/>
+          </a:lnRef>
+          <a:fillRef idx="0">
+            <a:schemeClr val="accent1"/>
+          </a:fillRef>
+          <a:effectRef idx="0">
+            <a:schemeClr val="accent1"/>
+          </a:effectRef>
+          <a:fontRef idx="minor">
+            <a:schemeClr val="tx1"/>
+          </a:fontRef>
+        </p:style>
+      </p:cxnSp>
+      <p:sp>
+        <p:nvSpPr>
+          <p:cNvPr id="20" name="Ellipse 19">
+            <a:extLst>
+              <a:ext uri="{FF2B5EF4-FFF2-40B4-BE49-F238E27FC236}">
+                <a16:creationId xmlns:a16="http://schemas.microsoft.com/office/drawing/2014/main" xmlns="" id="{77EBBE51-750A-40C5-BB29-5F13A7B25A57}"/>
+              </a:ext>
+            </a:extLst>
+          </p:cNvPr>
+          <p:cNvSpPr/>
+          <p:nvPr/>
+        </p:nvSpPr>
+        <p:spPr>
+          <a:xfrm>
+            <a:off x="5329991" y="3801979"/>
+            <a:ext cx="733926" cy="673769"/>
+          </a:xfrm>
+          <a:prstGeom prst="ellipse">
+            <a:avLst/>
+          </a:prstGeom>
+        </p:spPr>
+        <p:style>
+          <a:lnRef idx="2">
+            <a:schemeClr val="accent1">
+              <a:shade val="50000"/>
+            </a:schemeClr>
+          </a:lnRef>
+          <a:fillRef idx="1">
+            <a:schemeClr val="accent1"/>
+          </a:fillRef>
+          <a:effectRef idx="0">
+            <a:schemeClr val="accent1"/>
+          </a:effectRef>
+          <a:fontRef idx="minor">
+            <a:schemeClr val="lt1"/>
+          </a:fontRef>
+        </p:style>
+        <p:txBody>
+          <a:bodyPr rot="0" spcFirstLastPara="0" vertOverflow="overflow" horzOverflow="overflow" vert="horz" wrap="square" lIns="68580" tIns="34290" rIns="68580" bIns="34290" numCol="1" spcCol="0" rtlCol="0" fromWordArt="0" anchor="ctr" anchorCtr="0" forceAA="0" compatLnSpc="1">
+            <a:prstTxWarp prst="textNoShape">
+              <a:avLst/>
+            </a:prstTxWarp>
+            <a:noAutofit/>
+          </a:bodyPr>
+          <a:lstStyle/>
+          <a:p>
+            <a:pPr algn="ctr"/>
+            <a:r>
+              <a:rPr lang="fr-FR" sz="1350" dirty="0"/>
+              <a:t>FORMAT</a:t>
+            </a:r>
+          </a:p>
+        </p:txBody>
+      </p:sp>
+      <p:sp>
+        <p:nvSpPr>
+          <p:cNvPr id="21" name="Ellipse 20">
+            <a:extLst>
+              <a:ext uri="{FF2B5EF4-FFF2-40B4-BE49-F238E27FC236}">
+                <a16:creationId xmlns:a16="http://schemas.microsoft.com/office/drawing/2014/main" xmlns="" id="{61DB11B2-9387-4FAF-90A8-1D1174DE9CCE}"/>
+              </a:ext>
+            </a:extLst>
+          </p:cNvPr>
+          <p:cNvSpPr/>
+          <p:nvPr/>
+        </p:nvSpPr>
+        <p:spPr>
+          <a:xfrm>
+            <a:off x="5505251" y="2710113"/>
+            <a:ext cx="733926" cy="673769"/>
+          </a:xfrm>
+          <a:prstGeom prst="ellipse">
+            <a:avLst/>
+          </a:prstGeom>
+        </p:spPr>
+        <p:style>
+          <a:lnRef idx="2">
+            <a:schemeClr val="accent1">
+              <a:shade val="50000"/>
+            </a:schemeClr>
+          </a:lnRef>
+          <a:fillRef idx="1">
+            <a:schemeClr val="accent1"/>
+          </a:fillRef>
+          <a:effectRef idx="0">
+            <a:schemeClr val="accent1"/>
+          </a:effectRef>
+          <a:fontRef idx="minor">
+            <a:schemeClr val="lt1"/>
+          </a:fontRef>
+        </p:style>
+        <p:txBody>
+          <a:bodyPr rot="0" spcFirstLastPara="0" vertOverflow="overflow" horzOverflow="overflow" vert="horz" wrap="square" lIns="68580" tIns="34290" rIns="68580" bIns="34290" numCol="1" spcCol="0" rtlCol="0" fromWordArt="0" anchor="ctr" anchorCtr="0" forceAA="0" compatLnSpc="1">
+            <a:prstTxWarp prst="textNoShape">
+              <a:avLst/>
+            </a:prstTxWarp>
+            <a:noAutofit/>
+          </a:bodyPr>
+          <a:lstStyle/>
+          <a:p>
+            <a:pPr algn="ctr"/>
+            <a:r>
+              <a:rPr lang="fr-FR" sz="1350" dirty="0"/>
+              <a:t>RESFIC</a:t>
+            </a:r>
+          </a:p>
+        </p:txBody>
+      </p:sp>
+      <p:sp>
+        <p:nvSpPr>
+          <p:cNvPr id="22" name="Ellipse 21">
+            <a:extLst>
+              <a:ext uri="{FF2B5EF4-FFF2-40B4-BE49-F238E27FC236}">
+                <a16:creationId xmlns:a16="http://schemas.microsoft.com/office/drawing/2014/main" xmlns="" id="{1DE09A08-8515-4CB1-B2D8-4C627E0FE2C9}"/>
+              </a:ext>
+            </a:extLst>
+          </p:cNvPr>
+          <p:cNvSpPr/>
+          <p:nvPr/>
+        </p:nvSpPr>
+        <p:spPr>
+          <a:xfrm>
+            <a:off x="4771325" y="1708484"/>
+            <a:ext cx="733926" cy="673769"/>
+          </a:xfrm>
+          <a:prstGeom prst="ellipse">
+            <a:avLst/>
+          </a:prstGeom>
+        </p:spPr>
+        <p:style>
+          <a:lnRef idx="2">
+            <a:schemeClr val="accent1">
+              <a:shade val="50000"/>
+            </a:schemeClr>
+          </a:lnRef>
+          <a:fillRef idx="1">
+            <a:schemeClr val="accent1"/>
+          </a:fillRef>
+          <a:effectRef idx="0">
+            <a:schemeClr val="accent1"/>
+          </a:effectRef>
+          <a:fontRef idx="minor">
+            <a:schemeClr val="lt1"/>
+          </a:fontRef>
+        </p:style>
+        <p:txBody>
+          <a:bodyPr rot="0" spcFirstLastPara="0" vertOverflow="overflow" horzOverflow="overflow" vert="horz" wrap="square" lIns="68580" tIns="34290" rIns="68580" bIns="34290" numCol="1" spcCol="0" rtlCol="0" fromWordArt="0" anchor="ctr" anchorCtr="0" forceAA="0" compatLnSpc="1">
+            <a:prstTxWarp prst="textNoShape">
+              <a:avLst/>
+            </a:prstTxWarp>
+            <a:noAutofit/>
+          </a:bodyPr>
+          <a:lstStyle/>
+          <a:p>
+            <a:pPr algn="ctr"/>
+            <a:r>
+              <a:rPr lang="fr-FR" sz="1350" dirty="0"/>
+              <a:t>RESMET</a:t>
+            </a:r>
+          </a:p>
+        </p:txBody>
+      </p:sp>
+      <p:sp>
+        <p:nvSpPr>
+          <p:cNvPr id="23" name="Ellipse 22">
+            <a:extLst>
+              <a:ext uri="{FF2B5EF4-FFF2-40B4-BE49-F238E27FC236}">
+                <a16:creationId xmlns:a16="http://schemas.microsoft.com/office/drawing/2014/main" xmlns="" id="{55433619-2D16-4A99-A7BC-C956C93FD85B}"/>
+              </a:ext>
+            </a:extLst>
+          </p:cNvPr>
+          <p:cNvSpPr/>
+          <p:nvPr/>
+        </p:nvSpPr>
+        <p:spPr>
+          <a:xfrm>
+            <a:off x="5806442" y="1826707"/>
+            <a:ext cx="733926" cy="673769"/>
+          </a:xfrm>
+          <a:prstGeom prst="ellipse">
+            <a:avLst/>
+          </a:prstGeom>
+        </p:spPr>
+        <p:style>
+          <a:lnRef idx="2">
+            <a:schemeClr val="accent1">
+              <a:shade val="50000"/>
+            </a:schemeClr>
+          </a:lnRef>
+          <a:fillRef idx="1">
+            <a:schemeClr val="accent1"/>
+          </a:fillRef>
+          <a:effectRef idx="0">
+            <a:schemeClr val="accent1"/>
+          </a:effectRef>
+          <a:fontRef idx="minor">
+            <a:schemeClr val="lt1"/>
+          </a:fontRef>
+        </p:style>
+        <p:txBody>
+          <a:bodyPr rot="0" spcFirstLastPara="0" vertOverflow="overflow" horzOverflow="overflow" vert="horz" wrap="square" lIns="68580" tIns="34290" rIns="68580" bIns="34290" numCol="1" spcCol="0" rtlCol="0" fromWordArt="0" anchor="ctr" anchorCtr="0" forceAA="0" compatLnSpc="1">
+            <a:prstTxWarp prst="textNoShape">
+              <a:avLst/>
+            </a:prstTxWarp>
+            <a:noAutofit/>
+          </a:bodyPr>
+          <a:lstStyle/>
+          <a:p>
+            <a:pPr algn="ctr"/>
+            <a:r>
+              <a:rPr lang="fr-FR" sz="1350" dirty="0"/>
+              <a:t>REPRET</a:t>
+            </a:r>
+          </a:p>
+        </p:txBody>
+      </p:sp>
+      <p:cxnSp>
+        <p:nvCxnSpPr>
+          <p:cNvPr id="25" name="Connecteur droit avec flèche 24">
+            <a:extLst>
+              <a:ext uri="{FF2B5EF4-FFF2-40B4-BE49-F238E27FC236}">
+                <a16:creationId xmlns:a16="http://schemas.microsoft.com/office/drawing/2014/main" xmlns="" id="{48528031-BCA1-4514-A527-6924E680C38F}"/>
+              </a:ext>
+            </a:extLst>
+          </p:cNvPr>
+          <p:cNvCxnSpPr>
+            <a:stCxn id="22" idx="3"/>
+            <a:endCxn id="13" idx="7"/>
+          </p:cNvCxnSpPr>
+          <p:nvPr/>
+        </p:nvCxnSpPr>
+        <p:spPr>
+          <a:xfrm flipH="1">
+            <a:off x="4241936" y="2283583"/>
+            <a:ext cx="636870" cy="570320"/>
+          </a:xfrm>
+          <a:prstGeom prst="straightConnector1">
+            <a:avLst/>
+          </a:prstGeom>
+          <a:ln>
+            <a:tailEnd type="triangle"/>
+          </a:ln>
+        </p:spPr>
+        <p:style>
+          <a:lnRef idx="1">
+            <a:schemeClr val="accent1"/>
+          </a:lnRef>
+          <a:fillRef idx="0">
+            <a:schemeClr val="accent1"/>
+          </a:fillRef>
+          <a:effectRef idx="0">
+            <a:schemeClr val="accent1"/>
+          </a:effectRef>
+          <a:fontRef idx="minor">
+            <a:schemeClr val="tx1"/>
+          </a:fontRef>
+        </p:style>
+      </p:cxnSp>
+      <p:cxnSp>
+        <p:nvCxnSpPr>
+          <p:cNvPr id="27" name="Connecteur droit avec flèche 26">
+            <a:extLst>
+              <a:ext uri="{FF2B5EF4-FFF2-40B4-BE49-F238E27FC236}">
+                <a16:creationId xmlns:a16="http://schemas.microsoft.com/office/drawing/2014/main" xmlns="" id="{836DE2A2-6DA4-4EE6-B345-D4E0643CFDDB}"/>
+              </a:ext>
+            </a:extLst>
+          </p:cNvPr>
+          <p:cNvCxnSpPr>
+            <a:stCxn id="23" idx="3"/>
+            <a:endCxn id="13" idx="6"/>
+          </p:cNvCxnSpPr>
+          <p:nvPr/>
+        </p:nvCxnSpPr>
+        <p:spPr>
+          <a:xfrm flipH="1">
+            <a:off x="4349417" y="2401805"/>
+            <a:ext cx="1564507" cy="690311"/>
+          </a:xfrm>
+          <a:prstGeom prst="straightConnector1">
+            <a:avLst/>
+          </a:prstGeom>
+          <a:ln>
+            <a:tailEnd type="triangle"/>
+          </a:ln>
+        </p:spPr>
+        <p:style>
+          <a:lnRef idx="1">
+            <a:schemeClr val="accent1"/>
+          </a:lnRef>
+          <a:fillRef idx="0">
+            <a:schemeClr val="accent1"/>
+          </a:fillRef>
+          <a:effectRef idx="0">
+            <a:schemeClr val="accent1"/>
+          </a:effectRef>
+          <a:fontRef idx="minor">
+            <a:schemeClr val="tx1"/>
+          </a:fontRef>
+        </p:style>
+      </p:cxnSp>
+      <p:cxnSp>
+        <p:nvCxnSpPr>
+          <p:cNvPr id="29" name="Connecteur droit avec flèche 28">
+            <a:extLst>
+              <a:ext uri="{FF2B5EF4-FFF2-40B4-BE49-F238E27FC236}">
+                <a16:creationId xmlns:a16="http://schemas.microsoft.com/office/drawing/2014/main" xmlns="" id="{C2642A96-0D7A-4233-A5D7-5E95634E55A5}"/>
+              </a:ext>
+            </a:extLst>
+          </p:cNvPr>
+          <p:cNvCxnSpPr>
+            <a:stCxn id="21" idx="2"/>
+            <a:endCxn id="13" idx="5"/>
+          </p:cNvCxnSpPr>
+          <p:nvPr/>
+        </p:nvCxnSpPr>
+        <p:spPr>
+          <a:xfrm flipH="1">
+            <a:off x="4241936" y="3046997"/>
+            <a:ext cx="1263315" cy="283332"/>
+          </a:xfrm>
+          <a:prstGeom prst="straightConnector1">
+            <a:avLst/>
+          </a:prstGeom>
+          <a:ln>
+            <a:tailEnd type="triangle"/>
+          </a:ln>
+        </p:spPr>
+        <p:style>
+          <a:lnRef idx="1">
+            <a:schemeClr val="accent1"/>
+          </a:lnRef>
+          <a:fillRef idx="0">
+            <a:schemeClr val="accent1"/>
+          </a:fillRef>
+          <a:effectRef idx="0">
+            <a:schemeClr val="accent1"/>
+          </a:effectRef>
+          <a:fontRef idx="minor">
+            <a:schemeClr val="tx1"/>
+          </a:fontRef>
+        </p:style>
+      </p:cxnSp>
+      <p:cxnSp>
+        <p:nvCxnSpPr>
+          <p:cNvPr id="32" name="Connecteur droit avec flèche 31">
+            <a:extLst>
+              <a:ext uri="{FF2B5EF4-FFF2-40B4-BE49-F238E27FC236}">
+                <a16:creationId xmlns:a16="http://schemas.microsoft.com/office/drawing/2014/main" xmlns="" id="{D7F9DDD8-4EA5-410C-8506-67B0872CB006}"/>
+              </a:ext>
+            </a:extLst>
+          </p:cNvPr>
+          <p:cNvCxnSpPr>
+            <a:stCxn id="20" idx="2"/>
+          </p:cNvCxnSpPr>
+          <p:nvPr/>
+        </p:nvCxnSpPr>
+        <p:spPr>
+          <a:xfrm flipH="1" flipV="1">
+            <a:off x="4132848" y="3429000"/>
+            <a:ext cx="1197143" cy="709864"/>
+          </a:xfrm>
+          <a:prstGeom prst="straightConnector1">
+            <a:avLst/>
+          </a:prstGeom>
+          <a:ln>
+            <a:tailEnd type="triangle"/>
+          </a:ln>
+        </p:spPr>
+        <p:style>
+          <a:lnRef idx="1">
+            <a:schemeClr val="accent1"/>
+          </a:lnRef>
+          <a:fillRef idx="0">
+            <a:schemeClr val="accent1"/>
+          </a:fillRef>
+          <a:effectRef idx="0">
+            <a:schemeClr val="accent1"/>
+          </a:effectRef>
+          <a:fontRef idx="minor">
+            <a:schemeClr val="tx1"/>
+          </a:fontRef>
+        </p:style>
+      </p:cxnSp>
+      <p:cxnSp>
+        <p:nvCxnSpPr>
+          <p:cNvPr id="34" name="Connecteur droit avec flèche 33">
+            <a:extLst>
+              <a:ext uri="{FF2B5EF4-FFF2-40B4-BE49-F238E27FC236}">
+                <a16:creationId xmlns:a16="http://schemas.microsoft.com/office/drawing/2014/main" xmlns="" id="{C0E1DEA9-1230-4547-9F09-3C7E800EC279}"/>
+              </a:ext>
+            </a:extLst>
+          </p:cNvPr>
+          <p:cNvCxnSpPr>
+            <a:stCxn id="16" idx="2"/>
+            <a:endCxn id="20" idx="5"/>
+          </p:cNvCxnSpPr>
+          <p:nvPr/>
+        </p:nvCxnSpPr>
+        <p:spPr>
+          <a:xfrm flipH="1" flipV="1">
+            <a:off x="5956436" y="4377078"/>
+            <a:ext cx="697030" cy="26482"/>
+          </a:xfrm>
+          <a:prstGeom prst="straightConnector1">
+            <a:avLst/>
+          </a:prstGeom>
+          <a:ln>
+            <a:tailEnd type="triangle"/>
+          </a:ln>
+        </p:spPr>
+        <p:style>
+          <a:lnRef idx="1">
+            <a:schemeClr val="accent1"/>
+          </a:lnRef>
+          <a:fillRef idx="0">
+            <a:schemeClr val="accent1"/>
+          </a:fillRef>
+          <a:effectRef idx="0">
+            <a:schemeClr val="accent1"/>
+          </a:effectRef>
+          <a:fontRef idx="minor">
+            <a:schemeClr val="tx1"/>
+          </a:fontRef>
+        </p:style>
+      </p:cxnSp>
+      <p:sp>
+        <p:nvSpPr>
+          <p:cNvPr id="35" name="ZoneTexte 34">
+            <a:extLst>
+              <a:ext uri="{FF2B5EF4-FFF2-40B4-BE49-F238E27FC236}">
+                <a16:creationId xmlns:a16="http://schemas.microsoft.com/office/drawing/2014/main" xmlns="" id="{07D89975-A5C8-4099-98F5-7D67850A1BA1}"/>
+              </a:ext>
+            </a:extLst>
+          </p:cNvPr>
+          <p:cNvSpPr txBox="1"/>
+          <p:nvPr/>
+        </p:nvSpPr>
+        <p:spPr>
+          <a:xfrm>
+            <a:off x="6110196" y="4198749"/>
+            <a:ext cx="572593" cy="300082"/>
+          </a:xfrm>
+          <a:prstGeom prst="rect">
+            <a:avLst/>
+          </a:prstGeom>
+          <a:noFill/>
+        </p:spPr>
+        <p:txBody>
+          <a:bodyPr wrap="none" rtlCol="0">
+            <a:spAutoFit/>
+          </a:bodyPr>
+          <a:lstStyle/>
+          <a:p>
+            <a:r>
+              <a:rPr lang="fr-FR" sz="1350" dirty="0"/>
+              <a:t>100%</a:t>
+            </a:r>
+          </a:p>
+        </p:txBody>
+      </p:sp>
+      <p:sp>
+        <p:nvSpPr>
+          <p:cNvPr id="36" name="Rectangle 35">
+            <a:extLst>
+              <a:ext uri="{FF2B5EF4-FFF2-40B4-BE49-F238E27FC236}">
+                <a16:creationId xmlns:a16="http://schemas.microsoft.com/office/drawing/2014/main" xmlns="" id="{4F3E29B0-D659-4DAD-9C71-F1215B2A26C0}"/>
+              </a:ext>
+            </a:extLst>
+          </p:cNvPr>
+          <p:cNvSpPr/>
+          <p:nvPr/>
+        </p:nvSpPr>
+        <p:spPr>
+          <a:xfrm>
+            <a:off x="4611586" y="980868"/>
+            <a:ext cx="1780674" cy="415090"/>
+          </a:xfrm>
+          <a:prstGeom prst="rect">
+            <a:avLst/>
+          </a:prstGeom>
+        </p:spPr>
+        <p:style>
+          <a:lnRef idx="2">
+            <a:schemeClr val="accent1">
+              <a:shade val="50000"/>
+            </a:schemeClr>
+          </a:lnRef>
+          <a:fillRef idx="1">
+            <a:schemeClr val="accent1"/>
+          </a:fillRef>
+          <a:effectRef idx="0">
+            <a:schemeClr val="accent1"/>
+          </a:effectRef>
+          <a:fontRef idx="minor">
+            <a:schemeClr val="lt1"/>
+          </a:fontRef>
+        </p:style>
+        <p:txBody>
+          <a:bodyPr rot="0" spcFirstLastPara="0" vertOverflow="overflow" horzOverflow="overflow" vert="horz" wrap="square" lIns="68580" tIns="34290" rIns="68580" bIns="34290" numCol="1" spcCol="0" rtlCol="0" fromWordArt="0" anchor="ctr" anchorCtr="0" forceAA="0" compatLnSpc="1">
+            <a:prstTxWarp prst="textNoShape">
+              <a:avLst/>
+            </a:prstTxWarp>
+            <a:noAutofit/>
+          </a:bodyPr>
+          <a:lstStyle/>
+          <a:p>
+            <a:pPr algn="ctr"/>
+            <a:r>
+              <a:rPr lang="fr-FR" sz="1350" dirty="0"/>
+              <a:t>Manque donnée </a:t>
+            </a:r>
+            <a:r>
+              <a:rPr lang="fr-FR" sz="1350" dirty="0" err="1"/>
+              <a:t>medro</a:t>
+            </a:r>
+            <a:r>
+              <a:rPr lang="fr-FR" sz="1350" dirty="0"/>
+              <a:t> d’appartenance</a:t>
+            </a:r>
+          </a:p>
+        </p:txBody>
+      </p:sp>
+      <p:cxnSp>
+        <p:nvCxnSpPr>
+          <p:cNvPr id="38" name="Connecteur droit 37">
+            <a:extLst>
+              <a:ext uri="{FF2B5EF4-FFF2-40B4-BE49-F238E27FC236}">
+                <a16:creationId xmlns:a16="http://schemas.microsoft.com/office/drawing/2014/main" xmlns="" id="{F02A70D7-4103-489C-9CE8-DA523DB57AA1}"/>
+              </a:ext>
+            </a:extLst>
+          </p:cNvPr>
+          <p:cNvCxnSpPr>
+            <a:stCxn id="36" idx="2"/>
+            <a:endCxn id="22" idx="7"/>
+          </p:cNvCxnSpPr>
+          <p:nvPr/>
+        </p:nvCxnSpPr>
+        <p:spPr>
+          <a:xfrm flipH="1">
+            <a:off x="5397770" y="1395958"/>
+            <a:ext cx="104153" cy="411197"/>
+          </a:xfrm>
+          <a:prstGeom prst="line">
+            <a:avLst/>
+          </a:prstGeom>
+        </p:spPr>
+        <p:style>
+          <a:lnRef idx="1">
+            <a:schemeClr val="accent1"/>
+          </a:lnRef>
+          <a:fillRef idx="0">
+            <a:schemeClr val="accent1"/>
+          </a:fillRef>
+          <a:effectRef idx="0">
+            <a:schemeClr val="accent1"/>
+          </a:effectRef>
+          <a:fontRef idx="minor">
+            <a:schemeClr val="tx1"/>
+          </a:fontRef>
+        </p:style>
+      </p:cxnSp>
+      <p:sp>
+        <p:nvSpPr>
+          <p:cNvPr id="39" name="Rectangle 38">
+            <a:extLst>
+              <a:ext uri="{FF2B5EF4-FFF2-40B4-BE49-F238E27FC236}">
+                <a16:creationId xmlns:a16="http://schemas.microsoft.com/office/drawing/2014/main" xmlns="" id="{D0090F76-82FA-4843-8743-3415664CD507}"/>
+              </a:ext>
+            </a:extLst>
+          </p:cNvPr>
+          <p:cNvSpPr/>
+          <p:nvPr/>
+        </p:nvSpPr>
+        <p:spPr>
+          <a:xfrm>
+            <a:off x="6552802" y="1500939"/>
+            <a:ext cx="1780674" cy="415090"/>
+          </a:xfrm>
+          <a:prstGeom prst="rect">
+            <a:avLst/>
+          </a:prstGeom>
+        </p:spPr>
+        <p:style>
+          <a:lnRef idx="2">
+            <a:schemeClr val="accent1">
+              <a:shade val="50000"/>
+            </a:schemeClr>
+          </a:lnRef>
+          <a:fillRef idx="1">
+            <a:schemeClr val="accent1"/>
+          </a:fillRef>
+          <a:effectRef idx="0">
+            <a:schemeClr val="accent1"/>
+          </a:effectRef>
+          <a:fontRef idx="minor">
+            <a:schemeClr val="lt1"/>
+          </a:fontRef>
+        </p:style>
+        <p:txBody>
+          <a:bodyPr rot="0" spcFirstLastPara="0" vertOverflow="overflow" horzOverflow="overflow" vert="horz" wrap="square" lIns="68580" tIns="34290" rIns="68580" bIns="34290" numCol="1" spcCol="0" rtlCol="0" fromWordArt="0" anchor="ctr" anchorCtr="0" forceAA="0" compatLnSpc="1">
+            <a:prstTxWarp prst="textNoShape">
+              <a:avLst/>
+            </a:prstTxWarp>
+            <a:noAutofit/>
+          </a:bodyPr>
+          <a:lstStyle/>
+          <a:p>
+            <a:pPr algn="ctr"/>
+            <a:r>
+              <a:rPr lang="fr-FR" sz="1350" dirty="0"/>
+              <a:t>Manque donnée </a:t>
+            </a:r>
+            <a:r>
+              <a:rPr lang="fr-FR" sz="1350" dirty="0" err="1"/>
+              <a:t>medro</a:t>
+            </a:r>
+            <a:r>
+              <a:rPr lang="fr-FR" sz="1350" dirty="0"/>
+              <a:t> d’appartenance</a:t>
+            </a:r>
+          </a:p>
+        </p:txBody>
+      </p:sp>
+      <p:sp>
+        <p:nvSpPr>
+          <p:cNvPr id="40" name="Rectangle 39">
+            <a:extLst>
+              <a:ext uri="{FF2B5EF4-FFF2-40B4-BE49-F238E27FC236}">
+                <a16:creationId xmlns:a16="http://schemas.microsoft.com/office/drawing/2014/main" xmlns="" id="{703A83A3-21EA-47DC-8E24-DA54749EC625}"/>
+              </a:ext>
+            </a:extLst>
+          </p:cNvPr>
+          <p:cNvSpPr/>
+          <p:nvPr/>
+        </p:nvSpPr>
+        <p:spPr>
+          <a:xfrm>
+            <a:off x="6701589" y="2631908"/>
+            <a:ext cx="1780674" cy="415090"/>
+          </a:xfrm>
+          <a:prstGeom prst="rect">
+            <a:avLst/>
+          </a:prstGeom>
+        </p:spPr>
+        <p:style>
+          <a:lnRef idx="2">
+            <a:schemeClr val="accent1">
+              <a:shade val="50000"/>
+            </a:schemeClr>
+          </a:lnRef>
+          <a:fillRef idx="1">
+            <a:schemeClr val="accent1"/>
+          </a:fillRef>
+          <a:effectRef idx="0">
+            <a:schemeClr val="accent1"/>
+          </a:effectRef>
+          <a:fontRef idx="minor">
+            <a:schemeClr val="lt1"/>
+          </a:fontRef>
+        </p:style>
+        <p:txBody>
+          <a:bodyPr rot="0" spcFirstLastPara="0" vertOverflow="overflow" horzOverflow="overflow" vert="horz" wrap="square" lIns="68580" tIns="34290" rIns="68580" bIns="34290" numCol="1" spcCol="0" rtlCol="0" fromWordArt="0" anchor="ctr" anchorCtr="0" forceAA="0" compatLnSpc="1">
+            <a:prstTxWarp prst="textNoShape">
+              <a:avLst/>
+            </a:prstTxWarp>
+            <a:noAutofit/>
+          </a:bodyPr>
+          <a:lstStyle/>
+          <a:p>
+            <a:pPr algn="ctr"/>
+            <a:r>
+              <a:rPr lang="fr-FR" sz="1350" dirty="0"/>
+              <a:t>Manque donnée </a:t>
+            </a:r>
+            <a:r>
+              <a:rPr lang="fr-FR" sz="1350" dirty="0" err="1"/>
+              <a:t>medro</a:t>
+            </a:r>
+            <a:r>
+              <a:rPr lang="fr-FR" sz="1350" dirty="0"/>
+              <a:t> d’appartenance</a:t>
+            </a:r>
+          </a:p>
+        </p:txBody>
+      </p:sp>
+      <p:cxnSp>
+        <p:nvCxnSpPr>
+          <p:cNvPr id="42" name="Connecteur droit 41">
+            <a:extLst>
+              <a:ext uri="{FF2B5EF4-FFF2-40B4-BE49-F238E27FC236}">
+                <a16:creationId xmlns:a16="http://schemas.microsoft.com/office/drawing/2014/main" xmlns="" id="{C99FBD2F-A2F4-402D-99B1-AFA570FBBBBF}"/>
+              </a:ext>
+            </a:extLst>
+          </p:cNvPr>
+          <p:cNvCxnSpPr>
+            <a:stCxn id="40" idx="1"/>
+            <a:endCxn id="21" idx="6"/>
+          </p:cNvCxnSpPr>
+          <p:nvPr/>
+        </p:nvCxnSpPr>
+        <p:spPr>
+          <a:xfrm flipH="1">
+            <a:off x="6239176" y="2839453"/>
+            <a:ext cx="462413" cy="207545"/>
+          </a:xfrm>
+          <a:prstGeom prst="line">
+            <a:avLst/>
+          </a:prstGeom>
+        </p:spPr>
+        <p:style>
+          <a:lnRef idx="1">
+            <a:schemeClr val="accent1"/>
+          </a:lnRef>
+          <a:fillRef idx="0">
+            <a:schemeClr val="accent1"/>
+          </a:fillRef>
+          <a:effectRef idx="0">
+            <a:schemeClr val="accent1"/>
+          </a:effectRef>
+          <a:fontRef idx="minor">
+            <a:schemeClr val="tx1"/>
+          </a:fontRef>
+        </p:style>
+      </p:cxnSp>
+      <p:cxnSp>
+        <p:nvCxnSpPr>
+          <p:cNvPr id="44" name="Connecteur droit 43">
+            <a:extLst>
+              <a:ext uri="{FF2B5EF4-FFF2-40B4-BE49-F238E27FC236}">
+                <a16:creationId xmlns:a16="http://schemas.microsoft.com/office/drawing/2014/main" xmlns="" id="{86DE0989-A06B-474B-89EA-6994BB29E5DA}"/>
+              </a:ext>
+            </a:extLst>
+          </p:cNvPr>
+          <p:cNvCxnSpPr>
+            <a:stCxn id="39" idx="1"/>
+          </p:cNvCxnSpPr>
+          <p:nvPr/>
+        </p:nvCxnSpPr>
+        <p:spPr>
+          <a:xfrm flipH="1">
+            <a:off x="6373007" y="1708484"/>
+            <a:ext cx="179795" cy="272214"/>
+          </a:xfrm>
+          <a:prstGeom prst="line">
+            <a:avLst/>
+          </a:prstGeom>
+        </p:spPr>
+        <p:style>
+          <a:lnRef idx="1">
+            <a:schemeClr val="accent1"/>
+          </a:lnRef>
+          <a:fillRef idx="0">
+            <a:schemeClr val="accent1"/>
+          </a:fillRef>
+          <a:effectRef idx="0">
+            <a:schemeClr val="accent1"/>
+          </a:effectRef>
+          <a:fontRef idx="minor">
+            <a:schemeClr val="tx1"/>
+          </a:fontRef>
+        </p:style>
+      </p:cxnSp>
+      <p:cxnSp>
+        <p:nvCxnSpPr>
+          <p:cNvPr id="46" name="Connecteur droit avec flèche 45">
+            <a:extLst>
+              <a:ext uri="{FF2B5EF4-FFF2-40B4-BE49-F238E27FC236}">
+                <a16:creationId xmlns:a16="http://schemas.microsoft.com/office/drawing/2014/main" xmlns="" id="{9C68E24C-8EE6-4532-8FAE-428E618FFBB7}"/>
+              </a:ext>
+            </a:extLst>
+          </p:cNvPr>
+          <p:cNvCxnSpPr>
+            <a:endCxn id="4" idx="5"/>
+          </p:cNvCxnSpPr>
+          <p:nvPr/>
+        </p:nvCxnSpPr>
+        <p:spPr>
+          <a:xfrm flipH="1" flipV="1">
+            <a:off x="2178519" y="2948327"/>
+            <a:ext cx="125530" cy="1118348"/>
+          </a:xfrm>
+          <a:prstGeom prst="straightConnector1">
+            <a:avLst/>
+          </a:prstGeom>
+          <a:ln>
+            <a:tailEnd type="triangle"/>
+          </a:ln>
+        </p:spPr>
+        <p:style>
+          <a:lnRef idx="1">
+            <a:schemeClr val="accent1"/>
+          </a:lnRef>
+          <a:fillRef idx="0">
+            <a:schemeClr val="accent1"/>
+          </a:fillRef>
+          <a:effectRef idx="0">
+            <a:schemeClr val="accent1"/>
+          </a:effectRef>
+          <a:fontRef idx="minor">
+            <a:schemeClr val="tx1"/>
+          </a:fontRef>
+        </p:style>
+      </p:cxnSp>
+      <p:sp>
+        <p:nvSpPr>
+          <p:cNvPr id="47" name="Ellipse 46">
+            <a:extLst>
+              <a:ext uri="{FF2B5EF4-FFF2-40B4-BE49-F238E27FC236}">
+                <a16:creationId xmlns:a16="http://schemas.microsoft.com/office/drawing/2014/main" xmlns="" id="{46001EAA-7D7B-4C71-BDBD-01EAFF4BB1B9}"/>
+              </a:ext>
+            </a:extLst>
+          </p:cNvPr>
+          <p:cNvSpPr/>
+          <p:nvPr/>
+        </p:nvSpPr>
+        <p:spPr>
+          <a:xfrm>
+            <a:off x="2043566" y="5290615"/>
+            <a:ext cx="733926" cy="673769"/>
+          </a:xfrm>
+          <a:prstGeom prst="ellipse">
+            <a:avLst/>
+          </a:prstGeom>
+        </p:spPr>
+        <p:style>
+          <a:lnRef idx="2">
+            <a:schemeClr val="accent1">
+              <a:shade val="50000"/>
+            </a:schemeClr>
+          </a:lnRef>
+          <a:fillRef idx="1">
+            <a:schemeClr val="accent1"/>
+          </a:fillRef>
+          <a:effectRef idx="0">
+            <a:schemeClr val="accent1"/>
+          </a:effectRef>
+          <a:fontRef idx="minor">
+            <a:schemeClr val="lt1"/>
+          </a:fontRef>
+        </p:style>
+        <p:txBody>
+          <a:bodyPr rot="0" spcFirstLastPara="0" vertOverflow="overflow" horzOverflow="overflow" vert="horz" wrap="square" lIns="68580" tIns="34290" rIns="68580" bIns="34290" numCol="1" spcCol="0" rtlCol="0" fromWordArt="0" anchor="ctr" anchorCtr="0" forceAA="0" compatLnSpc="1">
+            <a:prstTxWarp prst="textNoShape">
+              <a:avLst/>
+            </a:prstTxWarp>
+            <a:noAutofit/>
+          </a:bodyPr>
+          <a:lstStyle/>
+          <a:p>
+            <a:pPr algn="ctr"/>
+            <a:r>
+              <a:rPr lang="fr-FR" sz="1350" dirty="0"/>
+              <a:t>SUPIND</a:t>
+            </a:r>
+          </a:p>
+        </p:txBody>
+      </p:sp>
+      <p:sp>
+        <p:nvSpPr>
+          <p:cNvPr id="48" name="Ellipse 47">
+            <a:extLst>
+              <a:ext uri="{FF2B5EF4-FFF2-40B4-BE49-F238E27FC236}">
+                <a16:creationId xmlns:a16="http://schemas.microsoft.com/office/drawing/2014/main" xmlns="" id="{DDB5D199-B3E6-423E-B1A0-AF5DC99CAB5D}"/>
+              </a:ext>
+            </a:extLst>
+          </p:cNvPr>
+          <p:cNvSpPr/>
+          <p:nvPr/>
+        </p:nvSpPr>
+        <p:spPr>
+          <a:xfrm>
+            <a:off x="3355410" y="5050255"/>
+            <a:ext cx="733926" cy="673769"/>
+          </a:xfrm>
+          <a:prstGeom prst="ellipse">
+            <a:avLst/>
+          </a:prstGeom>
+        </p:spPr>
+        <p:style>
+          <a:lnRef idx="2">
+            <a:schemeClr val="accent1">
+              <a:shade val="50000"/>
+            </a:schemeClr>
+          </a:lnRef>
+          <a:fillRef idx="1">
+            <a:schemeClr val="accent1"/>
+          </a:fillRef>
+          <a:effectRef idx="0">
+            <a:schemeClr val="accent1"/>
+          </a:effectRef>
+          <a:fontRef idx="minor">
+            <a:schemeClr val="lt1"/>
+          </a:fontRef>
+        </p:style>
+        <p:txBody>
+          <a:bodyPr rot="0" spcFirstLastPara="0" vertOverflow="overflow" horzOverflow="overflow" vert="horz" wrap="square" lIns="68580" tIns="34290" rIns="68580" bIns="34290" numCol="1" spcCol="0" rtlCol="0" fromWordArt="0" anchor="ctr" anchorCtr="0" forceAA="0" compatLnSpc="1">
+            <a:prstTxWarp prst="textNoShape">
+              <a:avLst/>
+            </a:prstTxWarp>
+            <a:noAutofit/>
+          </a:bodyPr>
+          <a:lstStyle/>
+          <a:p>
+            <a:pPr algn="ctr"/>
+            <a:r>
+              <a:rPr lang="fr-FR" sz="1350" dirty="0"/>
+              <a:t>RA_SUP</a:t>
+            </a:r>
+          </a:p>
+        </p:txBody>
+      </p:sp>
+      <p:sp>
+        <p:nvSpPr>
+          <p:cNvPr id="49" name="Ellipse 48">
+            <a:extLst>
+              <a:ext uri="{FF2B5EF4-FFF2-40B4-BE49-F238E27FC236}">
+                <a16:creationId xmlns:a16="http://schemas.microsoft.com/office/drawing/2014/main" xmlns="" id="{9DDB7D48-F4C1-4903-A594-675E207B5879}"/>
+              </a:ext>
+            </a:extLst>
+          </p:cNvPr>
+          <p:cNvSpPr/>
+          <p:nvPr/>
+        </p:nvSpPr>
+        <p:spPr>
+          <a:xfrm>
+            <a:off x="3838074" y="4038099"/>
+            <a:ext cx="733926" cy="709864"/>
+          </a:xfrm>
+          <a:prstGeom prst="ellipse">
+            <a:avLst/>
+          </a:prstGeom>
+        </p:spPr>
+        <p:style>
+          <a:lnRef idx="2">
+            <a:schemeClr val="accent1">
+              <a:shade val="50000"/>
+            </a:schemeClr>
+          </a:lnRef>
+          <a:fillRef idx="1">
+            <a:schemeClr val="accent1"/>
+          </a:fillRef>
+          <a:effectRef idx="0">
+            <a:schemeClr val="accent1"/>
+          </a:effectRef>
+          <a:fontRef idx="minor">
+            <a:schemeClr val="lt1"/>
+          </a:fontRef>
+        </p:style>
+        <p:txBody>
+          <a:bodyPr rot="0" spcFirstLastPara="0" vertOverflow="overflow" horzOverflow="overflow" vert="horz" wrap="square" lIns="68580" tIns="34290" rIns="68580" bIns="34290" numCol="1" spcCol="0" rtlCol="0" fromWordArt="0" anchor="ctr" anchorCtr="0" forceAA="0" compatLnSpc="1">
+            <a:prstTxWarp prst="textNoShape">
+              <a:avLst/>
+            </a:prstTxWarp>
+            <a:noAutofit/>
+          </a:bodyPr>
+          <a:lstStyle/>
+          <a:p>
+            <a:pPr algn="ctr"/>
+            <a:r>
+              <a:rPr lang="fr-FR" sz="1350" dirty="0"/>
+              <a:t>COMPTE</a:t>
+            </a:r>
+          </a:p>
+        </p:txBody>
+      </p:sp>
+      <p:cxnSp>
+        <p:nvCxnSpPr>
+          <p:cNvPr id="54" name="Connecteur droit avec flèche 53">
+            <a:extLst>
+              <a:ext uri="{FF2B5EF4-FFF2-40B4-BE49-F238E27FC236}">
+                <a16:creationId xmlns:a16="http://schemas.microsoft.com/office/drawing/2014/main" xmlns="" id="{C50F87C0-30CE-4793-8CC2-366D5C7AAED4}"/>
+              </a:ext>
+            </a:extLst>
+          </p:cNvPr>
+          <p:cNvCxnSpPr>
+            <a:stCxn id="48" idx="1"/>
+            <a:endCxn id="15" idx="5"/>
+          </p:cNvCxnSpPr>
+          <p:nvPr/>
+        </p:nvCxnSpPr>
+        <p:spPr>
+          <a:xfrm flipH="1" flipV="1">
+            <a:off x="2670010" y="4575463"/>
+            <a:ext cx="792881" cy="573464"/>
+          </a:xfrm>
+          <a:prstGeom prst="straightConnector1">
+            <a:avLst/>
+          </a:prstGeom>
+          <a:ln w="28575">
+            <a:headEnd type="triangle"/>
+            <a:tailEnd type="triangle"/>
+          </a:ln>
+        </p:spPr>
+        <p:style>
+          <a:lnRef idx="1">
+            <a:schemeClr val="accent6"/>
+          </a:lnRef>
+          <a:fillRef idx="0">
+            <a:schemeClr val="accent6"/>
+          </a:fillRef>
+          <a:effectRef idx="0">
+            <a:schemeClr val="accent6"/>
+          </a:effectRef>
+          <a:fontRef idx="minor">
+            <a:schemeClr val="tx1"/>
+          </a:fontRef>
+        </p:style>
+      </p:cxnSp>
+      <p:cxnSp>
+        <p:nvCxnSpPr>
+          <p:cNvPr id="56" name="Connecteur droit avec flèche 55">
+            <a:extLst>
+              <a:ext uri="{FF2B5EF4-FFF2-40B4-BE49-F238E27FC236}">
+                <a16:creationId xmlns:a16="http://schemas.microsoft.com/office/drawing/2014/main" xmlns="" id="{8DD98B65-BD0D-4184-AED0-FD2BF335041D}"/>
+              </a:ext>
+            </a:extLst>
+          </p:cNvPr>
+          <p:cNvCxnSpPr>
+            <a:stCxn id="15" idx="4"/>
+            <a:endCxn id="47" idx="0"/>
+          </p:cNvCxnSpPr>
+          <p:nvPr/>
+        </p:nvCxnSpPr>
+        <p:spPr>
+          <a:xfrm>
+            <a:off x="2410529" y="4674133"/>
+            <a:ext cx="0" cy="616483"/>
+          </a:xfrm>
+          <a:prstGeom prst="straightConnector1">
+            <a:avLst/>
+          </a:prstGeom>
+          <a:ln w="28575">
+            <a:headEnd type="triangle"/>
+            <a:tailEnd type="triangle"/>
+          </a:ln>
+        </p:spPr>
+        <p:style>
+          <a:lnRef idx="1">
+            <a:schemeClr val="accent6"/>
+          </a:lnRef>
+          <a:fillRef idx="0">
+            <a:schemeClr val="accent6"/>
+          </a:fillRef>
+          <a:effectRef idx="0">
+            <a:schemeClr val="accent6"/>
+          </a:effectRef>
+          <a:fontRef idx="minor">
+            <a:schemeClr val="tx1"/>
+          </a:fontRef>
+        </p:style>
+      </p:cxnSp>
+      <p:cxnSp>
+        <p:nvCxnSpPr>
+          <p:cNvPr id="58" name="Connecteur droit avec flèche 57">
+            <a:extLst>
+              <a:ext uri="{FF2B5EF4-FFF2-40B4-BE49-F238E27FC236}">
+                <a16:creationId xmlns:a16="http://schemas.microsoft.com/office/drawing/2014/main" xmlns="" id="{D4BD6031-7428-44E9-AB16-C3E8AEA229D9}"/>
+              </a:ext>
+            </a:extLst>
+          </p:cNvPr>
+          <p:cNvCxnSpPr>
+            <a:stCxn id="49" idx="2"/>
+            <a:endCxn id="15" idx="6"/>
+          </p:cNvCxnSpPr>
+          <p:nvPr/>
+        </p:nvCxnSpPr>
+        <p:spPr>
+          <a:xfrm flipH="1" flipV="1">
+            <a:off x="2777491" y="4337249"/>
+            <a:ext cx="1060583" cy="55782"/>
+          </a:xfrm>
+          <a:prstGeom prst="straightConnector1">
+            <a:avLst/>
+          </a:prstGeom>
+          <a:ln>
+            <a:tailEnd type="triangle"/>
+          </a:ln>
+        </p:spPr>
+        <p:style>
+          <a:lnRef idx="1">
+            <a:schemeClr val="accent1"/>
+          </a:lnRef>
+          <a:fillRef idx="0">
+            <a:schemeClr val="accent1"/>
+          </a:fillRef>
+          <a:effectRef idx="0">
+            <a:schemeClr val="accent1"/>
+          </a:effectRef>
+          <a:fontRef idx="minor">
+            <a:schemeClr val="tx1"/>
+          </a:fontRef>
+        </p:style>
+      </p:cxnSp>
+    </p:spTree>
+    <p:extLst>
+      <p:ext uri="{BB962C8B-B14F-4D97-AF65-F5344CB8AC3E}">
+        <p14:creationId xmlns:p14="http://schemas.microsoft.com/office/powerpoint/2010/main" val="1580936193"/>
+      </p:ext>
+    </p:extLst>
+  </p:cSld>
+  <p:clrMapOvr>
+    <a:masterClrMapping/>
+  </p:clrMapOvr>
+</p:sld>
+</file>
+
+<file path=ppt/slides/slide7.xml><?xml version="1.0" encoding="utf-8"?>
+<p:sld xmlns:a="http://schemas.openxmlformats.org/drawingml/2006/main" xmlns:r="http://schemas.openxmlformats.org/officeDocument/2006/relationships" xmlns:p="http://schemas.openxmlformats.org/presentationml/2006/main">
+  <p:cSld>
+    <p:spTree>
+      <p:nvGrpSpPr>
+        <p:cNvPr id="1" name=""/>
+        <p:cNvGrpSpPr/>
+        <p:nvPr/>
+      </p:nvGrpSpPr>
+      <p:grpSpPr>
+        <a:xfrm>
+          <a:off x="0" y="0"/>
+          <a:ext cx="0" cy="0"/>
+          <a:chOff x="0" y="0"/>
+          <a:chExt cx="0" cy="0"/>
+        </a:xfrm>
+      </p:grpSpPr>
+      <p:sp>
+        <p:nvSpPr>
+          <p:cNvPr id="4" name="Rectangle 3">
+            <a:extLst>
+              <a:ext uri="{FF2B5EF4-FFF2-40B4-BE49-F238E27FC236}">
+                <a16:creationId xmlns:a16="http://schemas.microsoft.com/office/drawing/2014/main" xmlns="" id="{64151244-F2E8-4F59-9D01-22DA90496055}"/>
+              </a:ext>
+            </a:extLst>
+          </p:cNvPr>
+          <p:cNvSpPr/>
+          <p:nvPr/>
+        </p:nvSpPr>
+        <p:spPr>
+          <a:xfrm>
+            <a:off x="168441" y="1005260"/>
+            <a:ext cx="8363999" cy="4870564"/>
+          </a:xfrm>
+          <a:prstGeom prst="rect">
+            <a:avLst/>
+          </a:prstGeom>
+        </p:spPr>
+        <p:txBody>
+          <a:bodyPr wrap="square">
+            <a:spAutoFit/>
+          </a:bodyPr>
+          <a:lstStyle/>
+          <a:p>
+            <a:r>
+              <a:rPr lang="fr-FR" sz="1350" dirty="0"/>
+              <a:t>select * </a:t>
+            </a:r>
+            <a:r>
+              <a:rPr lang="fr-FR" sz="1350" dirty="0" err="1"/>
+              <a:t>from</a:t>
+            </a:r>
+            <a:r>
+              <a:rPr lang="fr-FR" sz="1350" dirty="0"/>
+              <a:t> </a:t>
+            </a:r>
+            <a:r>
+              <a:rPr lang="fr-FR" sz="1350" dirty="0" err="1"/>
+              <a:t>DX.compteurs_rs</a:t>
+            </a:r>
+            <a:r>
+              <a:rPr lang="fr-FR" sz="1350" dirty="0"/>
+              <a:t> </a:t>
+            </a:r>
+            <a:r>
+              <a:rPr lang="fr-FR" sz="1350" dirty="0" err="1"/>
+              <a:t>where</a:t>
+            </a:r>
+            <a:r>
+              <a:rPr lang="fr-FR" sz="1350" dirty="0"/>
+              <a:t> RS='TAOPCO' and version like '07.20.01.a.%'; -- 07.20.01.a.r01</a:t>
+            </a:r>
+          </a:p>
+          <a:p>
+            <a:endParaRPr lang="fr-FR" sz="1350" dirty="0"/>
+          </a:p>
+          <a:p>
+            <a:r>
+              <a:rPr lang="fr-FR" sz="1350" dirty="0"/>
+              <a:t>-- Pour récupérer l'ensemble des RS liée à la </a:t>
+            </a:r>
+            <a:r>
+              <a:rPr lang="fr-FR" sz="1350" dirty="0" err="1"/>
+              <a:t>medro</a:t>
+            </a:r>
+            <a:r>
+              <a:rPr lang="fr-FR" sz="1350" dirty="0"/>
+              <a:t> TAOPC</a:t>
+            </a:r>
+          </a:p>
+          <a:p>
+            <a:r>
+              <a:rPr lang="fr-FR" sz="1350" dirty="0"/>
+              <a:t>select * </a:t>
+            </a:r>
+            <a:r>
+              <a:rPr lang="fr-FR" sz="1350" dirty="0" err="1"/>
+              <a:t>from</a:t>
+            </a:r>
+            <a:r>
+              <a:rPr lang="fr-FR" sz="1350" dirty="0"/>
+              <a:t> </a:t>
+            </a:r>
+            <a:r>
+              <a:rPr lang="fr-FR" sz="1350" dirty="0" err="1"/>
+              <a:t>DX.compteurs_rs</a:t>
+            </a:r>
+            <a:r>
+              <a:rPr lang="fr-FR" sz="1350" dirty="0"/>
+              <a:t> </a:t>
+            </a:r>
+            <a:r>
+              <a:rPr lang="fr-FR" sz="1350" dirty="0" err="1"/>
+              <a:t>where</a:t>
+            </a:r>
+            <a:r>
+              <a:rPr lang="fr-FR" sz="1350" dirty="0"/>
+              <a:t> </a:t>
+            </a:r>
+            <a:r>
+              <a:rPr lang="fr-FR" sz="1350" dirty="0" err="1"/>
+              <a:t>medro</a:t>
+            </a:r>
+            <a:r>
+              <a:rPr lang="fr-FR" sz="1350" dirty="0"/>
+              <a:t> ='TAOPC' and  version like '07.20.01.a.%';</a:t>
+            </a:r>
+          </a:p>
+          <a:p>
+            <a:endParaRPr lang="fr-FR" sz="1350" dirty="0"/>
+          </a:p>
+          <a:p>
+            <a:r>
+              <a:rPr lang="fr-FR" sz="1350" dirty="0"/>
+              <a:t>-- Requête pour récupérer la MEDRO d'appartenance à la RS FORMAT dont INDIC = 0 dans la </a:t>
+            </a:r>
+            <a:r>
+              <a:rPr lang="fr-FR" sz="1350" dirty="0" err="1"/>
+              <a:t>medro</a:t>
+            </a:r>
+            <a:r>
+              <a:rPr lang="fr-FR" sz="1350" dirty="0"/>
+              <a:t> TAOPC</a:t>
+            </a:r>
+          </a:p>
+          <a:p>
+            <a:r>
+              <a:rPr lang="fr-FR" sz="1350" dirty="0"/>
+              <a:t>select * </a:t>
+            </a:r>
+            <a:r>
+              <a:rPr lang="fr-FR" sz="1350" dirty="0" err="1"/>
+              <a:t>from</a:t>
+            </a:r>
+            <a:r>
+              <a:rPr lang="fr-FR" sz="1350" dirty="0"/>
+              <a:t> </a:t>
+            </a:r>
+            <a:r>
+              <a:rPr lang="fr-FR" sz="1350" dirty="0" err="1"/>
+              <a:t>DX.compteurs_rs</a:t>
+            </a:r>
+            <a:r>
+              <a:rPr lang="fr-FR" sz="1350" dirty="0"/>
+              <a:t> </a:t>
+            </a:r>
+            <a:r>
+              <a:rPr lang="fr-FR" sz="1350" dirty="0" err="1"/>
+              <a:t>where</a:t>
+            </a:r>
+            <a:r>
+              <a:rPr lang="fr-FR" sz="1350" dirty="0"/>
+              <a:t> RS='FORMAT' and indic=1 and version like '07.20.01.a.%';</a:t>
+            </a:r>
+          </a:p>
+          <a:p>
+            <a:endParaRPr lang="fr-FR" sz="1350" dirty="0"/>
+          </a:p>
+          <a:p>
+            <a:r>
+              <a:rPr lang="fr-FR" sz="1350" dirty="0"/>
+              <a:t>-- Récupérer l'ensemble des RS associées à la MEDRO FORM de la RS FORMAT</a:t>
+            </a:r>
+          </a:p>
+          <a:p>
+            <a:r>
+              <a:rPr lang="fr-FR" sz="1350" dirty="0"/>
+              <a:t>select * </a:t>
+            </a:r>
+            <a:r>
+              <a:rPr lang="fr-FR" sz="1350" dirty="0" err="1"/>
+              <a:t>from</a:t>
+            </a:r>
+            <a:r>
+              <a:rPr lang="fr-FR" sz="1350" dirty="0"/>
+              <a:t> </a:t>
+            </a:r>
+            <a:r>
+              <a:rPr lang="fr-FR" sz="1350" dirty="0" err="1"/>
+              <a:t>DX.compteurs_rs</a:t>
+            </a:r>
+            <a:r>
+              <a:rPr lang="fr-FR" sz="1350" dirty="0"/>
+              <a:t> </a:t>
+            </a:r>
+            <a:r>
+              <a:rPr lang="fr-FR" sz="1350" dirty="0" err="1"/>
+              <a:t>where</a:t>
+            </a:r>
+            <a:r>
+              <a:rPr lang="fr-FR" sz="1350" dirty="0"/>
+              <a:t> </a:t>
+            </a:r>
+            <a:r>
+              <a:rPr lang="fr-FR" sz="1350" dirty="0" err="1"/>
+              <a:t>medro</a:t>
+            </a:r>
+            <a:r>
+              <a:rPr lang="fr-FR" sz="1350" dirty="0"/>
+              <a:t> ='FORM' and  version like '07.20.01.a.%’;</a:t>
+            </a:r>
+          </a:p>
+          <a:p>
+            <a:endParaRPr lang="fr-FR" sz="1350" dirty="0"/>
+          </a:p>
+          <a:p>
+            <a:r>
+              <a:rPr lang="fr-FR" sz="1350" dirty="0"/>
+              <a:t>-----------------------------------------------------------------------------------------------</a:t>
+            </a:r>
+          </a:p>
+          <a:p>
+            <a:endParaRPr lang="fr-FR" sz="1350" dirty="0"/>
+          </a:p>
+          <a:p>
+            <a:r>
+              <a:rPr lang="fr-FR" sz="1350" dirty="0"/>
+              <a:t>-- UTILISE POUR LA COMICM</a:t>
+            </a:r>
+          </a:p>
+          <a:p>
+            <a:r>
+              <a:rPr lang="fr-FR" sz="1350" dirty="0"/>
+              <a:t>select * </a:t>
+            </a:r>
+            <a:r>
+              <a:rPr lang="fr-FR" sz="1350" dirty="0" err="1"/>
+              <a:t>from</a:t>
+            </a:r>
+            <a:r>
+              <a:rPr lang="fr-FR" sz="1350" dirty="0"/>
+              <a:t> </a:t>
+            </a:r>
+            <a:r>
+              <a:rPr lang="fr-FR" sz="1350" dirty="0" err="1"/>
+              <a:t>DX.compteurs_rs</a:t>
+            </a:r>
+            <a:r>
+              <a:rPr lang="fr-FR" sz="1350" dirty="0"/>
+              <a:t> </a:t>
+            </a:r>
+            <a:r>
+              <a:rPr lang="fr-FR" sz="1350" dirty="0" err="1"/>
+              <a:t>where</a:t>
+            </a:r>
+            <a:r>
+              <a:rPr lang="fr-FR" sz="1350" dirty="0"/>
+              <a:t> RS='COMICM' and version like '07.19.01.a%'; -- 07.20.01.a.r01</a:t>
+            </a:r>
+          </a:p>
+          <a:p>
+            <a:endParaRPr lang="fr-FR" sz="1350" dirty="0"/>
+          </a:p>
+          <a:p>
+            <a:r>
+              <a:rPr lang="fr-FR" sz="1350" dirty="0"/>
+              <a:t>select * </a:t>
+            </a:r>
+            <a:r>
+              <a:rPr lang="fr-FR" sz="1350" dirty="0" err="1"/>
+              <a:t>from</a:t>
+            </a:r>
+            <a:r>
+              <a:rPr lang="fr-FR" sz="1350" dirty="0"/>
+              <a:t> </a:t>
+            </a:r>
+            <a:r>
+              <a:rPr lang="fr-FR" sz="1350" dirty="0" err="1"/>
+              <a:t>DX.compteurs_rs</a:t>
+            </a:r>
+            <a:r>
+              <a:rPr lang="fr-FR" sz="1350" dirty="0"/>
+              <a:t> </a:t>
+            </a:r>
+            <a:r>
+              <a:rPr lang="fr-FR" sz="1350" dirty="0" err="1"/>
+              <a:t>where</a:t>
+            </a:r>
+            <a:r>
+              <a:rPr lang="fr-FR" sz="1350" dirty="0"/>
+              <a:t> </a:t>
+            </a:r>
+            <a:r>
+              <a:rPr lang="fr-FR" sz="1350" dirty="0" err="1"/>
+              <a:t>medro</a:t>
+            </a:r>
+            <a:r>
+              <a:rPr lang="fr-FR" sz="1350" dirty="0"/>
+              <a:t> ='COMICM' and  version like '07.19.01.a.%';</a:t>
+            </a:r>
+          </a:p>
+          <a:p>
+            <a:endParaRPr lang="fr-FR" sz="1350" dirty="0"/>
+          </a:p>
+          <a:p>
+            <a:r>
+              <a:rPr lang="fr-FR" sz="1350" dirty="0"/>
+              <a:t>select * </a:t>
+            </a:r>
+            <a:r>
+              <a:rPr lang="fr-FR" sz="1350" dirty="0" err="1"/>
+              <a:t>from</a:t>
+            </a:r>
+            <a:r>
+              <a:rPr lang="fr-FR" sz="1350" dirty="0"/>
+              <a:t> </a:t>
+            </a:r>
+            <a:r>
+              <a:rPr lang="fr-FR" sz="1350" dirty="0" err="1"/>
+              <a:t>DX.compteurs_rs</a:t>
+            </a:r>
+            <a:r>
+              <a:rPr lang="fr-FR" sz="1350" dirty="0"/>
+              <a:t> </a:t>
+            </a:r>
+            <a:r>
+              <a:rPr lang="fr-FR" sz="1350" dirty="0" err="1"/>
+              <a:t>where</a:t>
+            </a:r>
+            <a:r>
+              <a:rPr lang="fr-FR" sz="1350" dirty="0"/>
+              <a:t> RS='SUPICM' and indic=1 and version like '07.19.01.a.%';</a:t>
+            </a:r>
+          </a:p>
+          <a:p>
+            <a:endParaRPr lang="fr-FR" sz="1350" dirty="0"/>
+          </a:p>
+          <a:p>
+            <a:r>
+              <a:rPr lang="fr-FR" sz="1350" dirty="0"/>
+              <a:t>select * </a:t>
+            </a:r>
+            <a:r>
+              <a:rPr lang="fr-FR" sz="1350" dirty="0" err="1"/>
+              <a:t>from</a:t>
+            </a:r>
+            <a:r>
+              <a:rPr lang="fr-FR" sz="1350" dirty="0"/>
+              <a:t> </a:t>
+            </a:r>
+            <a:r>
+              <a:rPr lang="fr-FR" sz="1350" dirty="0" err="1"/>
+              <a:t>DX.compteurs_rs</a:t>
+            </a:r>
+            <a:r>
+              <a:rPr lang="fr-FR" sz="1350" dirty="0"/>
+              <a:t> </a:t>
+            </a:r>
+            <a:r>
+              <a:rPr lang="fr-FR" sz="1350" dirty="0" err="1"/>
+              <a:t>where</a:t>
+            </a:r>
+            <a:r>
+              <a:rPr lang="fr-FR" sz="1350" dirty="0"/>
+              <a:t> </a:t>
+            </a:r>
+            <a:r>
+              <a:rPr lang="fr-FR" sz="1350" dirty="0" err="1"/>
+              <a:t>medro</a:t>
+            </a:r>
+            <a:r>
+              <a:rPr lang="fr-FR" sz="1350" dirty="0"/>
+              <a:t> ='SUPICM' and  version like '07.19.01.a.%';</a:t>
+            </a:r>
+          </a:p>
+          <a:p>
+            <a:endParaRPr lang="fr-FR" sz="1350" dirty="0"/>
+          </a:p>
+          <a:p>
+            <a:r>
+              <a:rPr lang="fr-FR" sz="1350" dirty="0"/>
+              <a:t>select * </a:t>
+            </a:r>
+            <a:r>
+              <a:rPr lang="fr-FR" sz="1350" dirty="0" err="1"/>
+              <a:t>from</a:t>
+            </a:r>
+            <a:r>
+              <a:rPr lang="fr-FR" sz="1350" dirty="0"/>
+              <a:t> </a:t>
+            </a:r>
+            <a:r>
+              <a:rPr lang="fr-FR" sz="1350" dirty="0" err="1"/>
+              <a:t>DX.compteurs_rs</a:t>
+            </a:r>
+            <a:r>
+              <a:rPr lang="fr-FR" sz="1350" dirty="0"/>
+              <a:t> </a:t>
+            </a:r>
+            <a:r>
+              <a:rPr lang="fr-FR" sz="1350" dirty="0" err="1"/>
+              <a:t>where</a:t>
+            </a:r>
+            <a:r>
+              <a:rPr lang="fr-FR" sz="1350" dirty="0"/>
+              <a:t> </a:t>
+            </a:r>
+            <a:r>
+              <a:rPr lang="fr-FR" sz="1350" dirty="0" err="1"/>
+              <a:t>medro</a:t>
+            </a:r>
+            <a:r>
+              <a:rPr lang="fr-FR" sz="1350" dirty="0"/>
+              <a:t>='LOGET' and version like '07.17.00.d%'; -- 07.20.01.a.r01</a:t>
+            </a:r>
+          </a:p>
+        </p:txBody>
+      </p:sp>
+    </p:spTree>
+    <p:extLst>
+      <p:ext uri="{BB962C8B-B14F-4D97-AF65-F5344CB8AC3E}">
+        <p14:creationId xmlns:p14="http://schemas.microsoft.com/office/powerpoint/2010/main" val="1306855657"/>
+      </p:ext>
+    </p:extLst>
+  </p:cSld>
+  <p:clrMapOvr>
+    <a:masterClrMapping/>
+  </p:clrMapOvr>
+</p:sld>
+</file>
+
+<file path=ppt/slides/slide8.xml><?xml version="1.0" encoding="utf-8"?>
+<p:sld xmlns:a="http://schemas.openxmlformats.org/drawingml/2006/main" xmlns:r="http://schemas.openxmlformats.org/officeDocument/2006/relationships" xmlns:p="http://schemas.openxmlformats.org/presentationml/2006/main">
+  <p:cSld>
+    <p:spTree>
+      <p:nvGrpSpPr>
+        <p:cNvPr id="1" name=""/>
+        <p:cNvGrpSpPr/>
+        <p:nvPr/>
+      </p:nvGrpSpPr>
+      <p:grpSpPr>
+        <a:xfrm>
+          <a:off x="0" y="0"/>
+          <a:ext cx="0" cy="0"/>
+          <a:chOff x="0" y="0"/>
+          <a:chExt cx="0" cy="0"/>
+        </a:xfrm>
+      </p:grpSpPr>
+      <p:sp>
+        <p:nvSpPr>
+          <p:cNvPr id="2" name="Titre 1">
+            <a:extLst>
+              <a:ext uri="{FF2B5EF4-FFF2-40B4-BE49-F238E27FC236}">
+                <a16:creationId xmlns:a16="http://schemas.microsoft.com/office/drawing/2014/main" xmlns="" id="{C163F7A4-E67A-4531-8110-08E331508004}"/>
+              </a:ext>
+            </a:extLst>
+          </p:cNvPr>
+          <p:cNvSpPr>
+            <a:spLocks noGrp="1"/>
+          </p:cNvSpPr>
+          <p:nvPr>
+            <p:ph type="title"/>
+          </p:nvPr>
+        </p:nvSpPr>
+        <p:spPr/>
+        <p:txBody>
+          <a:bodyPr/>
+          <a:lstStyle/>
+          <a:p>
+            <a:r>
+              <a:rPr lang="fr-FR" dirty="0"/>
+              <a:t>Points de dev</a:t>
+            </a:r>
+          </a:p>
+        </p:txBody>
+      </p:sp>
+      <p:sp>
+        <p:nvSpPr>
+          <p:cNvPr id="3" name="Espace réservé du contenu 2">
+            <a:extLst>
+              <a:ext uri="{FF2B5EF4-FFF2-40B4-BE49-F238E27FC236}">
+                <a16:creationId xmlns:a16="http://schemas.microsoft.com/office/drawing/2014/main" xmlns="" id="{EDDEF14C-D4A8-4FBC-9DBD-85DD5DD54C98}"/>
+              </a:ext>
+            </a:extLst>
+          </p:cNvPr>
+          <p:cNvSpPr>
+            <a:spLocks noGrp="1"/>
+          </p:cNvSpPr>
+          <p:nvPr>
+            <p:ph idx="1"/>
+          </p:nvPr>
+        </p:nvSpPr>
+        <p:spPr/>
+        <p:txBody>
+          <a:bodyPr>
+            <a:normAutofit fontScale="32500" lnSpcReduction="20000"/>
+          </a:bodyPr>
+          <a:lstStyle/>
+          <a:p>
+            <a:r>
+              <a:rPr lang="fr-FR" dirty="0"/>
+              <a:t>Capacité à agrandir et réduire la fenêtre</a:t>
+            </a:r>
+          </a:p>
+          <a:p>
+            <a:endParaRPr lang="fr-FR" dirty="0"/>
+          </a:p>
+          <a:p>
+            <a:r>
+              <a:rPr lang="fr-FR" dirty="0"/>
+              <a:t>Ajouter une légende</a:t>
+            </a:r>
+          </a:p>
+          <a:p>
+            <a:endParaRPr lang="fr-FR" dirty="0"/>
+          </a:p>
+          <a:p>
+            <a:r>
+              <a:rPr lang="fr-FR" dirty="0"/>
+              <a:t>Clique sur une bulle qui nous présente l’état des paramètres qui entrent dans le calcul de la RS</a:t>
+            </a:r>
+          </a:p>
+          <a:p>
+            <a:endParaRPr lang="fr-FR" dirty="0"/>
+          </a:p>
+          <a:p>
+            <a:r>
+              <a:rPr lang="fr-FR" dirty="0"/>
+              <a:t>Aucun </a:t>
+            </a:r>
+            <a:r>
+              <a:rPr lang="fr-FR" dirty="0" err="1"/>
+              <a:t>Indicatauer</a:t>
+            </a:r>
+            <a:r>
+              <a:rPr lang="fr-FR" dirty="0"/>
+              <a:t> à 1 =&gt; Bulle rectangulaire « Manque donnée </a:t>
+            </a:r>
+            <a:r>
+              <a:rPr lang="fr-FR" dirty="0" err="1"/>
+              <a:t>medro</a:t>
+            </a:r>
+            <a:r>
+              <a:rPr lang="fr-FR" dirty="0"/>
+              <a:t> d’appartenance »</a:t>
+            </a:r>
+          </a:p>
+          <a:p>
+            <a:endParaRPr lang="fr-FR" dirty="0"/>
+          </a:p>
+          <a:p>
+            <a:r>
+              <a:rPr lang="fr-FR" dirty="0"/>
+              <a:t>Introduire la notion de bijection pour des RS d’indicateur qui se retrouvent chacune dans sa MEDRO respective</a:t>
+            </a:r>
+          </a:p>
+          <a:p>
+            <a:pPr marL="0" indent="0">
+              <a:buNone/>
+            </a:pPr>
+            <a:r>
+              <a:rPr lang="fr-FR" dirty="0"/>
+              <a:t>EX. : </a:t>
+            </a:r>
+          </a:p>
+          <a:p>
+            <a:pPr marL="0" indent="0">
+              <a:buNone/>
+            </a:pPr>
+            <a:r>
+              <a:rPr lang="fr-FR" dirty="0"/>
+              <a:t>COMICM </a:t>
+            </a:r>
+            <a:r>
+              <a:rPr lang="fr-FR" dirty="0" err="1"/>
+              <a:t>COMICM</a:t>
+            </a:r>
+            <a:r>
+              <a:rPr lang="fr-FR" dirty="0"/>
+              <a:t> (INDIC=1)</a:t>
+            </a:r>
+          </a:p>
+          <a:p>
+            <a:pPr marL="0" indent="0">
+              <a:buNone/>
+            </a:pPr>
+            <a:r>
+              <a:rPr lang="fr-FR" dirty="0"/>
+              <a:t>COMICM SUPICM (INDIC=0)</a:t>
+            </a:r>
+          </a:p>
+          <a:p>
+            <a:pPr marL="0" indent="0">
+              <a:buNone/>
+            </a:pPr>
+            <a:r>
+              <a:rPr lang="fr-FR" dirty="0"/>
+              <a:t>SUPICM </a:t>
+            </a:r>
+            <a:r>
+              <a:rPr lang="fr-FR" dirty="0" err="1"/>
+              <a:t>SUPICM</a:t>
+            </a:r>
+            <a:r>
+              <a:rPr lang="fr-FR" dirty="0"/>
+              <a:t> (INDIC=1)</a:t>
+            </a:r>
+          </a:p>
+          <a:p>
+            <a:pPr marL="0" indent="0">
+              <a:buNone/>
+            </a:pPr>
+            <a:r>
+              <a:rPr lang="fr-FR" dirty="0"/>
+              <a:t>SUPICM COMICM (INDIC=0)</a:t>
+            </a:r>
+          </a:p>
+          <a:p>
+            <a:pPr>
+              <a:buFont typeface="Symbol" panose="05050102010706020507" pitchFamily="18" charset="2"/>
+              <a:buChar char="Þ"/>
+            </a:pPr>
+            <a:r>
+              <a:rPr lang="fr-FR" dirty="0"/>
+              <a:t>BIJECTION entre COMICM et SUPICM</a:t>
+            </a:r>
+          </a:p>
+          <a:p>
+            <a:pPr>
+              <a:buFont typeface="Symbol" panose="05050102010706020507" pitchFamily="18" charset="2"/>
+              <a:buChar char="Þ"/>
+            </a:pPr>
+            <a:endParaRPr lang="fr-FR" dirty="0"/>
+          </a:p>
+          <a:p>
+            <a:r>
+              <a:rPr lang="fr-FR" dirty="0"/>
+              <a:t>Ajouter la couleur sur les arcs entre les RS</a:t>
+            </a:r>
+          </a:p>
+          <a:p>
+            <a:endParaRPr lang="fr-FR" dirty="0"/>
+          </a:p>
+          <a:p>
+            <a:r>
+              <a:rPr lang="fr-FR" dirty="0"/>
+              <a:t>Capacité à zoomer et déplacer les bulles</a:t>
+            </a:r>
+          </a:p>
+          <a:p>
+            <a:endParaRPr lang="fr-FR" dirty="0"/>
+          </a:p>
+          <a:p>
+            <a:r>
+              <a:rPr lang="fr-FR" dirty="0"/>
+              <a:t>Pour s’amuser mettre une couche </a:t>
+            </a:r>
+            <a:r>
+              <a:rPr lang="fr-FR" dirty="0" smtClean="0"/>
+              <a:t>CSS</a:t>
+            </a:r>
+          </a:p>
+          <a:p>
+            <a:endParaRPr lang="fr-FR" dirty="0"/>
+          </a:p>
+          <a:p>
+            <a:r>
+              <a:rPr lang="fr-FR" dirty="0" err="1" smtClean="0"/>
+              <a:t>NullPointerException</a:t>
+            </a:r>
+            <a:r>
+              <a:rPr lang="fr-FR" dirty="0" smtClean="0"/>
+              <a:t> lorsqu’on sélectionne une version de Référence pour laquelle il n’y a pas de DSE </a:t>
+            </a:r>
+            <a:r>
+              <a:rPr lang="fr-FR" dirty="0" err="1" smtClean="0"/>
+              <a:t>assovié</a:t>
+            </a:r>
+            <a:r>
+              <a:rPr lang="fr-FR" dirty="0" smtClean="0"/>
+              <a:t> à la RS</a:t>
+            </a:r>
+          </a:p>
+          <a:p>
+            <a:endParaRPr lang="fr-FR" dirty="0"/>
+          </a:p>
+          <a:p>
+            <a:r>
+              <a:rPr lang="fr-FR" smtClean="0"/>
+              <a:t>Boucle infini sur les RS</a:t>
+            </a:r>
+            <a:endParaRPr lang="fr-FR" dirty="0"/>
+          </a:p>
+        </p:txBody>
+      </p:sp>
+    </p:spTree>
+    <p:extLst>
+      <p:ext uri="{BB962C8B-B14F-4D97-AF65-F5344CB8AC3E}">
+        <p14:creationId xmlns:p14="http://schemas.microsoft.com/office/powerpoint/2010/main" val="374339433"/>
+      </p:ext>
+    </p:extLst>
+  </p:cSld>
+  <p:clrMapOvr>
+    <a:masterClrMapping/>
+  </p:clrMapOvr>
+</p:sld>
+</file>
+
+<file path=ppt/slides/slide9.xml><?xml version="1.0" encoding="utf-8"?>
+<p:sld xmlns:a="http://schemas.openxmlformats.org/drawingml/2006/main" xmlns:r="http://schemas.openxmlformats.org/officeDocument/2006/relationships" xmlns:p="http://schemas.openxmlformats.org/presentationml/2006/main">
+  <p:cSld>
+    <p:spTree>
+      <p:nvGrpSpPr>
+        <p:cNvPr id="1" name=""/>
+        <p:cNvGrpSpPr/>
+        <p:nvPr/>
+      </p:nvGrpSpPr>
+      <p:grpSpPr>
+        <a:xfrm>
+          <a:off x="0" y="0"/>
+          <a:ext cx="0" cy="0"/>
+          <a:chOff x="0" y="0"/>
+          <a:chExt cx="0" cy="0"/>
+        </a:xfrm>
+      </p:grpSpPr>
+      <p:sp>
+        <p:nvSpPr>
+          <p:cNvPr id="2" name="Titre 1"/>
+          <p:cNvSpPr>
+            <a:spLocks noGrp="1"/>
+          </p:cNvSpPr>
+          <p:nvPr>
+            <p:ph type="title"/>
+          </p:nvPr>
+        </p:nvSpPr>
+        <p:spPr/>
+        <p:txBody>
+          <a:bodyPr/>
+          <a:lstStyle/>
+          <a:p>
+            <a:r>
+              <a:rPr lang="fr-FR" dirty="0" smtClean="0"/>
+              <a:t>Jeu de données</a:t>
+            </a:r>
+            <a:endParaRPr lang="fr-FR" dirty="0"/>
+          </a:p>
+        </p:txBody>
+      </p:sp>
+      <p:sp>
+        <p:nvSpPr>
+          <p:cNvPr id="3" name="Espace réservé du contenu 2"/>
+          <p:cNvSpPr>
+            <a:spLocks noGrp="1"/>
+          </p:cNvSpPr>
+          <p:nvPr>
+            <p:ph idx="1"/>
+          </p:nvPr>
+        </p:nvSpPr>
+        <p:spPr/>
+        <p:txBody>
+          <a:bodyPr>
+            <a:normAutofit fontScale="47500" lnSpcReduction="20000"/>
+          </a:bodyPr>
+          <a:lstStyle/>
+          <a:p>
+            <a:r>
+              <a:rPr lang="fr-FR" dirty="0" err="1" smtClean="0"/>
+              <a:t>comptagesBDD.add</a:t>
+            </a:r>
+            <a:r>
+              <a:rPr lang="fr-FR" dirty="0" smtClean="0"/>
+              <a:t>(new Comptage("07.14.01.a.r01","TAOPC","FORMAT",2,0,0,0));</a:t>
+            </a:r>
+          </a:p>
+          <a:p>
+            <a:r>
+              <a:rPr lang="fr-FR" dirty="0" err="1" smtClean="0"/>
+              <a:t>comptagesBDD.add</a:t>
+            </a:r>
+            <a:r>
+              <a:rPr lang="fr-FR" dirty="0" smtClean="0"/>
+              <a:t>(new Comptage("07.14.01.a.r01","TAOPC","TAOPCO",13,3,3,1));</a:t>
+            </a:r>
+          </a:p>
+          <a:p>
+            <a:endParaRPr lang="fr-FR" dirty="0" smtClean="0"/>
+          </a:p>
+          <a:p>
+            <a:r>
+              <a:rPr lang="fr-FR" dirty="0" err="1" smtClean="0"/>
+              <a:t>comptagesBDD.add</a:t>
+            </a:r>
+            <a:r>
+              <a:rPr lang="fr-FR" dirty="0" smtClean="0"/>
+              <a:t>(new Comptage("07.19.00.c.r01","TAOPC","FORMAT",4,0,0,0));</a:t>
+            </a:r>
+          </a:p>
+          <a:p>
+            <a:r>
+              <a:rPr lang="fr-FR" dirty="0" err="1" smtClean="0"/>
+              <a:t>comptagesBDD.add</a:t>
+            </a:r>
+            <a:r>
+              <a:rPr lang="fr-FR" dirty="0" smtClean="0"/>
+              <a:t>(new Comptage("07.19.00.c.r01","TEST","RECRUT",37,2,0,0));</a:t>
+            </a:r>
+          </a:p>
+          <a:p>
+            <a:r>
+              <a:rPr lang="fr-FR" dirty="0" err="1" smtClean="0"/>
+              <a:t>comptagesBDD.add</a:t>
+            </a:r>
+            <a:r>
+              <a:rPr lang="fr-FR" dirty="0" smtClean="0"/>
+              <a:t>(new Comptage("07.19.00.c.r01","FORM","RECRUT",37,2,0,0));</a:t>
+            </a:r>
+          </a:p>
+          <a:p>
+            <a:r>
+              <a:rPr lang="fr-FR" dirty="0" err="1" smtClean="0"/>
+              <a:t>comptagesBDD.add</a:t>
+            </a:r>
+            <a:r>
+              <a:rPr lang="fr-FR" dirty="0" smtClean="0"/>
+              <a:t>(new Comptage("07.19.00.c.r01","FORM","FORMAT",30,2,10,1));</a:t>
+            </a:r>
+          </a:p>
+          <a:p>
+            <a:r>
+              <a:rPr lang="fr-FR" dirty="0" err="1" smtClean="0"/>
+              <a:t>comptagesBDD.add</a:t>
+            </a:r>
+            <a:r>
+              <a:rPr lang="fr-FR" dirty="0" smtClean="0"/>
+              <a:t>(new Comptage("07.19.00.c.r01","TAOPC","YYYY",4,0,0,1));</a:t>
+            </a:r>
+          </a:p>
+          <a:p>
+            <a:r>
+              <a:rPr lang="fr-FR" dirty="0" err="1" smtClean="0"/>
+              <a:t>comptagesBDD.add</a:t>
+            </a:r>
+            <a:r>
+              <a:rPr lang="fr-FR" dirty="0" smtClean="0"/>
+              <a:t>(new Comptage("07.19.00.c.r01","TAOPC","AAAA",4,0,0,1));</a:t>
+            </a:r>
+          </a:p>
+          <a:p>
+            <a:r>
+              <a:rPr lang="fr-FR" dirty="0" err="1" smtClean="0"/>
+              <a:t>comptagesBDD.add</a:t>
+            </a:r>
+            <a:r>
+              <a:rPr lang="fr-FR" dirty="0" smtClean="0"/>
+              <a:t>(new Comptage("07.19.00.c.r01","TAOPC","TAOPCO",38,0,3,1));</a:t>
+            </a:r>
+          </a:p>
+          <a:p>
+            <a:endParaRPr lang="fr-FR" dirty="0" smtClean="0"/>
+          </a:p>
+          <a:p>
+            <a:r>
+              <a:rPr lang="fr-FR" dirty="0" err="1" smtClean="0"/>
+              <a:t>comptagesBDD.add</a:t>
+            </a:r>
+            <a:r>
+              <a:rPr lang="fr-FR" dirty="0" smtClean="0"/>
+              <a:t>(new Comptage("07.20.01.a.r01","TAOPC","YYYY",2,0,0,1));</a:t>
+            </a:r>
+          </a:p>
+          <a:p>
+            <a:r>
+              <a:rPr lang="fr-FR" dirty="0" err="1" smtClean="0"/>
+              <a:t>comptagesBDD.add</a:t>
+            </a:r>
+            <a:r>
+              <a:rPr lang="fr-FR" dirty="0" smtClean="0"/>
+              <a:t>(new Comptage("07.20.01.a.r01","TAOPC","AAAA",2,0,0,1));</a:t>
+            </a:r>
+          </a:p>
+          <a:p>
+            <a:r>
+              <a:rPr lang="fr-FR" dirty="0" err="1" smtClean="0"/>
+              <a:t>comptagesBDD.add</a:t>
+            </a:r>
+            <a:r>
+              <a:rPr lang="fr-FR" dirty="0" smtClean="0"/>
+              <a:t>(new Comptage("07.20.01.a.r01","TAOPC","FORMAT",2,0,0,0));</a:t>
+            </a:r>
+          </a:p>
+          <a:p>
+            <a:r>
+              <a:rPr lang="fr-FR" dirty="0" err="1" smtClean="0"/>
+              <a:t>comptagesBDD.add</a:t>
+            </a:r>
+            <a:r>
+              <a:rPr lang="fr-FR" dirty="0" smtClean="0"/>
+              <a:t>(new Comptage("07.20.01.a.r01","TAOPC","TAOPCO",14,0,0,1));</a:t>
+            </a:r>
+          </a:p>
+          <a:p>
+            <a:r>
+              <a:rPr lang="fr-FR" dirty="0" err="1" smtClean="0"/>
+              <a:t>comptagesBDD.add</a:t>
+            </a:r>
+            <a:r>
+              <a:rPr lang="fr-FR" dirty="0" smtClean="0"/>
+              <a:t>(new Comptage("07.20.01.a.r01","FORM","FORMAT",30,2,10,1));</a:t>
+            </a:r>
+          </a:p>
+          <a:p>
+            <a:r>
+              <a:rPr lang="fr-FR" dirty="0" err="1" smtClean="0"/>
+              <a:t>comptagesBDD.add</a:t>
+            </a:r>
+            <a:r>
+              <a:rPr lang="fr-FR" dirty="0" smtClean="0"/>
+              <a:t>(new Comptage("07.20.01.a.r01","FORM","RECRUT",37,2,0,0));</a:t>
+            </a:r>
+          </a:p>
+          <a:p>
+            <a:r>
+              <a:rPr lang="fr-FR" dirty="0" err="1" smtClean="0"/>
+              <a:t>comptagesBDD.add</a:t>
+            </a:r>
+            <a:r>
+              <a:rPr lang="fr-FR" dirty="0" smtClean="0"/>
+              <a:t>(new Comptage("07.20.01.a.r01","TEST","RECRUT",37,2,0,0));</a:t>
+            </a:r>
+          </a:p>
+          <a:p>
+            <a:r>
+              <a:rPr lang="fr-FR" dirty="0" err="1" smtClean="0"/>
+              <a:t>comptagesBDD.add</a:t>
+            </a:r>
+            <a:r>
+              <a:rPr lang="fr-FR" dirty="0" smtClean="0"/>
+              <a:t>(new Comptage("07.20.01.a.r01","TEST","AZER",37,2,11,1));</a:t>
+            </a:r>
+            <a:endParaRPr lang="fr-FR" dirty="0"/>
+          </a:p>
+        </p:txBody>
+      </p:sp>
+    </p:spTree>
+    <p:extLst>
+      <p:ext uri="{BB962C8B-B14F-4D97-AF65-F5344CB8AC3E}">
+        <p14:creationId xmlns:p14="http://schemas.microsoft.com/office/powerpoint/2010/main" val="3408342390"/>
+      </p:ext>
+    </p:extLst>
+  </p:cSld>
+  <p:clrMapOvr>
+    <a:masterClrMapping/>
+  </p:clrMapOvr>
 </p:sld>
 </file>
 
